--- a/translations/en-us/RobotGame/ConsolidatedJudging.pptx
+++ b/translations/en-us/RobotGame/ConsolidatedJudging.pptx
@@ -19,7 +19,7 @@
   <p:sldIdLst>
     <p:sldId id="289" r:id="rId8"/>
     <p:sldId id="300" r:id="rId9"/>
-    <p:sldId id="301" r:id="rId10"/>
+    <p:sldId id="305" r:id="rId10"/>
     <p:sldId id="302" r:id="rId11"/>
     <p:sldId id="303" r:id="rId12"/>
     <p:sldId id="304" r:id="rId13"/>
@@ -223,7 +223,7 @@
           <a:p>
             <a:fld id="{E354B44E-40A3-0E46-B16A-9BF1250A248B}" type="datetimeFigureOut">
               <a:rPr lang="en-US" smtClean="0"/>
-              <a:t>7/8/19</a:t>
+              <a:t>10/27/22</a:t>
             </a:fld>
             <a:endParaRPr lang="en-US"/>
           </a:p>
@@ -389,7 +389,7 @@
           <a:p>
             <a:fld id="{C86AD16C-2DB4-6642-BAD4-9ED973A087A0}" type="datetimeFigureOut">
               <a:rPr lang="en-US" smtClean="0"/>
-              <a:t>7/8/19</a:t>
+              <a:t>10/27/22</a:t>
             </a:fld>
             <a:endParaRPr lang="en-US"/>
           </a:p>
@@ -1016,9 +1016,9 @@
           <a:bodyPr/>
           <a:lstStyle/>
           <a:p>
-            <a:fld id="{7F41BA8B-E3C0-834C-AA20-E62D8B6E3FBD}" type="datetime1">
+            <a:fld id="{45917504-4963-CD41-ACAC-5C6900A6DF20}" type="datetime1">
               <a:rPr lang="en-US" smtClean="0"/>
-              <a:t>7/8/19</a:t>
+              <a:t>10/27/22</a:t>
             </a:fld>
             <a:endParaRPr lang="en-US"/>
           </a:p>
@@ -1041,7 +1041,7 @@
           <a:p>
             <a:r>
               <a:rPr lang="en-US"/>
-              <a:t>© 2019, FLL Tutorials, Last Edit 7/07/2019</a:t>
+              <a:t>© 2022, FLL Tutorials</a:t>
             </a:r>
           </a:p>
         </p:txBody>
@@ -1612,9 +1612,9 @@
           <a:bodyPr/>
           <a:lstStyle/>
           <a:p>
-            <a:fld id="{D7ABD406-040A-2F4E-8A5D-614782475A85}" type="datetime1">
+            <a:fld id="{7CC7E88E-4844-4A49-ADF5-4ACECF47B7A3}" type="datetime1">
               <a:rPr lang="en-US" smtClean="0"/>
-              <a:t>7/8/19</a:t>
+              <a:t>10/27/22</a:t>
             </a:fld>
             <a:endParaRPr lang="en-US"/>
           </a:p>
@@ -1637,7 +1637,7 @@
           <a:p>
             <a:r>
               <a:rPr lang="en-US"/>
-              <a:t>© 2019, FLL Tutorials, Last Edit 7/07/2019</a:t>
+              <a:t>© 2022, FLL Tutorials</a:t>
             </a:r>
           </a:p>
         </p:txBody>
@@ -1793,9 +1793,9 @@
           <a:bodyPr/>
           <a:lstStyle/>
           <a:p>
-            <a:fld id="{1825C4B6-8311-A04C-B3F8-21A45A3B3F75}" type="datetime1">
+            <a:fld id="{2001A481-F994-9B40-A7EB-AFD31A62D23F}" type="datetime1">
               <a:rPr lang="en-US" smtClean="0"/>
-              <a:t>7/8/19</a:t>
+              <a:t>10/27/22</a:t>
             </a:fld>
             <a:endParaRPr lang="en-US"/>
           </a:p>
@@ -1818,7 +1818,7 @@
           <a:p>
             <a:r>
               <a:rPr lang="en-US"/>
-              <a:t>© 2019, FLL Tutorials, Last Edit 7/07/2019</a:t>
+              <a:t>© 2022, FLL Tutorials</a:t>
             </a:r>
           </a:p>
         </p:txBody>
@@ -2009,9 +2009,9 @@
           <a:bodyPr/>
           <a:lstStyle/>
           <a:p>
-            <a:fld id="{728FB7D8-CD74-D141-A56A-D8514EDC9EEB}" type="datetime1">
+            <a:fld id="{754D787E-799D-CE44-87D8-A6DC99BB6437}" type="datetime1">
               <a:rPr lang="en-US" smtClean="0"/>
-              <a:t>7/8/19</a:t>
+              <a:t>10/27/22</a:t>
             </a:fld>
             <a:endParaRPr lang="en-US"/>
           </a:p>
@@ -2039,7 +2039,7 @@
           <a:p>
             <a:r>
               <a:rPr lang="en-US"/>
-              <a:t>© 2019, FLL Tutorials, Last Edit 7/07/2019</a:t>
+              <a:t>© 2022, FLL Tutorials</a:t>
             </a:r>
           </a:p>
         </p:txBody>
@@ -2229,7 +2229,7 @@
           <a:noFill/>
           <a:extLst>
             <a:ext uri="{909E8E84-426E-40dd-AFC4-6F175D3DCCD1}">
-              <a14:hiddenFill xmlns:a14="http://schemas.microsoft.com/office/drawing/2010/main" xmlns="">
+              <a14:hiddenFill xmlns="" xmlns:a14="http://schemas.microsoft.com/office/drawing/2010/main">
                 <a:solidFill>
                   <a:srgbClr val="FFFFFF"/>
                 </a:solidFill>
@@ -2853,9 +2853,9 @@
           <a:bodyPr/>
           <a:lstStyle/>
           <a:p>
-            <a:fld id="{E2909565-B603-C747-BD3A-9EA5366CF34B}" type="datetime1">
+            <a:fld id="{C951D704-2CAA-7A48-A9F9-FFFBB8A095E9}" type="datetime1">
               <a:rPr lang="en-US" smtClean="0"/>
-              <a:t>7/8/19</a:t>
+              <a:t>10/27/22</a:t>
             </a:fld>
             <a:endParaRPr lang="en-US"/>
           </a:p>
@@ -2878,7 +2878,7 @@
           <a:p>
             <a:r>
               <a:rPr lang="en-US"/>
-              <a:t>© 2019, FLL Tutorials, Last Edit 7/07/2019</a:t>
+              <a:t>© 2022, FLL Tutorials</a:t>
             </a:r>
           </a:p>
         </p:txBody>
@@ -3118,9 +3118,9 @@
           <a:bodyPr/>
           <a:lstStyle/>
           <a:p>
-            <a:fld id="{0D45A3F4-25E2-6143-A831-5CDDBD9C9FF3}" type="datetime1">
+            <a:fld id="{A137FC13-6EC4-0D4C-B7D9-35A376760E26}" type="datetime1">
               <a:rPr lang="en-US" smtClean="0"/>
-              <a:t>7/8/19</a:t>
+              <a:t>10/27/22</a:t>
             </a:fld>
             <a:endParaRPr lang="en-US"/>
           </a:p>
@@ -3174,7 +3174,7 @@
           <a:p>
             <a:r>
               <a:rPr lang="en-US"/>
-              <a:t>© 2019, FLL Tutorials, Last Edit 7/07/2019</a:t>
+              <a:t>© 2022, FLL Tutorials</a:t>
             </a:r>
           </a:p>
         </p:txBody>
@@ -3421,9 +3421,9 @@
           <a:bodyPr/>
           <a:lstStyle/>
           <a:p>
-            <a:fld id="{D35E2155-3058-6B4F-9217-3B43D79C3851}" type="datetime1">
+            <a:fld id="{86D3AB76-9F9F-F54D-9850-245426D8E8BA}" type="datetime1">
               <a:rPr lang="en-US" smtClean="0"/>
-              <a:t>7/8/19</a:t>
+              <a:t>10/27/22</a:t>
             </a:fld>
             <a:endParaRPr lang="en-US"/>
           </a:p>
@@ -3446,7 +3446,7 @@
           <a:p>
             <a:r>
               <a:rPr lang="en-US"/>
-              <a:t>© 2019, FLL Tutorials, Last Edit 7/07/2019</a:t>
+              <a:t>© 2022, FLL Tutorials</a:t>
             </a:r>
           </a:p>
         </p:txBody>
@@ -3875,9 +3875,9 @@
           <a:bodyPr/>
           <a:lstStyle/>
           <a:p>
-            <a:fld id="{886CFDCD-5825-AA48-AAF0-FA843706B095}" type="datetime1">
+            <a:fld id="{53EF38C1-9C3B-D845-B8CA-5A4FC866D566}" type="datetime1">
               <a:rPr lang="en-US" smtClean="0"/>
-              <a:t>7/8/19</a:t>
+              <a:t>10/27/22</a:t>
             </a:fld>
             <a:endParaRPr lang="en-US"/>
           </a:p>
@@ -3900,7 +3900,7 @@
           <a:p>
             <a:r>
               <a:rPr lang="en-US"/>
-              <a:t>© 2019, FLL Tutorials, Last Edit 7/07/2019</a:t>
+              <a:t>© 2022, FLL Tutorials</a:t>
             </a:r>
           </a:p>
         </p:txBody>
@@ -4003,9 +4003,9 @@
           <a:bodyPr/>
           <a:lstStyle/>
           <a:p>
-            <a:fld id="{5A7305D9-3EFE-5648-8057-9152A1F51811}" type="datetime1">
+            <a:fld id="{9000E643-3764-5E4B-896A-6794DE4A77E3}" type="datetime1">
               <a:rPr lang="en-US" smtClean="0"/>
-              <a:t>7/8/19</a:t>
+              <a:t>10/27/22</a:t>
             </a:fld>
             <a:endParaRPr lang="en-US"/>
           </a:p>
@@ -4028,7 +4028,7 @@
           <a:p>
             <a:r>
               <a:rPr lang="en-US"/>
-              <a:t>© 2019, FLL Tutorials, Last Edit 7/07/2019</a:t>
+              <a:t>© 2022, FLL Tutorials</a:t>
             </a:r>
           </a:p>
         </p:txBody>
@@ -4109,9 +4109,9 @@
           <a:bodyPr/>
           <a:lstStyle/>
           <a:p>
-            <a:fld id="{0593F66B-4929-C344-92DA-B96D2495C7B3}" type="datetime1">
+            <a:fld id="{EAD7E02A-D72E-884C-9434-5EC0445AB235}" type="datetime1">
               <a:rPr lang="en-US" smtClean="0"/>
-              <a:t>7/8/19</a:t>
+              <a:t>10/27/22</a:t>
             </a:fld>
             <a:endParaRPr lang="en-US"/>
           </a:p>
@@ -4134,7 +4134,7 @@
           <a:p>
             <a:r>
               <a:rPr lang="en-US"/>
-              <a:t>© 2019, FLL Tutorials, Last Edit 7/07/2019</a:t>
+              <a:t>© 2022, FLL Tutorials</a:t>
             </a:r>
           </a:p>
         </p:txBody>
@@ -4367,9 +4367,9 @@
           <a:bodyPr/>
           <a:lstStyle/>
           <a:p>
-            <a:fld id="{2E139B4D-8158-7641-BE44-09752D9EDA7C}" type="datetime1">
+            <a:fld id="{F18B3150-9E4F-754C-9970-73BEDA88D8C1}" type="datetime1">
               <a:rPr lang="en-US" smtClean="0"/>
-              <a:t>7/8/19</a:t>
+              <a:t>10/27/22</a:t>
             </a:fld>
             <a:endParaRPr lang="en-US"/>
           </a:p>
@@ -4392,7 +4392,7 @@
           <a:p>
             <a:r>
               <a:rPr lang="en-US"/>
-              <a:t>© 2019, FLL Tutorials, Last Edit 7/07/2019</a:t>
+              <a:t>© 2022, FLL Tutorials</a:t>
             </a:r>
           </a:p>
         </p:txBody>
@@ -4579,9 +4579,9 @@
           <a:bodyPr/>
           <a:lstStyle/>
           <a:p>
-            <a:fld id="{73F8D10C-CEB8-6F4E-A6C7-855297218918}" type="datetime1">
+            <a:fld id="{6264EF6E-6D9F-B547-BDDF-5AC239EE5CE4}" type="datetime1">
               <a:rPr lang="en-US" smtClean="0"/>
-              <a:t>7/8/19</a:t>
+              <a:t>10/27/22</a:t>
             </a:fld>
             <a:endParaRPr lang="en-US"/>
           </a:p>
@@ -4604,7 +4604,7 @@
           <a:p>
             <a:r>
               <a:rPr lang="en-US"/>
-              <a:t>© 2019, FLL Tutorials, Last Edit 7/07/2019</a:t>
+              <a:t>© 2022, FLL Tutorials</a:t>
             </a:r>
           </a:p>
         </p:txBody>
@@ -4862,9 +4862,9 @@
           <a:bodyPr/>
           <a:lstStyle/>
           <a:p>
-            <a:fld id="{1DCB8A30-2984-1146-86D6-6679113F3D34}" type="datetime1">
+            <a:fld id="{399EC7DA-8F5C-A84D-95C3-3BCEE408939B}" type="datetime1">
               <a:rPr lang="en-US" smtClean="0"/>
-              <a:t>7/8/19</a:t>
+              <a:t>10/27/22</a:t>
             </a:fld>
             <a:endParaRPr lang="en-US"/>
           </a:p>
@@ -4887,7 +4887,7 @@
           <a:p>
             <a:r>
               <a:rPr lang="en-US"/>
-              <a:t>© 2019, FLL Tutorials, Last Edit 7/07/2019</a:t>
+              <a:t>© 2022, FLL Tutorials</a:t>
             </a:r>
           </a:p>
         </p:txBody>
@@ -5129,9 +5129,9 @@
           <a:bodyPr/>
           <a:lstStyle/>
           <a:p>
-            <a:fld id="{DCE02812-2C97-7E42-B47D-A726A79A4EEF}" type="datetime1">
+            <a:fld id="{CB03346B-60F2-4945-8E37-6DF8792C7363}" type="datetime1">
               <a:rPr lang="en-US" smtClean="0"/>
-              <a:t>7/8/19</a:t>
+              <a:t>10/27/22</a:t>
             </a:fld>
             <a:endParaRPr lang="en-US"/>
           </a:p>
@@ -5154,7 +5154,7 @@
           <a:p>
             <a:r>
               <a:rPr lang="en-US"/>
-              <a:t>© 2019, FLL Tutorials, Last Edit 7/07/2019</a:t>
+              <a:t>© 2022, FLL Tutorials</a:t>
             </a:r>
           </a:p>
         </p:txBody>
@@ -5318,9 +5318,9 @@
           <a:bodyPr/>
           <a:lstStyle/>
           <a:p>
-            <a:fld id="{713CA32A-1709-3B46-A6F1-21A959E2776C}" type="datetime1">
+            <a:fld id="{4AA81B21-0BAE-0545-807D-93D73B7B8BD8}" type="datetime1">
               <a:rPr lang="en-US" smtClean="0"/>
-              <a:t>7/8/19</a:t>
+              <a:t>10/27/22</a:t>
             </a:fld>
             <a:endParaRPr lang="en-US"/>
           </a:p>
@@ -5343,7 +5343,7 @@
           <a:p>
             <a:r>
               <a:rPr lang="en-US"/>
-              <a:t>© 2019, FLL Tutorials, Last Edit 7/07/2019</a:t>
+              <a:t>© 2022, FLL Tutorials</a:t>
             </a:r>
           </a:p>
         </p:txBody>
@@ -5519,9 +5519,9 @@
           <a:bodyPr/>
           <a:lstStyle/>
           <a:p>
-            <a:fld id="{ED9F62D4-4892-DA4F-8FF0-680F18D21389}" type="datetime1">
+            <a:fld id="{7350848A-68DD-0149-BE74-72F5108DDF9F}" type="datetime1">
               <a:rPr lang="en-US" smtClean="0"/>
-              <a:t>7/8/19</a:t>
+              <a:t>10/27/22</a:t>
             </a:fld>
             <a:endParaRPr lang="en-US"/>
           </a:p>
@@ -5544,7 +5544,7 @@
           <a:p>
             <a:r>
               <a:rPr lang="en-US"/>
-              <a:t>© 2019, FLL Tutorials, Last Edit 7/07/2019</a:t>
+              <a:t>© 2022, FLL Tutorials</a:t>
             </a:r>
           </a:p>
         </p:txBody>
@@ -5690,9 +5690,9 @@
           <a:bodyPr/>
           <a:lstStyle/>
           <a:p>
-            <a:fld id="{2C8E2399-74EA-2A49-A9CB-EC810FEB8B78}" type="datetime1">
+            <a:fld id="{645F98FE-551F-A44A-84CB-313A5132E582}" type="datetime1">
               <a:rPr lang="en-US" smtClean="0"/>
-              <a:t>7/8/19</a:t>
+              <a:t>10/27/22</a:t>
             </a:fld>
             <a:endParaRPr lang="en-US"/>
           </a:p>
@@ -5715,7 +5715,7 @@
           <a:p>
             <a:r>
               <a:rPr lang="en-US"/>
-              <a:t>© 2019, FLL Tutorials, Last Edit 7/07/2019</a:t>
+              <a:t>© 2022, FLL Tutorials</a:t>
             </a:r>
           </a:p>
         </p:txBody>
@@ -5938,9 +5938,9 @@
           <a:bodyPr/>
           <a:lstStyle/>
           <a:p>
-            <a:fld id="{7B80393F-E3D0-3B41-B28B-09121EB0F482}" type="datetime1">
+            <a:fld id="{43B50FAE-47D2-124A-AFD2-85CDA513A215}" type="datetime1">
               <a:rPr lang="en-US" smtClean="0"/>
-              <a:t>7/8/19</a:t>
+              <a:t>10/27/22</a:t>
             </a:fld>
             <a:endParaRPr lang="en-US"/>
           </a:p>
@@ -5963,7 +5963,7 @@
           <a:p>
             <a:r>
               <a:rPr lang="en-US"/>
-              <a:t>© 2019, FLL Tutorials, Last Edit 7/07/2019</a:t>
+              <a:t>© 2022, FLL Tutorials</a:t>
             </a:r>
           </a:p>
         </p:txBody>
@@ -6170,9 +6170,9 @@
           <a:bodyPr/>
           <a:lstStyle/>
           <a:p>
-            <a:fld id="{FE6B623C-647A-504D-8BA9-69FC99D010FE}" type="datetime1">
+            <a:fld id="{1DD6DC7B-F1C1-AF42-A60A-28606BE14A8D}" type="datetime1">
               <a:rPr lang="en-US" smtClean="0"/>
-              <a:t>7/8/19</a:t>
+              <a:t>10/27/22</a:t>
             </a:fld>
             <a:endParaRPr lang="en-US"/>
           </a:p>
@@ -6195,7 +6195,7 @@
           <a:p>
             <a:r>
               <a:rPr lang="en-US"/>
-              <a:t>© 2019, FLL Tutorials, Last Edit 7/07/2019</a:t>
+              <a:t>© 2022, FLL Tutorials</a:t>
             </a:r>
           </a:p>
         </p:txBody>
@@ -6537,9 +6537,9 @@
           <a:bodyPr/>
           <a:lstStyle/>
           <a:p>
-            <a:fld id="{2484E312-3C36-4741-A92B-CF99D98227A9}" type="datetime1">
+            <a:fld id="{66870FB3-6E90-8E4D-9628-48D8509A3310}" type="datetime1">
               <a:rPr lang="en-US" smtClean="0"/>
-              <a:t>7/8/19</a:t>
+              <a:t>10/27/22</a:t>
             </a:fld>
             <a:endParaRPr lang="en-US"/>
           </a:p>
@@ -6562,7 +6562,7 @@
           <a:p>
             <a:r>
               <a:rPr lang="en-US"/>
-              <a:t>© 2019, FLL Tutorials, Last Edit 7/07/2019</a:t>
+              <a:t>© 2022, FLL Tutorials</a:t>
             </a:r>
           </a:p>
         </p:txBody>
@@ -6657,9 +6657,9 @@
           <a:bodyPr/>
           <a:lstStyle/>
           <a:p>
-            <a:fld id="{16C58990-C1F4-284E-8B8C-81120833B625}" type="datetime1">
+            <a:fld id="{1EC48B85-50CE-244A-B82E-8EE865EF10B6}" type="datetime1">
               <a:rPr lang="en-US" smtClean="0"/>
-              <a:t>7/8/19</a:t>
+              <a:t>10/27/22</a:t>
             </a:fld>
             <a:endParaRPr lang="en-US"/>
           </a:p>
@@ -6682,7 +6682,7 @@
           <a:p>
             <a:r>
               <a:rPr lang="en-US"/>
-              <a:t>© 2019, FLL Tutorials, Last Edit 7/07/2019</a:t>
+              <a:t>© 2022, FLL Tutorials</a:t>
             </a:r>
           </a:p>
         </p:txBody>
@@ -6755,9 +6755,9 @@
           <a:bodyPr/>
           <a:lstStyle/>
           <a:p>
-            <a:fld id="{7969C137-050B-6D43-9DF2-74F568038611}" type="datetime1">
+            <a:fld id="{C2D58395-FD04-4F44-BA5D-CD8FCADFF310}" type="datetime1">
               <a:rPr lang="en-US" smtClean="0"/>
-              <a:t>7/8/19</a:t>
+              <a:t>10/27/22</a:t>
             </a:fld>
             <a:endParaRPr lang="en-US"/>
           </a:p>
@@ -6780,7 +6780,7 @@
           <a:p>
             <a:r>
               <a:rPr lang="en-US"/>
-              <a:t>© 2019, FLL Tutorials, Last Edit 7/07/2019</a:t>
+              <a:t>© 2022, FLL Tutorials</a:t>
             </a:r>
           </a:p>
         </p:txBody>
@@ -7012,9 +7012,9 @@
           <a:bodyPr/>
           <a:lstStyle/>
           <a:p>
-            <a:fld id="{D779F2BB-2330-D741-BAF4-AC028868F953}" type="datetime1">
+            <a:fld id="{B1E2ACA9-7585-B149-9CE8-5DC97F2F00B7}" type="datetime1">
               <a:rPr lang="en-US" smtClean="0"/>
-              <a:t>7/8/19</a:t>
+              <a:t>10/27/22</a:t>
             </a:fld>
             <a:endParaRPr lang="en-US"/>
           </a:p>
@@ -7060,7 +7060,7 @@
           <a:p>
             <a:r>
               <a:rPr lang="en-US"/>
-              <a:t>© 2019, FLL Tutorials, Last Edit 7/07/2019</a:t>
+              <a:t>© 2022, FLL Tutorials</a:t>
             </a:r>
           </a:p>
         </p:txBody>
@@ -7290,9 +7290,9 @@
           <a:bodyPr/>
           <a:lstStyle/>
           <a:p>
-            <a:fld id="{DFC012F6-EEC3-CB4E-AFE3-5172F7F1CD2E}" type="datetime1">
+            <a:fld id="{1B05CCB4-93F7-0A4A-8AEF-DEB5176EDB66}" type="datetime1">
               <a:rPr lang="en-US" smtClean="0"/>
-              <a:t>7/8/19</a:t>
+              <a:t>10/27/22</a:t>
             </a:fld>
             <a:endParaRPr lang="en-US"/>
           </a:p>
@@ -7315,7 +7315,7 @@
           <a:p>
             <a:r>
               <a:rPr lang="en-US"/>
-              <a:t>© 2019, FLL Tutorials, Last Edit 7/07/2019</a:t>
+              <a:t>© 2022, FLL Tutorials</a:t>
             </a:r>
           </a:p>
         </p:txBody>
@@ -7548,9 +7548,9 @@
           <a:bodyPr/>
           <a:lstStyle/>
           <a:p>
-            <a:fld id="{F3936EF1-567F-724A-9059-1D7B8A6EA3DB}" type="datetime1">
+            <a:fld id="{B4424A38-02FD-7344-B521-C15E26A45986}" type="datetime1">
               <a:rPr lang="en-US" smtClean="0"/>
-              <a:t>7/8/19</a:t>
+              <a:t>10/27/22</a:t>
             </a:fld>
             <a:endParaRPr lang="en-US"/>
           </a:p>
@@ -7573,7 +7573,7 @@
           <a:p>
             <a:r>
               <a:rPr lang="en-US"/>
-              <a:t>© 2019, FLL Tutorials, Last Edit 7/07/2019</a:t>
+              <a:t>© 2022, FLL Tutorials</a:t>
             </a:r>
           </a:p>
         </p:txBody>
@@ -7719,9 +7719,9 @@
           <a:bodyPr/>
           <a:lstStyle/>
           <a:p>
-            <a:fld id="{4001C246-5C73-BC46-8421-C464815E0B54}" type="datetime1">
+            <a:fld id="{C0AB6ECD-5B6B-B545-B35A-1DE812D8D2A2}" type="datetime1">
               <a:rPr lang="en-US" smtClean="0"/>
-              <a:t>7/8/19</a:t>
+              <a:t>10/27/22</a:t>
             </a:fld>
             <a:endParaRPr lang="en-US"/>
           </a:p>
@@ -7744,7 +7744,7 @@
           <a:p>
             <a:r>
               <a:rPr lang="en-US"/>
-              <a:t>© 2019, FLL Tutorials, Last Edit 7/07/2019</a:t>
+              <a:t>© 2022, FLL Tutorials</a:t>
             </a:r>
           </a:p>
         </p:txBody>
@@ -7900,9 +7900,9 @@
           <a:bodyPr/>
           <a:lstStyle/>
           <a:p>
-            <a:fld id="{329CBACA-033A-274F-9E35-10670E9E9329}" type="datetime1">
+            <a:fld id="{17DE5C98-937C-9342-8AB0-AE80A02A8137}" type="datetime1">
               <a:rPr lang="en-US" smtClean="0"/>
-              <a:t>7/8/19</a:t>
+              <a:t>10/27/22</a:t>
             </a:fld>
             <a:endParaRPr lang="en-US"/>
           </a:p>
@@ -7925,7 +7925,7 @@
           <a:p>
             <a:r>
               <a:rPr lang="en-US"/>
-              <a:t>© 2019, FLL Tutorials, Last Edit 7/07/2019</a:t>
+              <a:t>© 2022, FLL Tutorials</a:t>
             </a:r>
           </a:p>
         </p:txBody>
@@ -8157,9 +8157,9 @@
           <a:bodyPr/>
           <a:lstStyle/>
           <a:p>
-            <a:fld id="{C0EC83B5-9FB5-3F4A-8F92-337CF6F72AC1}" type="datetime1">
+            <a:fld id="{72AD58DD-C9D6-4F43-B9FA-4E1587E4C209}" type="datetime1">
               <a:rPr lang="en-US" smtClean="0"/>
-              <a:t>7/8/19</a:t>
+              <a:t>10/27/22</a:t>
             </a:fld>
             <a:endParaRPr lang="en-US"/>
           </a:p>
@@ -8182,7 +8182,7 @@
           <a:p>
             <a:r>
               <a:rPr lang="en-US"/>
-              <a:t>© 2019, FLL Tutorials, Last Edit 7/07/2019</a:t>
+              <a:t>© 2022, FLL Tutorials</a:t>
             </a:r>
           </a:p>
         </p:txBody>
@@ -9181,9 +9181,9 @@
           <a:bodyPr/>
           <a:lstStyle/>
           <a:p>
-            <a:fld id="{CE0932F5-1553-A646-8139-CEACC5C3C281}" type="datetime1">
+            <a:fld id="{618B72C5-4977-3148-AA45-49731A9D80E1}" type="datetime1">
               <a:rPr lang="en-US" smtClean="0"/>
-              <a:t>7/8/19</a:t>
+              <a:t>10/27/22</a:t>
             </a:fld>
             <a:endParaRPr lang="en-US"/>
           </a:p>
@@ -9206,7 +9206,7 @@
           <a:p>
             <a:r>
               <a:rPr lang="en-US"/>
-              <a:t>© 2019, FLL Tutorials, Last Edit 7/07/2019</a:t>
+              <a:t>© 2022, FLL Tutorials</a:t>
             </a:r>
           </a:p>
         </p:txBody>
@@ -9443,9 +9443,9 @@
           <a:bodyPr/>
           <a:lstStyle/>
           <a:p>
-            <a:fld id="{ACE42096-B82A-A24D-A232-45406D396623}" type="datetime1">
+            <a:fld id="{67E1A1AF-8E49-C14F-AF33-9B843E19E431}" type="datetime1">
               <a:rPr lang="en-US" smtClean="0"/>
-              <a:t>7/8/19</a:t>
+              <a:t>10/27/22</a:t>
             </a:fld>
             <a:endParaRPr lang="en-US"/>
           </a:p>
@@ -9491,7 +9491,7 @@
           <a:p>
             <a:r>
               <a:rPr lang="en-US"/>
-              <a:t>© 2019, FLL Tutorials, Last Edit 7/07/2019</a:t>
+              <a:t>© 2022, FLL Tutorials</a:t>
             </a:r>
           </a:p>
         </p:txBody>
@@ -9738,9 +9738,9 @@
           <a:bodyPr/>
           <a:lstStyle/>
           <a:p>
-            <a:fld id="{3A6E0F47-F20C-DD4D-9348-E6B206D185DF}" type="datetime1">
+            <a:fld id="{EAC52CB0-35A9-EF46-8EDF-E4F235553098}" type="datetime1">
               <a:rPr lang="en-US" smtClean="0"/>
-              <a:t>7/8/19</a:t>
+              <a:t>10/27/22</a:t>
             </a:fld>
             <a:endParaRPr lang="en-US"/>
           </a:p>
@@ -9763,7 +9763,7 @@
           <a:p>
             <a:r>
               <a:rPr lang="en-US"/>
-              <a:t>© 2019, FLL Tutorials, Last Edit 7/07/2019</a:t>
+              <a:t>© 2022, FLL Tutorials</a:t>
             </a:r>
           </a:p>
         </p:txBody>
@@ -10184,9 +10184,9 @@
           <a:bodyPr/>
           <a:lstStyle/>
           <a:p>
-            <a:fld id="{E3FDA88B-6857-7942-8DB6-DCEB785A5257}" type="datetime1">
+            <a:fld id="{3AAAC007-C4DF-634B-851F-482C234EE148}" type="datetime1">
               <a:rPr lang="en-US" smtClean="0"/>
-              <a:t>7/8/19</a:t>
+              <a:t>10/27/22</a:t>
             </a:fld>
             <a:endParaRPr lang="en-US"/>
           </a:p>
@@ -10209,7 +10209,7 @@
           <a:p>
             <a:r>
               <a:rPr lang="en-US"/>
-              <a:t>© 2019, FLL Tutorials, Last Edit 7/07/2019</a:t>
+              <a:t>© 2022, FLL Tutorials</a:t>
             </a:r>
           </a:p>
         </p:txBody>
@@ -10304,9 +10304,9 @@
           <a:bodyPr/>
           <a:lstStyle/>
           <a:p>
-            <a:fld id="{B6A6E294-D352-B749-969B-EEFDCBD7E7EB}" type="datetime1">
+            <a:fld id="{48D7F1B6-8339-5044-901F-0E100BD173ED}" type="datetime1">
               <a:rPr lang="en-US" smtClean="0"/>
-              <a:t>7/8/19</a:t>
+              <a:t>10/27/22</a:t>
             </a:fld>
             <a:endParaRPr lang="en-US"/>
           </a:p>
@@ -10329,7 +10329,7 @@
           <a:p>
             <a:r>
               <a:rPr lang="en-US"/>
-              <a:t>© 2019, FLL Tutorials, Last Edit 7/07/2019</a:t>
+              <a:t>© 2022, FLL Tutorials</a:t>
             </a:r>
           </a:p>
         </p:txBody>
@@ -10598,9 +10598,9 @@
           <a:bodyPr/>
           <a:lstStyle/>
           <a:p>
-            <a:fld id="{019AF47B-DE16-814F-AF65-1E6AF3EAEB59}" type="datetime1">
+            <a:fld id="{53122170-AEFF-4E49-9B8E-E1F03DAA0147}" type="datetime1">
               <a:rPr lang="en-US" smtClean="0"/>
-              <a:t>7/8/19</a:t>
+              <a:t>10/27/22</a:t>
             </a:fld>
             <a:endParaRPr lang="en-US"/>
           </a:p>
@@ -10623,7 +10623,7 @@
           <a:p>
             <a:r>
               <a:rPr lang="en-US"/>
-              <a:t>© 2019, FLL Tutorials, Last Edit 7/07/2019</a:t>
+              <a:t>© 2022, FLL Tutorials</a:t>
             </a:r>
           </a:p>
         </p:txBody>
@@ -10696,9 +10696,9 @@
           <a:bodyPr/>
           <a:lstStyle/>
           <a:p>
-            <a:fld id="{3D61E574-170C-D04D-94E1-023171364E60}" type="datetime1">
+            <a:fld id="{6F0C44A5-519A-1A47-B575-54480F22DC8A}" type="datetime1">
               <a:rPr lang="en-US" smtClean="0"/>
-              <a:t>7/8/19</a:t>
+              <a:t>10/27/22</a:t>
             </a:fld>
             <a:endParaRPr lang="en-US"/>
           </a:p>
@@ -10721,7 +10721,7 @@
           <a:p>
             <a:r>
               <a:rPr lang="en-US"/>
-              <a:t>© 2019, FLL Tutorials, Last Edit 7/07/2019</a:t>
+              <a:t>© 2022, FLL Tutorials</a:t>
             </a:r>
           </a:p>
         </p:txBody>
@@ -10946,9 +10946,9 @@
           <a:bodyPr/>
           <a:lstStyle/>
           <a:p>
-            <a:fld id="{9538FD6E-8DD4-4D4E-AA26-7803751395B7}" type="datetime1">
+            <a:fld id="{B8C83D93-BE9F-3A41-9134-79AFCE84AF8B}" type="datetime1">
               <a:rPr lang="en-US" smtClean="0"/>
-              <a:t>7/8/19</a:t>
+              <a:t>10/27/22</a:t>
             </a:fld>
             <a:endParaRPr lang="en-US"/>
           </a:p>
@@ -10971,7 +10971,7 @@
           <a:p>
             <a:r>
               <a:rPr lang="en-US"/>
-              <a:t>© 2019, FLL Tutorials, Last Edit 7/07/2019</a:t>
+              <a:t>© 2022, FLL Tutorials</a:t>
             </a:r>
           </a:p>
         </p:txBody>
@@ -11246,9 +11246,9 @@
           <a:bodyPr/>
           <a:lstStyle/>
           <a:p>
-            <a:fld id="{F5003E7B-8F96-CA43-B85F-B50750B0E9B0}" type="datetime1">
+            <a:fld id="{802DDB54-0E97-0341-A4EB-2D0014B1026A}" type="datetime1">
               <a:rPr lang="en-US" smtClean="0"/>
-              <a:t>7/8/19</a:t>
+              <a:t>10/27/22</a:t>
             </a:fld>
             <a:endParaRPr lang="en-US"/>
           </a:p>
@@ -11271,7 +11271,7 @@
           <a:p>
             <a:r>
               <a:rPr lang="en-US"/>
-              <a:t>© 2019, FLL Tutorials, Last Edit 7/07/2019</a:t>
+              <a:t>© 2022, FLL Tutorials</a:t>
             </a:r>
           </a:p>
         </p:txBody>
@@ -11505,9 +11505,9 @@
           <a:bodyPr/>
           <a:lstStyle/>
           <a:p>
-            <a:fld id="{096073B0-C46C-B248-B015-79941B0C8D2D}" type="datetime1">
+            <a:fld id="{24420DDF-05A3-644B-9E93-8CC0312CC45F}" type="datetime1">
               <a:rPr lang="en-US" smtClean="0"/>
-              <a:t>7/8/19</a:t>
+              <a:t>10/27/22</a:t>
             </a:fld>
             <a:endParaRPr lang="en-US"/>
           </a:p>
@@ -11530,7 +11530,7 @@
           <a:p>
             <a:r>
               <a:rPr lang="en-US"/>
-              <a:t>© 2019, FLL Tutorials, Last Edit 7/07/2019</a:t>
+              <a:t>© 2022, FLL Tutorials</a:t>
             </a:r>
           </a:p>
         </p:txBody>
@@ -11686,9 +11686,9 @@
           <a:bodyPr/>
           <a:lstStyle/>
           <a:p>
-            <a:fld id="{82FD3813-0275-F94E-A93D-9B2EBEF5E6FE}" type="datetime1">
+            <a:fld id="{B74CDC75-213E-5440-BB54-1CC6137B0823}" type="datetime1">
               <a:rPr lang="en-US" smtClean="0"/>
-              <a:t>7/8/19</a:t>
+              <a:t>10/27/22</a:t>
             </a:fld>
             <a:endParaRPr lang="en-US"/>
           </a:p>
@@ -11711,7 +11711,7 @@
           <a:p>
             <a:r>
               <a:rPr lang="en-US"/>
-              <a:t>© 2019, FLL Tutorials, Last Edit 7/07/2019</a:t>
+              <a:t>© 2022, FLL Tutorials</a:t>
             </a:r>
           </a:p>
         </p:txBody>
@@ -11902,9 +11902,9 @@
           <a:bodyPr/>
           <a:lstStyle/>
           <a:p>
-            <a:fld id="{1ECB25D5-05D1-0241-868D-A1894942D3E7}" type="datetime1">
+            <a:fld id="{39362B6D-72EE-1346-A5FE-EC8432290BFF}" type="datetime1">
               <a:rPr lang="en-US" smtClean="0"/>
-              <a:t>7/8/19</a:t>
+              <a:t>10/27/22</a:t>
             </a:fld>
             <a:endParaRPr lang="en-US"/>
           </a:p>
@@ -11932,7 +11932,7 @@
           <a:p>
             <a:r>
               <a:rPr lang="en-US"/>
-              <a:t>© 2019, FLL Tutorials, Last Edit 7/07/2019</a:t>
+              <a:t>© 2022, FLL Tutorials</a:t>
             </a:r>
           </a:p>
         </p:txBody>
@@ -13158,9 +13158,9 @@
           <a:bodyPr/>
           <a:lstStyle/>
           <a:p>
-            <a:fld id="{8A078748-43C3-D34D-83BD-242C090E737F}" type="datetime1">
+            <a:fld id="{6EA3F113-9C33-CD40-84B7-8C96802F097C}" type="datetime1">
               <a:rPr lang="en-US" smtClean="0"/>
-              <a:t>7/8/19</a:t>
+              <a:t>10/27/22</a:t>
             </a:fld>
             <a:endParaRPr lang="en-US"/>
           </a:p>
@@ -13183,7 +13183,7 @@
           <a:p>
             <a:r>
               <a:rPr lang="en-US"/>
-              <a:t>© 2019, FLL Tutorials, Last Edit 7/07/2019</a:t>
+              <a:t>© 2022, FLL Tutorials</a:t>
             </a:r>
           </a:p>
         </p:txBody>
@@ -13423,9 +13423,9 @@
           <a:bodyPr/>
           <a:lstStyle/>
           <a:p>
-            <a:fld id="{80F0BBC3-7438-814E-8A7A-D4C4B480F749}" type="datetime1">
+            <a:fld id="{766DFA94-4238-5A44-96EC-9FCB4A8A4368}" type="datetime1">
               <a:rPr lang="en-US" smtClean="0"/>
-              <a:t>7/8/19</a:t>
+              <a:t>10/27/22</a:t>
             </a:fld>
             <a:endParaRPr lang="en-US"/>
           </a:p>
@@ -13479,7 +13479,7 @@
           <a:p>
             <a:r>
               <a:rPr lang="en-US"/>
-              <a:t>© 2019, FLL Tutorials, Last Edit 7/07/2019</a:t>
+              <a:t>© 2022, FLL Tutorials</a:t>
             </a:r>
           </a:p>
         </p:txBody>
@@ -13726,9 +13726,9 @@
           <a:bodyPr/>
           <a:lstStyle/>
           <a:p>
-            <a:fld id="{228B66AF-2E70-024C-BE7F-475CDB11934F}" type="datetime1">
+            <a:fld id="{D35F3BD2-4D53-1445-81FE-66343B5AB749}" type="datetime1">
               <a:rPr lang="en-US" smtClean="0"/>
-              <a:t>7/8/19</a:t>
+              <a:t>10/27/22</a:t>
             </a:fld>
             <a:endParaRPr lang="en-US"/>
           </a:p>
@@ -13751,7 +13751,7 @@
           <a:p>
             <a:r>
               <a:rPr lang="en-US"/>
-              <a:t>© 2019, FLL Tutorials, Last Edit 7/07/2019</a:t>
+              <a:t>© 2022, FLL Tutorials</a:t>
             </a:r>
           </a:p>
         </p:txBody>
@@ -14180,9 +14180,9 @@
           <a:bodyPr/>
           <a:lstStyle/>
           <a:p>
-            <a:fld id="{89372E24-47BF-464D-BC6E-CAFC3E8761FA}" type="datetime1">
+            <a:fld id="{864643F5-443B-1646-B543-3CAB7ED8E736}" type="datetime1">
               <a:rPr lang="en-US" smtClean="0"/>
-              <a:t>7/8/19</a:t>
+              <a:t>10/27/22</a:t>
             </a:fld>
             <a:endParaRPr lang="en-US"/>
           </a:p>
@@ -14205,7 +14205,7 @@
           <a:p>
             <a:r>
               <a:rPr lang="en-US"/>
-              <a:t>© 2019, FLL Tutorials, Last Edit 7/07/2019</a:t>
+              <a:t>© 2022, FLL Tutorials</a:t>
             </a:r>
           </a:p>
         </p:txBody>
@@ -14634,9 +14634,9 @@
           <a:bodyPr/>
           <a:lstStyle/>
           <a:p>
-            <a:fld id="{EE6AF763-5968-9243-84AA-7B98BB11C22D}" type="datetime1">
+            <a:fld id="{63B54FBC-DE70-854D-BBF9-C0404E51F245}" type="datetime1">
               <a:rPr lang="en-US" smtClean="0"/>
-              <a:t>7/8/19</a:t>
+              <a:t>10/27/22</a:t>
             </a:fld>
             <a:endParaRPr lang="en-US"/>
           </a:p>
@@ -14659,7 +14659,7 @@
           <a:p>
             <a:r>
               <a:rPr lang="en-US"/>
-              <a:t>© 2019, FLL Tutorials, Last Edit 7/07/2019</a:t>
+              <a:t>© 2022, FLL Tutorials</a:t>
             </a:r>
           </a:p>
         </p:txBody>
@@ -14754,9 +14754,9 @@
           <a:bodyPr/>
           <a:lstStyle/>
           <a:p>
-            <a:fld id="{744BE48C-5BFE-4F41-9D44-424089186B61}" type="datetime1">
+            <a:fld id="{26AD03EE-D541-FE47-878C-43855134A59C}" type="datetime1">
               <a:rPr lang="en-US" smtClean="0"/>
-              <a:t>7/8/19</a:t>
+              <a:t>10/27/22</a:t>
             </a:fld>
             <a:endParaRPr lang="en-US"/>
           </a:p>
@@ -14779,7 +14779,7 @@
           <a:p>
             <a:r>
               <a:rPr lang="en-US"/>
-              <a:t>© 2019, FLL Tutorials, Last Edit 7/07/2019</a:t>
+              <a:t>© 2022, FLL Tutorials</a:t>
             </a:r>
           </a:p>
         </p:txBody>
@@ -14860,9 +14860,9 @@
           <a:bodyPr/>
           <a:lstStyle/>
           <a:p>
-            <a:fld id="{FDD94D41-C80C-844D-8D85-DF9A4351530E}" type="datetime1">
+            <a:fld id="{B249ACE0-D7D0-EE4D-B95B-5AF1A18ED006}" type="datetime1">
               <a:rPr lang="en-US" smtClean="0"/>
-              <a:t>7/8/19</a:t>
+              <a:t>10/27/22</a:t>
             </a:fld>
             <a:endParaRPr lang="en-US"/>
           </a:p>
@@ -14885,7 +14885,7 @@
           <a:p>
             <a:r>
               <a:rPr lang="en-US"/>
-              <a:t>© 2019, FLL Tutorials, Last Edit 7/07/2019</a:t>
+              <a:t>© 2022, FLL Tutorials</a:t>
             </a:r>
           </a:p>
         </p:txBody>
@@ -15118,9 +15118,9 @@
           <a:bodyPr/>
           <a:lstStyle/>
           <a:p>
-            <a:fld id="{3DBEDE13-69AC-6E4A-8F79-258B40DD3800}" type="datetime1">
+            <a:fld id="{210A2D6F-07AA-D844-A623-BED5C2B705F2}" type="datetime1">
               <a:rPr lang="en-US" smtClean="0"/>
-              <a:t>7/8/19</a:t>
+              <a:t>10/27/22</a:t>
             </a:fld>
             <a:endParaRPr lang="en-US"/>
           </a:p>
@@ -15143,7 +15143,7 @@
           <a:p>
             <a:r>
               <a:rPr lang="en-US"/>
-              <a:t>© 2019, FLL Tutorials, Last Edit 7/07/2019</a:t>
+              <a:t>© 2022, FLL Tutorials</a:t>
             </a:r>
           </a:p>
         </p:txBody>
@@ -15426,9 +15426,9 @@
           <a:bodyPr/>
           <a:lstStyle/>
           <a:p>
-            <a:fld id="{4672FC15-CFB7-394C-A0C1-758B23CDAE81}" type="datetime1">
+            <a:fld id="{D925F292-DAB6-FB4A-9A59-3C50229397F1}" type="datetime1">
               <a:rPr lang="en-US" smtClean="0"/>
-              <a:t>7/8/19</a:t>
+              <a:t>10/27/22</a:t>
             </a:fld>
             <a:endParaRPr lang="en-US"/>
           </a:p>
@@ -15451,7 +15451,7 @@
           <a:p>
             <a:r>
               <a:rPr lang="en-US"/>
-              <a:t>© 2019, FLL Tutorials, Last Edit 7/07/2019</a:t>
+              <a:t>© 2022, FLL Tutorials</a:t>
             </a:r>
           </a:p>
         </p:txBody>
@@ -15693,9 +15693,9 @@
           <a:bodyPr/>
           <a:lstStyle/>
           <a:p>
-            <a:fld id="{4B6ECB46-8534-9648-9A42-E081E956B67C}" type="datetime1">
+            <a:fld id="{ABABF3FC-4B67-7F43-9076-38E9AA32A509}" type="datetime1">
               <a:rPr lang="en-US" smtClean="0"/>
-              <a:t>7/8/19</a:t>
+              <a:t>10/27/22</a:t>
             </a:fld>
             <a:endParaRPr lang="en-US"/>
           </a:p>
@@ -15718,7 +15718,7 @@
           <a:p>
             <a:r>
               <a:rPr lang="en-US"/>
-              <a:t>© 2019, FLL Tutorials, Last Edit 7/07/2019</a:t>
+              <a:t>© 2022, FLL Tutorials</a:t>
             </a:r>
           </a:p>
         </p:txBody>
@@ -15882,9 +15882,9 @@
           <a:bodyPr/>
           <a:lstStyle/>
           <a:p>
-            <a:fld id="{5DB3BB6C-457D-5443-AC62-082E45482FB8}" type="datetime1">
+            <a:fld id="{4AF69778-136B-F147-A84A-8B3BDED36827}" type="datetime1">
               <a:rPr lang="en-US" smtClean="0"/>
-              <a:t>7/8/19</a:t>
+              <a:t>10/27/22</a:t>
             </a:fld>
             <a:endParaRPr lang="en-US"/>
           </a:p>
@@ -15907,7 +15907,7 @@
           <a:p>
             <a:r>
               <a:rPr lang="en-US"/>
-              <a:t>© 2019, FLL Tutorials, Last Edit 7/07/2019</a:t>
+              <a:t>© 2022, FLL Tutorials</a:t>
             </a:r>
           </a:p>
         </p:txBody>
@@ -16083,9 +16083,9 @@
           <a:bodyPr/>
           <a:lstStyle/>
           <a:p>
-            <a:fld id="{10CBA4DD-AE7D-1D4A-BE95-B1176B3AAAE2}" type="datetime1">
+            <a:fld id="{D1EB802D-CC49-6C4F-9D50-B68239FF73AE}" type="datetime1">
               <a:rPr lang="en-US" smtClean="0"/>
-              <a:t>7/8/19</a:t>
+              <a:t>10/27/22</a:t>
             </a:fld>
             <a:endParaRPr lang="en-US"/>
           </a:p>
@@ -16108,7 +16108,7 @@
           <a:p>
             <a:r>
               <a:rPr lang="en-US"/>
-              <a:t>© 2019, FLL Tutorials, Last Edit 7/07/2019</a:t>
+              <a:t>© 2022, FLL Tutorials</a:t>
             </a:r>
           </a:p>
         </p:txBody>
@@ -16254,9 +16254,9 @@
           <a:bodyPr/>
           <a:lstStyle/>
           <a:p>
-            <a:fld id="{F07781E8-5D36-224C-9168-A94AB7B12C8D}" type="datetime1">
+            <a:fld id="{879DD0B4-1627-FB46-8B89-D98A12C044BA}" type="datetime1">
               <a:rPr lang="en-US" smtClean="0"/>
-              <a:t>7/8/19</a:t>
+              <a:t>10/27/22</a:t>
             </a:fld>
             <a:endParaRPr lang="en-US"/>
           </a:p>
@@ -16279,7 +16279,7 @@
           <a:p>
             <a:r>
               <a:rPr lang="en-US"/>
-              <a:t>© 2019, FLL Tutorials, Last Edit 7/07/2019</a:t>
+              <a:t>© 2022, FLL Tutorials</a:t>
             </a:r>
           </a:p>
         </p:txBody>
@@ -16502,9 +16502,9 @@
           <a:bodyPr/>
           <a:lstStyle/>
           <a:p>
-            <a:fld id="{FB7EED11-9107-D149-BEF9-0FC0B9FC7EFA}" type="datetime1">
+            <a:fld id="{E20C8E8E-4919-B043-9863-851593F93B44}" type="datetime1">
               <a:rPr lang="en-US" smtClean="0"/>
-              <a:t>7/8/19</a:t>
+              <a:t>10/27/22</a:t>
             </a:fld>
             <a:endParaRPr lang="en-US"/>
           </a:p>
@@ -16527,7 +16527,7 @@
           <a:p>
             <a:r>
               <a:rPr lang="en-US"/>
-              <a:t>© 2019, FLL Tutorials, Last Edit 7/07/2019</a:t>
+              <a:t>© 2022, FLL Tutorials</a:t>
             </a:r>
           </a:p>
         </p:txBody>
@@ -16734,9 +16734,9 @@
           <a:bodyPr/>
           <a:lstStyle/>
           <a:p>
-            <a:fld id="{CB902C8E-CC3E-FC44-B37E-2AE446DD9B71}" type="datetime1">
+            <a:fld id="{398397FF-6D92-C842-B195-EC9679B66DB0}" type="datetime1">
               <a:rPr lang="en-US" smtClean="0"/>
-              <a:t>7/8/19</a:t>
+              <a:t>10/27/22</a:t>
             </a:fld>
             <a:endParaRPr lang="en-US"/>
           </a:p>
@@ -16759,7 +16759,7 @@
           <a:p>
             <a:r>
               <a:rPr lang="en-US"/>
-              <a:t>© 2019, FLL Tutorials, Last Edit 7/07/2019</a:t>
+              <a:t>© 2022, FLL Tutorials</a:t>
             </a:r>
           </a:p>
         </p:txBody>
@@ -16854,9 +16854,9 @@
           <a:bodyPr/>
           <a:lstStyle/>
           <a:p>
-            <a:fld id="{AE393A3E-7CBD-194F-8E3D-D49245235DA8}" type="datetime1">
+            <a:fld id="{CE62DE40-2AB0-9340-82CA-59280B652943}" type="datetime1">
               <a:rPr lang="en-US" smtClean="0"/>
-              <a:t>7/8/19</a:t>
+              <a:t>10/27/22</a:t>
             </a:fld>
             <a:endParaRPr lang="en-US"/>
           </a:p>
@@ -16879,7 +16879,7 @@
           <a:p>
             <a:r>
               <a:rPr lang="en-US"/>
-              <a:t>© 2019, FLL Tutorials, Last Edit 7/07/2019</a:t>
+              <a:t>© 2022, FLL Tutorials</a:t>
             </a:r>
           </a:p>
         </p:txBody>
@@ -17221,9 +17221,9 @@
           <a:bodyPr/>
           <a:lstStyle/>
           <a:p>
-            <a:fld id="{1D0F4D54-CF71-5149-A0C0-AF0AED0108AB}" type="datetime1">
+            <a:fld id="{3D4BA8DE-4CDD-D048-A5B2-46F8A6728689}" type="datetime1">
               <a:rPr lang="en-US" smtClean="0"/>
-              <a:t>7/8/19</a:t>
+              <a:t>10/27/22</a:t>
             </a:fld>
             <a:endParaRPr lang="en-US"/>
           </a:p>
@@ -17246,7 +17246,7 @@
           <a:p>
             <a:r>
               <a:rPr lang="en-US"/>
-              <a:t>© 2019, FLL Tutorials, Last Edit 7/07/2019</a:t>
+              <a:t>© 2022, FLL Tutorials</a:t>
             </a:r>
           </a:p>
         </p:txBody>
@@ -17341,9 +17341,9 @@
           <a:bodyPr/>
           <a:lstStyle/>
           <a:p>
-            <a:fld id="{5B9DA11C-AC8F-374C-92BD-416E8A839235}" type="datetime1">
+            <a:fld id="{D79CFFAD-0C9E-294B-91D0-05EEB02660D4}" type="datetime1">
               <a:rPr lang="en-US" smtClean="0"/>
-              <a:t>7/8/19</a:t>
+              <a:t>10/27/22</a:t>
             </a:fld>
             <a:endParaRPr lang="en-US"/>
           </a:p>
@@ -17366,7 +17366,7 @@
           <a:p>
             <a:r>
               <a:rPr lang="en-US"/>
-              <a:t>© 2019, FLL Tutorials, Last Edit 7/07/2019</a:t>
+              <a:t>© 2022, FLL Tutorials</a:t>
             </a:r>
           </a:p>
         </p:txBody>
@@ -17439,9 +17439,9 @@
           <a:bodyPr/>
           <a:lstStyle/>
           <a:p>
-            <a:fld id="{535BDB56-85B4-E549-91E6-E656CB9265F4}" type="datetime1">
+            <a:fld id="{0931B038-DF1D-C34B-8203-DA4C865391C9}" type="datetime1">
               <a:rPr lang="en-US" smtClean="0"/>
-              <a:t>7/8/19</a:t>
+              <a:t>10/27/22</a:t>
             </a:fld>
             <a:endParaRPr lang="en-US"/>
           </a:p>
@@ -17464,7 +17464,7 @@
           <a:p>
             <a:r>
               <a:rPr lang="en-US"/>
-              <a:t>© 2019, FLL Tutorials, Last Edit 7/07/2019</a:t>
+              <a:t>© 2022, FLL Tutorials</a:t>
             </a:r>
           </a:p>
         </p:txBody>
@@ -17717,9 +17717,9 @@
           <a:bodyPr/>
           <a:lstStyle/>
           <a:p>
-            <a:fld id="{03636ACA-3F56-0044-9217-2FB382747090}" type="datetime1">
+            <a:fld id="{358585B3-DC8E-1F4A-AE25-1AAE603AC5F0}" type="datetime1">
               <a:rPr lang="en-US" smtClean="0"/>
-              <a:t>7/8/19</a:t>
+              <a:t>10/27/22</a:t>
             </a:fld>
             <a:endParaRPr lang="en-US"/>
           </a:p>
@@ -17742,7 +17742,7 @@
           <a:p>
             <a:r>
               <a:rPr lang="en-US"/>
-              <a:t>© 2019, FLL Tutorials, Last Edit 7/07/2019</a:t>
+              <a:t>© 2022, FLL Tutorials</a:t>
             </a:r>
           </a:p>
         </p:txBody>
@@ -17975,9 +17975,9 @@
           <a:bodyPr/>
           <a:lstStyle/>
           <a:p>
-            <a:fld id="{DC92110A-FA10-3147-BEB2-E15EFE663A05}" type="datetime1">
+            <a:fld id="{61238ECB-AF92-8E49-B5E6-34DB502EF77B}" type="datetime1">
               <a:rPr lang="en-US" smtClean="0"/>
-              <a:t>7/8/19</a:t>
+              <a:t>10/27/22</a:t>
             </a:fld>
             <a:endParaRPr lang="en-US"/>
           </a:p>
@@ -18000,7 +18000,7 @@
           <a:p>
             <a:r>
               <a:rPr lang="en-US"/>
-              <a:t>© 2019, FLL Tutorials, Last Edit 7/07/2019</a:t>
+              <a:t>© 2022, FLL Tutorials</a:t>
             </a:r>
           </a:p>
         </p:txBody>
@@ -18146,9 +18146,9 @@
           <a:bodyPr/>
           <a:lstStyle/>
           <a:p>
-            <a:fld id="{F3CCF85D-0050-504E-A834-0BA459F309F9}" type="datetime1">
+            <a:fld id="{11B7EBEB-194B-964F-9B15-0ABECDD4A489}" type="datetime1">
               <a:rPr lang="en-US" smtClean="0"/>
-              <a:t>7/8/19</a:t>
+              <a:t>10/27/22</a:t>
             </a:fld>
             <a:endParaRPr lang="en-US"/>
           </a:p>
@@ -18171,7 +18171,7 @@
           <a:p>
             <a:r>
               <a:rPr lang="en-US"/>
-              <a:t>© 2019, FLL Tutorials, Last Edit 7/07/2019</a:t>
+              <a:t>© 2022, FLL Tutorials</a:t>
             </a:r>
           </a:p>
         </p:txBody>
@@ -18327,9 +18327,9 @@
           <a:bodyPr/>
           <a:lstStyle/>
           <a:p>
-            <a:fld id="{120AA003-DBC8-5442-ACA9-B1A9B07C1341}" type="datetime1">
+            <a:fld id="{61C7AF60-0323-9348-A627-F1F6CD9BE82E}" type="datetime1">
               <a:rPr lang="en-US" smtClean="0"/>
-              <a:t>7/8/19</a:t>
+              <a:t>10/27/22</a:t>
             </a:fld>
             <a:endParaRPr lang="en-US"/>
           </a:p>
@@ -18352,7 +18352,7 @@
           <a:p>
             <a:r>
               <a:rPr lang="en-US"/>
-              <a:t>© 2019, FLL Tutorials, Last Edit 7/07/2019</a:t>
+              <a:t>© 2022, FLL Tutorials</a:t>
             </a:r>
           </a:p>
         </p:txBody>
@@ -18644,9 +18644,9 @@
             </a:lvl1pPr>
           </a:lstStyle>
           <a:p>
-            <a:fld id="{7F9B3267-D982-7047-A745-D92DB669F94F}" type="datetime1">
+            <a:fld id="{60B94791-B359-0A44-82D5-91764EE5778F}" type="datetime1">
               <a:rPr lang="en-US" smtClean="0"/>
-              <a:t>7/8/19</a:t>
+              <a:t>10/27/22</a:t>
             </a:fld>
             <a:endParaRPr lang="en-US"/>
           </a:p>
@@ -18688,7 +18688,7 @@
           <a:p>
             <a:r>
               <a:rPr lang="en-US"/>
-              <a:t>© 2019, FLL Tutorials, Last Edit 7/07/2019</a:t>
+              <a:t>© 2022, FLL Tutorials</a:t>
             </a:r>
           </a:p>
         </p:txBody>
@@ -18977,9 +18977,9 @@
             </a:lvl1pPr>
           </a:lstStyle>
           <a:p>
-            <a:fld id="{3CFD5580-29E4-A64E-A088-D3EA9BE3B42D}" type="datetime1">
+            <a:fld id="{248B0223-235E-8B40-A554-D465D0B6B5B3}" type="datetime1">
               <a:rPr lang="en-US" smtClean="0"/>
-              <a:t>7/8/19</a:t>
+              <a:t>10/27/22</a:t>
             </a:fld>
             <a:endParaRPr lang="en-US"/>
           </a:p>
@@ -19024,7 +19024,7 @@
           <a:p>
             <a:r>
               <a:rPr lang="en-US"/>
-              <a:t>© 2019, FLL Tutorials, Last Edit 7/07/2019</a:t>
+              <a:t>© 2022, FLL Tutorials</a:t>
             </a:r>
           </a:p>
         </p:txBody>
@@ -19431,7 +19431,7 @@
             <a:fld id="{B61BEF0D-F0BB-DE4B-95CE-6DB70DBA9567}" type="datetimeFigureOut">
               <a:rPr lang="en-US" smtClean="0"/>
               <a:pPr/>
-              <a:t>7/8/19</a:t>
+              <a:t>10/27/22</a:t>
             </a:fld>
             <a:endParaRPr lang="en-US" dirty="0"/>
           </a:p>
@@ -19747,9 +19747,9 @@
           <a:bodyPr/>
           <a:lstStyle/>
           <a:p>
-            <a:fld id="{08DC6975-3532-4C45-A3EA-9E1C1EAA4F73}" type="datetime1">
+            <a:fld id="{64B6B60E-3D12-F24E-A4FC-C2772A18AAC7}" type="datetime1">
               <a:rPr lang="en-US" smtClean="0"/>
-              <a:t>7/8/19</a:t>
+              <a:t>10/27/22</a:t>
             </a:fld>
             <a:endParaRPr lang="en-US"/>
           </a:p>
@@ -19772,7 +19772,7 @@
           <a:p>
             <a:r>
               <a:rPr lang="en-US"/>
-              <a:t>© 2019, FLL Tutorials, Last Edit 7/07/2019</a:t>
+              <a:t>© 2022, FLL Tutorials</a:t>
             </a:r>
           </a:p>
         </p:txBody>
@@ -20033,9 +20033,9 @@
           <a:bodyPr/>
           <a:lstStyle/>
           <a:p>
-            <a:fld id="{3905AB6B-906C-C247-BE12-09D04A25B82B}" type="datetime1">
+            <a:fld id="{90E58177-767C-994E-AAC2-8AA293CDAF94}" type="datetime1">
               <a:rPr lang="en-US" smtClean="0"/>
-              <a:t>7/8/19</a:t>
+              <a:t>10/27/22</a:t>
             </a:fld>
             <a:endParaRPr lang="en-US"/>
           </a:p>
@@ -20066,7 +20066,7 @@
           <a:p>
             <a:r>
               <a:rPr lang="en-US"/>
-              <a:t>© 2019, FLL Tutorials, Last Edit 7/07/2019</a:t>
+              <a:t>© 2022, FLL Tutorials</a:t>
             </a:r>
           </a:p>
         </p:txBody>
@@ -20481,9 +20481,9 @@
           <a:bodyPr/>
           <a:lstStyle/>
           <a:p>
-            <a:fld id="{B2ADF098-3144-F645-B9CF-E5E0EF488EA8}" type="datetime1">
+            <a:fld id="{DB79F894-9209-A440-AD8D-FBEA72928294}" type="datetime1">
               <a:rPr lang="en-US" smtClean="0"/>
-              <a:t>7/8/19</a:t>
+              <a:t>10/27/22</a:t>
             </a:fld>
             <a:endParaRPr lang="en-US"/>
           </a:p>
@@ -20514,7 +20514,7 @@
           <a:p>
             <a:r>
               <a:rPr lang="en-US"/>
-              <a:t>© 2019, FLL Tutorials, Last Edit 7/07/2019</a:t>
+              <a:t>© 2022, FLL Tutorials</a:t>
             </a:r>
           </a:p>
         </p:txBody>
@@ -20665,9 +20665,9 @@
           <a:bodyPr/>
           <a:lstStyle/>
           <a:p>
-            <a:fld id="{87C5FA73-B04E-1849-B8B6-9D9620316E3C}" type="datetime1">
+            <a:fld id="{05FF529D-15A0-8745-9D2C-768BBFA239C7}" type="datetime1">
               <a:rPr lang="en-US" smtClean="0"/>
-              <a:t>7/8/19</a:t>
+              <a:t>10/27/22</a:t>
             </a:fld>
             <a:endParaRPr lang="en-US"/>
           </a:p>
@@ -20698,7 +20698,7 @@
           <a:p>
             <a:r>
               <a:rPr lang="en-US"/>
-              <a:t>© 2019, FLL Tutorials, Last Edit 7/07/2019</a:t>
+              <a:t>© 2022, FLL Tutorials</a:t>
             </a:r>
           </a:p>
         </p:txBody>
@@ -20787,9 +20787,9 @@
           <a:bodyPr/>
           <a:lstStyle/>
           <a:p>
-            <a:fld id="{9B54761A-DD39-CE42-B148-D6167DAA9338}" type="datetime1">
+            <a:fld id="{570558FC-61AD-5F43-B268-C9F819A3A62E}" type="datetime1">
               <a:rPr lang="en-US" smtClean="0"/>
-              <a:t>7/8/19</a:t>
+              <a:t>10/27/22</a:t>
             </a:fld>
             <a:endParaRPr lang="en-US"/>
           </a:p>
@@ -20820,7 +20820,7 @@
           <a:p>
             <a:r>
               <a:rPr lang="en-US"/>
-              <a:t>© 2019, FLL Tutorials, Last Edit 7/07/2019</a:t>
+              <a:t>© 2022, FLL Tutorials</a:t>
             </a:r>
           </a:p>
         </p:txBody>
@@ -21192,9 +21192,9 @@
             </a:lvl1pPr>
           </a:lstStyle>
           <a:p>
-            <a:fld id="{FB0ED0F9-08C9-3149-9359-D28263F42438}" type="datetime1">
+            <a:fld id="{04E1F943-A4FD-0146-AEF4-3F997E89295B}" type="datetime1">
               <a:rPr lang="en-US" smtClean="0"/>
-              <a:t>7/8/19</a:t>
+              <a:t>10/27/22</a:t>
             </a:fld>
             <a:endParaRPr lang="en-US"/>
           </a:p>
@@ -21236,7 +21236,7 @@
           <a:p>
             <a:r>
               <a:rPr lang="en-US"/>
-              <a:t>© 2019, FLL Tutorials, Last Edit 7/07/2019</a:t>
+              <a:t>© 2022, FLL Tutorials</a:t>
             </a:r>
           </a:p>
         </p:txBody>
@@ -21508,9 +21508,9 @@
           <a:bodyPr/>
           <a:lstStyle/>
           <a:p>
-            <a:fld id="{7929E742-9EDB-CA4A-8DA0-69C0F9D95AE1}" type="datetime1">
+            <a:fld id="{A423B662-A076-7F45-A604-C2A22657A7A6}" type="datetime1">
               <a:rPr lang="en-US" smtClean="0"/>
-              <a:t>7/8/19</a:t>
+              <a:t>10/27/22</a:t>
             </a:fld>
             <a:endParaRPr lang="en-US"/>
           </a:p>
@@ -21541,7 +21541,7 @@
           <a:p>
             <a:r>
               <a:rPr lang="en-US"/>
-              <a:t>© 2019, FLL Tutorials, Last Edit 7/07/2019</a:t>
+              <a:t>© 2022, FLL Tutorials</a:t>
             </a:r>
           </a:p>
         </p:txBody>
@@ -21760,9 +21760,9 @@
           <a:bodyPr/>
           <a:lstStyle/>
           <a:p>
-            <a:fld id="{2B3EAC52-A15A-FD48-9F14-A18D34090B9C}" type="datetime1">
+            <a:fld id="{D4CC9115-2E68-BC43-B14A-5BCDAA014518}" type="datetime1">
               <a:rPr lang="en-US" smtClean="0"/>
-              <a:t>7/8/19</a:t>
+              <a:t>10/27/22</a:t>
             </a:fld>
             <a:endParaRPr lang="en-US"/>
           </a:p>
@@ -21793,7 +21793,7 @@
           <a:p>
             <a:r>
               <a:rPr lang="en-US"/>
-              <a:t>© 2019, FLL Tutorials, Last Edit 7/07/2019</a:t>
+              <a:t>© 2022, FLL Tutorials</a:t>
             </a:r>
           </a:p>
         </p:txBody>
@@ -22017,9 +22017,9 @@
             </a:lvl1pPr>
           </a:lstStyle>
           <a:p>
-            <a:fld id="{9E430911-6ACA-DC47-A732-258032E8AB3D}" type="datetime1">
+            <a:fld id="{43439239-7B78-FE48-9278-E072C605C61A}" type="datetime1">
               <a:rPr lang="en-US" smtClean="0"/>
-              <a:t>7/8/19</a:t>
+              <a:t>10/27/22</a:t>
             </a:fld>
             <a:endParaRPr lang="en-US"/>
           </a:p>
@@ -22050,7 +22050,7 @@
           <a:p>
             <a:r>
               <a:rPr lang="en-US"/>
-              <a:t>© 2019, FLL Tutorials, Last Edit 7/07/2019</a:t>
+              <a:t>© 2022, FLL Tutorials</a:t>
             </a:r>
           </a:p>
         </p:txBody>
@@ -22294,9 +22294,9 @@
           <a:bodyPr/>
           <a:lstStyle/>
           <a:p>
-            <a:fld id="{A63F8EA5-472F-CD46-B6CF-67E90D14AE2D}" type="datetime1">
+            <a:fld id="{E8823077-E88D-794E-8ED9-85D4CF9B09E5}" type="datetime1">
               <a:rPr lang="en-US" smtClean="0"/>
-              <a:t>7/8/19</a:t>
+              <a:t>10/27/22</a:t>
             </a:fld>
             <a:endParaRPr lang="en-US"/>
           </a:p>
@@ -22319,7 +22319,7 @@
           <a:p>
             <a:r>
               <a:rPr lang="en-US"/>
-              <a:t>© 2019, FLL Tutorials, Last Edit 7/07/2019</a:t>
+              <a:t>© 2022, FLL Tutorials</a:t>
             </a:r>
           </a:p>
         </p:txBody>
@@ -22594,9 +22594,9 @@
           <a:bodyPr/>
           <a:lstStyle/>
           <a:p>
-            <a:fld id="{5EC5B91D-DF00-C54B-B065-EA8595DB2DC9}" type="datetime1">
+            <a:fld id="{A05DEA20-C416-1D46-B12A-206F8BF2BA09}" type="datetime1">
               <a:rPr lang="en-US" smtClean="0"/>
-              <a:t>7/8/19</a:t>
+              <a:t>10/27/22</a:t>
             </a:fld>
             <a:endParaRPr lang="en-US"/>
           </a:p>
@@ -22619,7 +22619,7 @@
           <a:p>
             <a:r>
               <a:rPr lang="en-US"/>
-              <a:t>© 2019, FLL Tutorials, Last Edit 7/07/2019</a:t>
+              <a:t>© 2022, FLL Tutorials</a:t>
             </a:r>
           </a:p>
         </p:txBody>
@@ -22895,9 +22895,9 @@
             </a:lvl1pPr>
           </a:lstStyle>
           <a:p>
-            <a:fld id="{21991DDA-CA16-6C4B-95DE-1AAF3B440C18}" type="datetime1">
+            <a:fld id="{36F267CA-E88D-F141-A66A-28F1D17EFB81}" type="datetime1">
               <a:rPr lang="en-US" smtClean="0"/>
-              <a:t>7/8/19</a:t>
+              <a:t>10/27/22</a:t>
             </a:fld>
             <a:endParaRPr lang="en-US"/>
           </a:p>
@@ -22936,7 +22936,7 @@
           <a:p>
             <a:r>
               <a:rPr lang="en-US"/>
-              <a:t>© 2019, FLL Tutorials, Last Edit 7/07/2019</a:t>
+              <a:t>© 2022, FLL Tutorials</a:t>
             </a:r>
           </a:p>
         </p:txBody>
@@ -23847,9 +23847,9 @@
             </a:lvl1pPr>
           </a:lstStyle>
           <a:p>
-            <a:fld id="{BFB69B2C-F3EB-AE46-B3E1-D27FBFA0F523}" type="datetime1">
+            <a:fld id="{0BE6EE9B-D66B-7149-8775-B57DA9BC241A}" type="datetime1">
               <a:rPr lang="en-US" smtClean="0"/>
-              <a:t>7/8/19</a:t>
+              <a:t>10/27/22</a:t>
             </a:fld>
             <a:endParaRPr lang="en-US"/>
           </a:p>
@@ -23888,7 +23888,7 @@
           <a:p>
             <a:r>
               <a:rPr lang="en-US"/>
-              <a:t>© 2019, FLL Tutorials, Last Edit 7/07/2019</a:t>
+              <a:t>© 2022, FLL Tutorials</a:t>
             </a:r>
           </a:p>
         </p:txBody>
@@ -24905,9 +24905,9 @@
             </a:lvl1pPr>
           </a:lstStyle>
           <a:p>
-            <a:fld id="{54B17B2B-F7AF-6148-A6F7-D4A86CA97712}" type="datetime1">
+            <a:fld id="{92BDC832-D720-3A4A-A2CD-209176E0FF6A}" type="datetime1">
               <a:rPr lang="en-US" smtClean="0"/>
-              <a:t>7/8/19</a:t>
+              <a:t>10/27/22</a:t>
             </a:fld>
             <a:endParaRPr lang="en-US"/>
           </a:p>
@@ -24948,7 +24948,7 @@
           <a:p>
             <a:r>
               <a:rPr lang="en-US"/>
-              <a:t>© 2019, FLL Tutorials, Last Edit 7/07/2019</a:t>
+              <a:t>© 2022, FLL Tutorials</a:t>
             </a:r>
           </a:p>
         </p:txBody>
@@ -25447,9 +25447,9 @@
             </a:lvl1pPr>
           </a:lstStyle>
           <a:p>
-            <a:fld id="{6C2D3D66-6C3B-C847-8F67-866BB12F3A21}" type="datetime1">
+            <a:fld id="{1F98AC2B-095E-9E4D-B113-2D59EF8FF9BA}" type="datetime1">
               <a:rPr lang="en-US" smtClean="0"/>
-              <a:t>7/8/19</a:t>
+              <a:t>10/27/22</a:t>
             </a:fld>
             <a:endParaRPr lang="en-US"/>
           </a:p>
@@ -25488,7 +25488,7 @@
           <a:p>
             <a:r>
               <a:rPr lang="en-US"/>
-              <a:t>© 2019, FLL Tutorials, Last Edit 7/07/2019</a:t>
+              <a:t>© 2022, FLL Tutorials</a:t>
             </a:r>
           </a:p>
         </p:txBody>
@@ -26816,9 +26816,9 @@
             </a:lvl1pPr>
           </a:lstStyle>
           <a:p>
-            <a:fld id="{FBD5703C-70B9-974A-BF06-67399F68DE4B}" type="datetime1">
+            <a:fld id="{AF70DD7C-9FE2-204B-AFCE-34B12395B286}" type="datetime1">
               <a:rPr lang="en-US" smtClean="0"/>
-              <a:t>7/8/19</a:t>
+              <a:t>10/27/22</a:t>
             </a:fld>
             <a:endParaRPr lang="en-US"/>
           </a:p>
@@ -26857,7 +26857,7 @@
           <a:p>
             <a:r>
               <a:rPr lang="en-US"/>
-              <a:t>© 2019, FLL Tutorials, Last Edit 7/07/2019</a:t>
+              <a:t>© 2022, FLL Tutorials</a:t>
             </a:r>
           </a:p>
         </p:txBody>
@@ -27894,9 +27894,9 @@
             </a:lvl1pPr>
           </a:lstStyle>
           <a:p>
-            <a:fld id="{1B244068-7D39-D34E-81AE-BD7C5DE615D1}" type="datetime1">
+            <a:fld id="{1C636EBF-BA36-4F45-8C51-CFBFFCA7F30B}" type="datetime1">
               <a:rPr lang="en-US" smtClean="0"/>
-              <a:t>7/8/19</a:t>
+              <a:t>10/27/22</a:t>
             </a:fld>
             <a:endParaRPr lang="en-US"/>
           </a:p>
@@ -27937,7 +27937,7 @@
           <a:p>
             <a:r>
               <a:rPr lang="en-US"/>
-              <a:t>© 2019, FLL Tutorials, Last Edit 7/07/2019</a:t>
+              <a:t>© 2022, FLL Tutorials</a:t>
             </a:r>
           </a:p>
         </p:txBody>
@@ -28556,9 +28556,9 @@
             </a:lvl1pPr>
           </a:lstStyle>
           <a:p>
-            <a:fld id="{A6EF2F02-87F5-924F-8601-0F1003E93DFF}" type="datetime1">
+            <a:fld id="{D3EEABAF-7B2C-7748-8BC1-83B06CC20A57}" type="datetime1">
               <a:rPr lang="en-US" smtClean="0"/>
-              <a:t>7/8/19</a:t>
+              <a:t>10/27/22</a:t>
             </a:fld>
             <a:endParaRPr lang="en-US"/>
           </a:p>
@@ -28606,7 +28606,7 @@
           <a:p>
             <a:r>
               <a:rPr lang="en-US"/>
-              <a:t>© 2019, FLL Tutorials, Last Edit 7/07/2019</a:t>
+              <a:t>© 2022, FLL Tutorials</a:t>
             </a:r>
           </a:p>
         </p:txBody>
@@ -29199,13 +29199,13 @@
         </p:spPr>
         <p:txBody>
           <a:bodyPr>
-            <a:normAutofit fontScale="70000" lnSpcReduction="20000"/>
+            <a:normAutofit fontScale="62500" lnSpcReduction="20000"/>
           </a:bodyPr>
           <a:lstStyle/>
           <a:p>
             <a:r>
               <a:rPr lang="en-US" dirty="0"/>
-              <a:t>Some regions are using a consolidated judging system</a:t>
+              <a:t>All regions in FIRST LEGO League should have moved to the 30-minute judging format</a:t>
             </a:r>
           </a:p>
           <a:p>
@@ -29218,7 +29218,7 @@
             <a:pPr marL="305435" indent="-305435"/>
             <a:r>
               <a:rPr lang="en-US" dirty="0"/>
-              <a:t>Your team will have a 20-30 minute single judging slot that covers Robot Design, Project, and Core Values</a:t>
+              <a:t>Your team will have a 30-minute single judging slot that covers Robot Design, Project, and Core Values</a:t>
             </a:r>
           </a:p>
         </p:txBody>
@@ -29246,7 +29246,7 @@
           <a:p>
             <a:r>
               <a:rPr lang="en-US"/>
-              <a:t>© 2019, FLL Tutorials, Last Edit 7/07/2019</a:t>
+              <a:t>© 2022, FLL Tutorials</a:t>
             </a:r>
           </a:p>
         </p:txBody>
@@ -29376,102 +29376,6 @@
       </p:sp>
       <p:sp>
         <p:nvSpPr>
-          <p:cNvPr id="3" name="Content Placeholder 2">
-            <a:extLst>
-              <a:ext uri="{FF2B5EF4-FFF2-40B4-BE49-F238E27FC236}">
-                <a16:creationId xmlns:a16="http://schemas.microsoft.com/office/drawing/2014/main" id="{D3F58FDF-6F79-C54C-9249-874EC9565863}"/>
-              </a:ext>
-            </a:extLst>
-          </p:cNvPr>
-          <p:cNvSpPr>
-            <a:spLocks noGrp="1"/>
-          </p:cNvSpPr>
-          <p:nvPr>
-            <p:ph idx="1"/>
-          </p:nvPr>
-        </p:nvSpPr>
-        <p:spPr>
-          <a:xfrm>
-            <a:off x="448092" y="1505584"/>
-            <a:ext cx="5195963" cy="2546754"/>
-          </a:xfrm>
-        </p:spPr>
-        <p:txBody>
-          <a:bodyPr>
-            <a:noAutofit/>
-          </a:bodyPr>
-          <a:lstStyle/>
-          <a:p>
-            <a:r>
-              <a:rPr lang="en-US" sz="2200" dirty="0"/>
-              <a:t>Sample</a:t>
-            </a:r>
-            <a:r>
-              <a:rPr lang="en-US" sz="2200" i="1" dirty="0"/>
-              <a:t>*</a:t>
-            </a:r>
-            <a:r>
-              <a:rPr lang="en-US" sz="2200" dirty="0"/>
-              <a:t> 20-min judging schedule:</a:t>
-            </a:r>
-          </a:p>
-          <a:p>
-            <a:pPr lvl="1"/>
-            <a:r>
-              <a:rPr lang="en-US" sz="2200" dirty="0"/>
-              <a:t>5 minute </a:t>
-            </a:r>
-            <a:r>
-              <a:rPr lang="en-US" sz="2200" dirty="0">
-                <a:solidFill>
-                  <a:srgbClr val="FF0000"/>
-                </a:solidFill>
-              </a:rPr>
-              <a:t>Project</a:t>
-            </a:r>
-            <a:r>
-              <a:rPr lang="en-US" sz="2200" dirty="0"/>
-              <a:t> presentation</a:t>
-            </a:r>
-          </a:p>
-          <a:p>
-            <a:pPr lvl="1"/>
-            <a:r>
-              <a:rPr lang="en-US" sz="2200" dirty="0"/>
-              <a:t>2 minutes questions about the Project</a:t>
-            </a:r>
-          </a:p>
-          <a:p>
-            <a:pPr lvl="1"/>
-            <a:r>
-              <a:rPr lang="en-US" sz="2200" dirty="0"/>
-              <a:t>5 minute </a:t>
-            </a:r>
-            <a:r>
-              <a:rPr lang="en-US" sz="2200" dirty="0">
-                <a:solidFill>
-                  <a:srgbClr val="FF0000"/>
-                </a:solidFill>
-              </a:rPr>
-              <a:t>Robot Design </a:t>
-            </a:r>
-            <a:r>
-              <a:rPr lang="en-US" sz="2200" dirty="0">
-                <a:solidFill>
-                  <a:schemeClr val="tx1"/>
-                </a:solidFill>
-              </a:rPr>
-              <a:t>judging. No game table will be in the room.  You are allowed 2mins for a prepared presentation if you want to. </a:t>
-            </a:r>
-            <a:r>
-              <a:rPr lang="en-US" sz="2200" i="1" dirty="0"/>
-              <a:t>with your Tournament Director.</a:t>
-            </a:r>
-          </a:p>
-        </p:txBody>
-      </p:sp>
-      <p:sp>
-        <p:nvSpPr>
           <p:cNvPr id="4" name="Footer Placeholder 3">
             <a:extLst>
               <a:ext uri="{FF2B5EF4-FFF2-40B4-BE49-F238E27FC236}">
@@ -29492,8 +29396,8 @@
           <a:lstStyle/>
           <a:p>
             <a:r>
-              <a:rPr lang="en-US"/>
-              <a:t>© 2019, FLL Tutorials, Last Edit 7/07/2019</a:t>
+              <a:rPr lang="en-US" dirty="0"/>
+              <a:t>© 2022, FLL Tutorials</a:t>
             </a:r>
           </a:p>
         </p:txBody>
@@ -29529,17 +29433,19 @@
       </p:sp>
       <p:pic>
         <p:nvPicPr>
-          <p:cNvPr id="7" name="Picture 6">
+          <p:cNvPr id="13" name="Content Placeholder 12" descr="Chart&#10;&#10;Description automatically generated with low confidence">
             <a:extLst>
               <a:ext uri="{FF2B5EF4-FFF2-40B4-BE49-F238E27FC236}">
-                <a16:creationId xmlns:a16="http://schemas.microsoft.com/office/drawing/2014/main" id="{1BBF49CD-FBE4-E44D-A302-6BFBBC54F298}"/>
+                <a16:creationId xmlns:a16="http://schemas.microsoft.com/office/drawing/2014/main" id="{C4E0A2B5-6E04-0E5B-7E79-DFD845D2BF6A}"/>
               </a:ext>
             </a:extLst>
           </p:cNvPr>
           <p:cNvPicPr>
-            <a:picLocks noChangeAspect="1"/>
+            <a:picLocks noGrp="1" noChangeAspect="1"/>
           </p:cNvPicPr>
-          <p:nvPr/>
+          <p:nvPr>
+            <p:ph idx="1"/>
+          </p:nvPr>
         </p:nvPicPr>
         <p:blipFill>
           <a:blip r:embed="rId2">
@@ -29555,275 +29461,17 @@
         </p:blipFill>
         <p:spPr>
           <a:xfrm>
-            <a:off x="5644054" y="1919231"/>
-            <a:ext cx="3051853" cy="1757867"/>
+            <a:off x="325537" y="1573410"/>
+            <a:ext cx="3587879" cy="4814506"/>
           </a:xfrm>
-          <a:prstGeom prst="rect">
-            <a:avLst/>
-          </a:prstGeom>
         </p:spPr>
       </p:pic>
       <p:sp>
         <p:nvSpPr>
-          <p:cNvPr id="8" name="Content Placeholder 2">
+          <p:cNvPr id="14" name="TextBox 13">
             <a:extLst>
               <a:ext uri="{FF2B5EF4-FFF2-40B4-BE49-F238E27FC236}">
-                <a16:creationId xmlns:a16="http://schemas.microsoft.com/office/drawing/2014/main" id="{69D29611-ED47-D648-9282-C492679B9C0F}"/>
-              </a:ext>
-            </a:extLst>
-          </p:cNvPr>
-          <p:cNvSpPr txBox="1">
-            <a:spLocks/>
-          </p:cNvSpPr>
-          <p:nvPr/>
-        </p:nvSpPr>
-        <p:spPr>
-          <a:xfrm>
-            <a:off x="307268" y="4692651"/>
-            <a:ext cx="8529463" cy="2330262"/>
-          </a:xfrm>
-          <a:prstGeom prst="rect">
-            <a:avLst/>
-          </a:prstGeom>
-        </p:spPr>
-        <p:txBody>
-          <a:bodyPr vert="horz" lIns="91440" tIns="45720" rIns="91440" bIns="45720" rtlCol="0" anchor="t">
-            <a:normAutofit/>
-          </a:bodyPr>
-          <a:lstStyle>
-            <a:lvl1pPr marL="306000" indent="-306000" algn="l" defTabSz="457200" rtl="0" eaLnBrk="1" latinLnBrk="0" hangingPunct="1">
-              <a:spcBef>
-                <a:spcPct val="20000"/>
-              </a:spcBef>
-              <a:spcAft>
-                <a:spcPts val="600"/>
-              </a:spcAft>
-              <a:buClr>
-                <a:schemeClr val="accent2"/>
-              </a:buClr>
-              <a:buSzPct val="92000"/>
-              <a:buFont typeface="Wingdings 2" panose="05020102010507070707" pitchFamily="18" charset="2"/>
-              <a:buChar char=""/>
-              <a:defRPr sz="3600" kern="1200">
-                <a:solidFill>
-                  <a:schemeClr val="tx2"/>
-                </a:solidFill>
-                <a:latin typeface="+mn-lt"/>
-                <a:ea typeface="+mn-ea"/>
-                <a:cs typeface="+mn-cs"/>
-              </a:defRPr>
-            </a:lvl1pPr>
-            <a:lvl2pPr marL="630000" indent="-306000" algn="l" defTabSz="457200" rtl="0" eaLnBrk="1" latinLnBrk="0" hangingPunct="1">
-              <a:spcBef>
-                <a:spcPct val="20000"/>
-              </a:spcBef>
-              <a:spcAft>
-                <a:spcPts val="600"/>
-              </a:spcAft>
-              <a:buClr>
-                <a:schemeClr val="accent2"/>
-              </a:buClr>
-              <a:buSzPct val="92000"/>
-              <a:buFont typeface="Wingdings 2" panose="05020102010507070707" pitchFamily="18" charset="2"/>
-              <a:buChar char=""/>
-              <a:defRPr sz="3200" kern="1200">
-                <a:solidFill>
-                  <a:schemeClr val="tx2"/>
-                </a:solidFill>
-                <a:latin typeface="+mn-lt"/>
-                <a:ea typeface="+mn-ea"/>
-                <a:cs typeface="+mn-cs"/>
-              </a:defRPr>
-            </a:lvl2pPr>
-            <a:lvl3pPr marL="900000" indent="-270000" algn="l" defTabSz="457200" rtl="0" eaLnBrk="1" latinLnBrk="0" hangingPunct="1">
-              <a:spcBef>
-                <a:spcPct val="20000"/>
-              </a:spcBef>
-              <a:spcAft>
-                <a:spcPts val="600"/>
-              </a:spcAft>
-              <a:buClr>
-                <a:schemeClr val="accent2"/>
-              </a:buClr>
-              <a:buSzPct val="92000"/>
-              <a:buFont typeface="Wingdings 2" panose="05020102010507070707" pitchFamily="18" charset="2"/>
-              <a:buChar char=""/>
-              <a:defRPr sz="2800" kern="1200">
-                <a:solidFill>
-                  <a:schemeClr val="tx2"/>
-                </a:solidFill>
-                <a:latin typeface="+mn-lt"/>
-                <a:ea typeface="+mn-ea"/>
-                <a:cs typeface="+mn-cs"/>
-              </a:defRPr>
-            </a:lvl3pPr>
-            <a:lvl4pPr marL="1242000" indent="-234000" algn="l" defTabSz="457200" rtl="0" eaLnBrk="1" latinLnBrk="0" hangingPunct="1">
-              <a:spcBef>
-                <a:spcPct val="20000"/>
-              </a:spcBef>
-              <a:spcAft>
-                <a:spcPts val="600"/>
-              </a:spcAft>
-              <a:buClr>
-                <a:schemeClr val="accent2"/>
-              </a:buClr>
-              <a:buSzPct val="92000"/>
-              <a:buFont typeface="Wingdings 2" panose="05020102010507070707" pitchFamily="18" charset="2"/>
-              <a:buChar char=""/>
-              <a:defRPr sz="2400" kern="1200">
-                <a:solidFill>
-                  <a:schemeClr val="tx2"/>
-                </a:solidFill>
-                <a:latin typeface="+mn-lt"/>
-                <a:ea typeface="+mn-ea"/>
-                <a:cs typeface="+mn-cs"/>
-              </a:defRPr>
-            </a:lvl4pPr>
-            <a:lvl5pPr marL="1602000" indent="-234000" algn="l" defTabSz="457200" rtl="0" eaLnBrk="1" latinLnBrk="0" hangingPunct="1">
-              <a:spcBef>
-                <a:spcPct val="20000"/>
-              </a:spcBef>
-              <a:spcAft>
-                <a:spcPts val="600"/>
-              </a:spcAft>
-              <a:buClr>
-                <a:schemeClr val="accent2"/>
-              </a:buClr>
-              <a:buSzPct val="92000"/>
-              <a:buFont typeface="Wingdings 2" panose="05020102010507070707" pitchFamily="18" charset="2"/>
-              <a:buChar char=""/>
-              <a:defRPr sz="2400" kern="1200">
-                <a:solidFill>
-                  <a:schemeClr val="tx2"/>
-                </a:solidFill>
-                <a:latin typeface="+mn-lt"/>
-                <a:ea typeface="+mn-ea"/>
-                <a:cs typeface="+mn-cs"/>
-              </a:defRPr>
-            </a:lvl5pPr>
-            <a:lvl6pPr marL="1900000" indent="-228600" algn="l" defTabSz="457200" rtl="0" eaLnBrk="1" latinLnBrk="0" hangingPunct="1">
-              <a:spcBef>
-                <a:spcPct val="20000"/>
-              </a:spcBef>
-              <a:spcAft>
-                <a:spcPts val="600"/>
-              </a:spcAft>
-              <a:buClr>
-                <a:schemeClr val="accent2"/>
-              </a:buClr>
-              <a:buSzPct val="92000"/>
-              <a:buFont typeface="Wingdings 2" panose="05020102010507070707" pitchFamily="18" charset="2"/>
-              <a:buChar char=""/>
-              <a:defRPr sz="1200" kern="1200">
-                <a:solidFill>
-                  <a:schemeClr val="tx2"/>
-                </a:solidFill>
-                <a:latin typeface="+mn-lt"/>
-                <a:ea typeface="+mn-ea"/>
-                <a:cs typeface="+mn-cs"/>
-              </a:defRPr>
-            </a:lvl6pPr>
-            <a:lvl7pPr marL="2200000" indent="-228600" algn="l" defTabSz="457200" rtl="0" eaLnBrk="1" latinLnBrk="0" hangingPunct="1">
-              <a:spcBef>
-                <a:spcPct val="20000"/>
-              </a:spcBef>
-              <a:spcAft>
-                <a:spcPts val="600"/>
-              </a:spcAft>
-              <a:buClr>
-                <a:schemeClr val="accent2"/>
-              </a:buClr>
-              <a:buSzPct val="92000"/>
-              <a:buFont typeface="Wingdings 2" panose="05020102010507070707" pitchFamily="18" charset="2"/>
-              <a:buChar char=""/>
-              <a:defRPr sz="1200" kern="1200">
-                <a:solidFill>
-                  <a:schemeClr val="tx2"/>
-                </a:solidFill>
-                <a:latin typeface="+mn-lt"/>
-                <a:ea typeface="+mn-ea"/>
-                <a:cs typeface="+mn-cs"/>
-              </a:defRPr>
-            </a:lvl7pPr>
-            <a:lvl8pPr marL="2500000" indent="-228600" algn="l" defTabSz="457200" rtl="0" eaLnBrk="1" latinLnBrk="0" hangingPunct="1">
-              <a:spcBef>
-                <a:spcPct val="20000"/>
-              </a:spcBef>
-              <a:spcAft>
-                <a:spcPts val="600"/>
-              </a:spcAft>
-              <a:buClr>
-                <a:schemeClr val="accent2"/>
-              </a:buClr>
-              <a:buSzPct val="92000"/>
-              <a:buFont typeface="Wingdings 2" panose="05020102010507070707" pitchFamily="18" charset="2"/>
-              <a:buChar char=""/>
-              <a:defRPr sz="1200" kern="1200">
-                <a:solidFill>
-                  <a:schemeClr val="tx2"/>
-                </a:solidFill>
-                <a:latin typeface="+mn-lt"/>
-                <a:ea typeface="+mn-ea"/>
-                <a:cs typeface="+mn-cs"/>
-              </a:defRPr>
-            </a:lvl8pPr>
-            <a:lvl9pPr marL="2800000" indent="-228600" algn="l" defTabSz="457200" rtl="0" eaLnBrk="1" latinLnBrk="0" hangingPunct="1">
-              <a:spcBef>
-                <a:spcPct val="20000"/>
-              </a:spcBef>
-              <a:spcAft>
-                <a:spcPts val="600"/>
-              </a:spcAft>
-              <a:buClr>
-                <a:schemeClr val="accent2"/>
-              </a:buClr>
-              <a:buSzPct val="92000"/>
-              <a:buFont typeface="Wingdings 2" panose="05020102010507070707" pitchFamily="18" charset="2"/>
-              <a:buChar char=""/>
-              <a:defRPr sz="1200" kern="1200">
-                <a:solidFill>
-                  <a:schemeClr val="tx2"/>
-                </a:solidFill>
-                <a:latin typeface="+mn-lt"/>
-                <a:ea typeface="+mn-ea"/>
-                <a:cs typeface="+mn-cs"/>
-              </a:defRPr>
-            </a:lvl9pPr>
-          </a:lstStyle>
-          <a:p>
-            <a:pPr lvl="1"/>
-            <a:r>
-              <a:rPr lang="en-US" sz="2200" dirty="0"/>
-              <a:t>5-minutes for </a:t>
-            </a:r>
-            <a:r>
-              <a:rPr lang="en-US" sz="2200" dirty="0">
-                <a:solidFill>
-                  <a:srgbClr val="FF0000"/>
-                </a:solidFill>
-              </a:rPr>
-              <a:t>Core Values </a:t>
-            </a:r>
-            <a:r>
-              <a:rPr lang="en-US" sz="2200" dirty="0"/>
-              <a:t>judging.  You are allowed to use 2 minutes for a Core Values poster presentation if you want to.</a:t>
-            </a:r>
-          </a:p>
-          <a:p>
-            <a:pPr lvl="1"/>
-            <a:r>
-              <a:rPr lang="en-US" sz="2200" dirty="0"/>
-              <a:t>3-minutes for judges to ask any questions they want to</a:t>
-            </a:r>
-          </a:p>
-        </p:txBody>
-      </p:sp>
-      <p:sp>
-        <p:nvSpPr>
-          <p:cNvPr id="9" name="TextBox 8">
-            <a:extLst>
-              <a:ext uri="{FF2B5EF4-FFF2-40B4-BE49-F238E27FC236}">
-                <a16:creationId xmlns:a16="http://schemas.microsoft.com/office/drawing/2014/main" id="{BA9CEDE5-D42C-434B-AD8C-87A0E401FDBD}"/>
+                <a16:creationId xmlns:a16="http://schemas.microsoft.com/office/drawing/2014/main" id="{016ECC97-AC67-E000-86E7-DAB4C40AA66F}"/>
               </a:ext>
             </a:extLst>
           </p:cNvPr>
@@ -29832,8 +29480,8 @@
         </p:nvSpPr>
         <p:spPr>
           <a:xfrm>
-            <a:off x="5534132" y="3894736"/>
-            <a:ext cx="3389402" cy="1077218"/>
+            <a:off x="4063006" y="1761893"/>
+            <a:ext cx="4507938" cy="4524315"/>
           </a:xfrm>
           <a:prstGeom prst="rect">
             <a:avLst/>
@@ -29846,47 +29494,53 @@
           </a:bodyPr>
           <a:lstStyle/>
           <a:p>
-            <a:r>
-              <a:rPr lang="en-US" sz="1600" i="1" dirty="0"/>
-              <a:t>* There may be regional variation as to how this is implemented. Always check with your Tournament Director.</a:t>
-            </a:r>
-          </a:p>
-          <a:p>
-            <a:endParaRPr lang="en-US" sz="1600" dirty="0"/>
-          </a:p>
-        </p:txBody>
-      </p:sp>
-      <p:sp>
-        <p:nvSpPr>
-          <p:cNvPr id="10" name="TextBox 9">
-            <a:extLst>
-              <a:ext uri="{FF2B5EF4-FFF2-40B4-BE49-F238E27FC236}">
-                <a16:creationId xmlns:a16="http://schemas.microsoft.com/office/drawing/2014/main" id="{94544749-93CC-D946-89B2-B1957DCA4663}"/>
-              </a:ext>
-            </a:extLst>
-          </p:cNvPr>
-          <p:cNvSpPr txBox="1"/>
-          <p:nvPr/>
-        </p:nvSpPr>
-        <p:spPr>
-          <a:xfrm>
-            <a:off x="5619185" y="3636801"/>
-            <a:ext cx="3587879" cy="261610"/>
-          </a:xfrm>
-          <a:prstGeom prst="rect">
-            <a:avLst/>
-          </a:prstGeom>
-          <a:noFill/>
-        </p:spPr>
-        <p:txBody>
-          <a:bodyPr wrap="square" rtlCol="0">
-            <a:spAutoFit/>
-          </a:bodyPr>
-          <a:lstStyle/>
-          <a:p>
-            <a:r>
-              <a:rPr lang="en-US" sz="1100" dirty="0"/>
-              <a:t>Photo Credit: Razorback Open</a:t>
+            <a:pPr marL="285750" indent="-285750">
+              <a:buFont typeface="Arial" panose="020B0604020202020204" pitchFamily="34" charset="0"/>
+              <a:buChar char="•"/>
+            </a:pPr>
+            <a:r>
+              <a:rPr lang="en-US" dirty="0"/>
+              <a:t>Students will enter the room, introduce themselves and then proceed to present their Innovation Project. </a:t>
+            </a:r>
+          </a:p>
+          <a:p>
+            <a:pPr marL="285750" indent="-285750">
+              <a:buFont typeface="Arial" panose="020B0604020202020204" pitchFamily="34" charset="0"/>
+              <a:buChar char="•"/>
+            </a:pPr>
+            <a:r>
+              <a:rPr lang="en-US" dirty="0"/>
+              <a:t> The session will then proceed according to the flowchart on the left.</a:t>
+            </a:r>
+          </a:p>
+          <a:p>
+            <a:pPr marL="285750" indent="-285750">
+              <a:buFont typeface="Arial" panose="020B0604020202020204" pitchFamily="34" charset="0"/>
+              <a:buChar char="•"/>
+            </a:pPr>
+            <a:r>
+              <a:rPr lang="en-US" dirty="0"/>
+              <a:t>A team can transition to the next presentation on their own or the judges will keep track of the time and move the conversation to the next section.</a:t>
+            </a:r>
+          </a:p>
+          <a:p>
+            <a:pPr marL="285750" indent="-285750">
+              <a:buFont typeface="Arial" panose="020B0604020202020204" pitchFamily="34" charset="0"/>
+              <a:buChar char="•"/>
+            </a:pPr>
+            <a:r>
+              <a:rPr lang="en-US" dirty="0"/>
+              <a:t>Teams give a 5 min presentation for Innovation Project and Robot Design</a:t>
+            </a:r>
+          </a:p>
+          <a:p>
+            <a:pPr marL="285750" indent="-285750">
+              <a:buFont typeface="Arial" panose="020B0604020202020204" pitchFamily="34" charset="0"/>
+              <a:buChar char="•"/>
+            </a:pPr>
+            <a:r>
+              <a:rPr lang="en-US" dirty="0"/>
+              <a:t>Core Values Reflection is a time for judges to ask questions. Core Values judges will be judging during the Team Welcome, Innovation Project and Robot Design as well</a:t>
             </a:r>
           </a:p>
         </p:txBody>
@@ -29894,7 +29548,7 @@
     </p:spTree>
     <p:extLst>
       <p:ext uri="{BB962C8B-B14F-4D97-AF65-F5344CB8AC3E}">
-        <p14:creationId xmlns:p14="http://schemas.microsoft.com/office/powerpoint/2010/main" val="1206761348"/>
+        <p14:creationId xmlns:p14="http://schemas.microsoft.com/office/powerpoint/2010/main" val="3599285533"/>
       </p:ext>
     </p:extLst>
   </p:cSld>
@@ -29944,17 +29598,74 @@
           <a:p>
             <a:r>
               <a:rPr lang="en-US" dirty="0"/>
-              <a:t>Consolidated RUBRIC</a:t>
-            </a:r>
+              <a:t>JUDGES will fill in all three rubrics</a:t>
+            </a:r>
+          </a:p>
+        </p:txBody>
+      </p:sp>
+      <p:sp>
+        <p:nvSpPr>
+          <p:cNvPr id="4" name="Footer Placeholder 3">
+            <a:extLst>
+              <a:ext uri="{FF2B5EF4-FFF2-40B4-BE49-F238E27FC236}">
+                <a16:creationId xmlns:a16="http://schemas.microsoft.com/office/drawing/2014/main" id="{8985F260-F816-1C49-9451-AE796E9E4351}"/>
+              </a:ext>
+            </a:extLst>
+          </p:cNvPr>
+          <p:cNvSpPr>
+            <a:spLocks noGrp="1"/>
+          </p:cNvSpPr>
+          <p:nvPr>
+            <p:ph type="ftr" sz="quarter" idx="11"/>
+          </p:nvPr>
+        </p:nvSpPr>
+        <p:spPr/>
+        <p:txBody>
+          <a:bodyPr/>
+          <a:lstStyle/>
+          <a:p>
+            <a:r>
+              <a:rPr lang="en-US"/>
+              <a:t>© 2022, FLL Tutorials</a:t>
+            </a:r>
+          </a:p>
+        </p:txBody>
+      </p:sp>
+      <p:sp>
+        <p:nvSpPr>
+          <p:cNvPr id="5" name="Slide Number Placeholder 4">
+            <a:extLst>
+              <a:ext uri="{FF2B5EF4-FFF2-40B4-BE49-F238E27FC236}">
+                <a16:creationId xmlns:a16="http://schemas.microsoft.com/office/drawing/2014/main" id="{298FAB25-41FF-AC4F-9082-63D8D16F7B35}"/>
+              </a:ext>
+            </a:extLst>
+          </p:cNvPr>
+          <p:cNvSpPr>
+            <a:spLocks noGrp="1"/>
+          </p:cNvSpPr>
+          <p:nvPr>
+            <p:ph type="sldNum" sz="quarter" idx="12"/>
+          </p:nvPr>
+        </p:nvSpPr>
+        <p:spPr/>
+        <p:txBody>
+          <a:bodyPr/>
+          <a:lstStyle/>
+          <a:p>
+            <a:fld id="{4DBC7FC8-25FB-FC45-8177-2B991DA6778C}" type="slidenum">
+              <a:rPr lang="en-US" smtClean="0"/>
+              <a:t>4</a:t>
+            </a:fld>
+            <a:endParaRPr lang="en-US" dirty="0"/>
           </a:p>
         </p:txBody>
       </p:sp>
       <p:pic>
         <p:nvPicPr>
-          <p:cNvPr id="7" name="Content Placeholder 6">
+          <p:cNvPr id="12" name="Content Placeholder 11" descr="Table&#10;&#10;Description automatically generated">
             <a:extLst>
               <a:ext uri="{FF2B5EF4-FFF2-40B4-BE49-F238E27FC236}">
-                <a16:creationId xmlns:a16="http://schemas.microsoft.com/office/drawing/2014/main" id="{DB6DC820-DB3E-C64C-B7E9-B0229CB8D5F1}"/>
+                <a16:creationId xmlns:a16="http://schemas.microsoft.com/office/drawing/2014/main" id="{C2F13462-131A-A920-E7CE-3CAFD004CC62}"/>
               </a:ext>
             </a:extLst>
           </p:cNvPr>
@@ -29965,7 +29676,7 @@
             <p:ph idx="1"/>
           </p:nvPr>
         </p:nvPicPr>
-        <p:blipFill rotWithShape="1">
+        <p:blipFill>
           <a:blip r:embed="rId2">
             <a:extLst>
               <a:ext uri="{28A0092B-C50C-407E-A947-70E740481C1C}">
@@ -29973,79 +29684,23 @@
               </a:ext>
             </a:extLst>
           </a:blip>
-          <a:srcRect t="66037" b="12370"/>
-          <a:stretch/>
+          <a:stretch>
+            <a:fillRect/>
+          </a:stretch>
         </p:blipFill>
         <p:spPr>
           <a:xfrm>
-            <a:off x="-6012" y="4824450"/>
-            <a:ext cx="6740093" cy="1883497"/>
+            <a:off x="355601" y="1564731"/>
+            <a:ext cx="3606214" cy="2940361"/>
           </a:xfrm>
         </p:spPr>
       </p:pic>
-      <p:sp>
-        <p:nvSpPr>
-          <p:cNvPr id="4" name="Footer Placeholder 3">
+      <p:pic>
+        <p:nvPicPr>
+          <p:cNvPr id="14" name="Picture 13" descr="Table&#10;&#10;Description automatically generated">
             <a:extLst>
               <a:ext uri="{FF2B5EF4-FFF2-40B4-BE49-F238E27FC236}">
-                <a16:creationId xmlns:a16="http://schemas.microsoft.com/office/drawing/2014/main" id="{8985F260-F816-1C49-9451-AE796E9E4351}"/>
-              </a:ext>
-            </a:extLst>
-          </p:cNvPr>
-          <p:cNvSpPr>
-            <a:spLocks noGrp="1"/>
-          </p:cNvSpPr>
-          <p:nvPr>
-            <p:ph type="ftr" sz="quarter" idx="11"/>
-          </p:nvPr>
-        </p:nvSpPr>
-        <p:spPr/>
-        <p:txBody>
-          <a:bodyPr/>
-          <a:lstStyle/>
-          <a:p>
-            <a:r>
-              <a:rPr lang="en-US"/>
-              <a:t>© 2019, FLL Tutorials, Last Edit 7/07/2019</a:t>
-            </a:r>
-          </a:p>
-        </p:txBody>
-      </p:sp>
-      <p:sp>
-        <p:nvSpPr>
-          <p:cNvPr id="5" name="Slide Number Placeholder 4">
-            <a:extLst>
-              <a:ext uri="{FF2B5EF4-FFF2-40B4-BE49-F238E27FC236}">
-                <a16:creationId xmlns:a16="http://schemas.microsoft.com/office/drawing/2014/main" id="{298FAB25-41FF-AC4F-9082-63D8D16F7B35}"/>
-              </a:ext>
-            </a:extLst>
-          </p:cNvPr>
-          <p:cNvSpPr>
-            <a:spLocks noGrp="1"/>
-          </p:cNvSpPr>
-          <p:nvPr>
-            <p:ph type="sldNum" sz="quarter" idx="12"/>
-          </p:nvPr>
-        </p:nvSpPr>
-        <p:spPr/>
-        <p:txBody>
-          <a:bodyPr/>
-          <a:lstStyle/>
-          <a:p>
-            <a:fld id="{4DBC7FC8-25FB-FC45-8177-2B991DA6778C}" type="slidenum">
-              <a:rPr lang="en-US" smtClean="0"/>
-              <a:t>4</a:t>
-            </a:fld>
-            <a:endParaRPr lang="en-US" dirty="0"/>
-          </a:p>
-        </p:txBody>
-      </p:sp>
-      <p:pic>
-        <p:nvPicPr>
-          <p:cNvPr id="9" name="Content Placeholder 6">
-            <a:extLst>
-              <a:ext uri="{FF2B5EF4-FFF2-40B4-BE49-F238E27FC236}">
-                <a16:creationId xmlns:a16="http://schemas.microsoft.com/office/drawing/2014/main" id="{587581EC-28DB-A641-BCB1-018EDF9E122E}"/>
+                <a16:creationId xmlns:a16="http://schemas.microsoft.com/office/drawing/2014/main" id="{874DA325-FB95-AB38-3FBD-D9DD35469E0B}"/>
               </a:ext>
             </a:extLst>
           </p:cNvPr>
@@ -30054,21 +29709,22 @@
           </p:cNvPicPr>
           <p:nvPr/>
         </p:nvPicPr>
-        <p:blipFill rotWithShape="1">
-          <a:blip r:embed="rId2">
+        <p:blipFill>
+          <a:blip r:embed="rId3">
             <a:extLst>
               <a:ext uri="{28A0092B-C50C-407E-A947-70E740481C1C}">
                 <a14:useLocalDpi xmlns:a14="http://schemas.microsoft.com/office/drawing/2010/main" val="0"/>
               </a:ext>
             </a:extLst>
           </a:blip>
-          <a:srcRect t="37303" b="41651"/>
-          <a:stretch/>
+          <a:stretch>
+            <a:fillRect/>
+          </a:stretch>
         </p:blipFill>
         <p:spPr>
           <a:xfrm>
-            <a:off x="2480495" y="2934972"/>
-            <a:ext cx="6740093" cy="1835716"/>
+            <a:off x="2679237" y="2506143"/>
+            <a:ext cx="3695870" cy="2940361"/>
           </a:xfrm>
           <a:prstGeom prst="rect">
             <a:avLst/>
@@ -30077,10 +29733,10 @@
       </p:pic>
       <p:pic>
         <p:nvPicPr>
-          <p:cNvPr id="10" name="Content Placeholder 6">
+          <p:cNvPr id="16" name="Picture 15" descr="Chart, bar chart&#10;&#10;Description automatically generated">
             <a:extLst>
               <a:ext uri="{FF2B5EF4-FFF2-40B4-BE49-F238E27FC236}">
-                <a16:creationId xmlns:a16="http://schemas.microsoft.com/office/drawing/2014/main" id="{AA3B6520-9F60-7C48-9C02-A786662F87BD}"/>
+                <a16:creationId xmlns:a16="http://schemas.microsoft.com/office/drawing/2014/main" id="{A1E5CE8E-0FF9-82C7-BDE1-818D94B65EE7}"/>
               </a:ext>
             </a:extLst>
           </p:cNvPr>
@@ -30089,62 +29745,28 @@
           </p:cNvPicPr>
           <p:nvPr/>
         </p:nvPicPr>
-        <p:blipFill rotWithShape="1">
-          <a:blip r:embed="rId2">
+        <p:blipFill>
+          <a:blip r:embed="rId4">
             <a:extLst>
               <a:ext uri="{28A0092B-C50C-407E-A947-70E740481C1C}">
                 <a14:useLocalDpi xmlns:a14="http://schemas.microsoft.com/office/drawing/2010/main" val="0"/>
               </a:ext>
             </a:extLst>
           </a:blip>
-          <a:srcRect t="11177" b="69792"/>
-          <a:stretch/>
+          <a:stretch>
+            <a:fillRect/>
+          </a:stretch>
         </p:blipFill>
         <p:spPr>
           <a:xfrm>
-            <a:off x="123991" y="1404633"/>
-            <a:ext cx="6882201" cy="1694974"/>
+            <a:off x="5092529" y="3842416"/>
+            <a:ext cx="3695870" cy="2545500"/>
           </a:xfrm>
           <a:prstGeom prst="rect">
             <a:avLst/>
           </a:prstGeom>
         </p:spPr>
       </p:pic>
-      <p:sp>
-        <p:nvSpPr>
-          <p:cNvPr id="11" name="TextBox 10">
-            <a:extLst>
-              <a:ext uri="{FF2B5EF4-FFF2-40B4-BE49-F238E27FC236}">
-                <a16:creationId xmlns:a16="http://schemas.microsoft.com/office/drawing/2014/main" id="{C6E838E5-4254-5C49-A329-92648678B505}"/>
-              </a:ext>
-            </a:extLst>
-          </p:cNvPr>
-          <p:cNvSpPr txBox="1"/>
-          <p:nvPr/>
-        </p:nvSpPr>
-        <p:spPr>
-          <a:xfrm>
-            <a:off x="6581276" y="5289144"/>
-            <a:ext cx="2438400" cy="954107"/>
-          </a:xfrm>
-          <a:prstGeom prst="rect">
-            <a:avLst/>
-          </a:prstGeom>
-          <a:noFill/>
-        </p:spPr>
-        <p:txBody>
-          <a:bodyPr wrap="square" rtlCol="0">
-            <a:spAutoFit/>
-          </a:bodyPr>
-          <a:lstStyle/>
-          <a:p>
-            <a:r>
-              <a:rPr lang="en-US" sz="1400" dirty="0"/>
-              <a:t>* Sample from 2018 INTO ORBIT. Make sure you have the most recent version if your region uses this rubric </a:t>
-            </a:r>
-          </a:p>
-        </p:txBody>
-      </p:sp>
     </p:spTree>
     <p:extLst>
       <p:ext uri="{BB962C8B-B14F-4D97-AF65-F5344CB8AC3E}">
@@ -30303,11 +29925,11 @@
                   <a:srgbClr val="FF0000"/>
                 </a:solidFill>
               </a:rPr>
-              <a:t>Leave a summary sheet. </a:t>
+              <a:t>Leave a summary sheet if allowed. </a:t>
             </a:r>
             <a:r>
               <a:rPr lang="en-US" sz="1800" dirty="0"/>
-              <a:t>If you want to leave documentation, you can. Include some highlights about your robot, project and core values.</a:t>
+              <a:t>If you are allowed to leave documentation, include some highlights about your robot, project and core values.</a:t>
             </a:r>
           </a:p>
         </p:txBody>
@@ -30335,7 +29957,7 @@
           <a:p>
             <a:r>
               <a:rPr lang="en-US"/>
-              <a:t>© 2019, FLL Tutorials, Last Edit 7/07/2019</a:t>
+              <a:t>© 2022, FLL Tutorials</a:t>
             </a:r>
           </a:p>
         </p:txBody>
@@ -30511,7 +30133,7 @@
         <p:spPr/>
         <p:txBody>
           <a:bodyPr>
-            <a:normAutofit fontScale="62500" lnSpcReduction="20000"/>
+            <a:normAutofit fontScale="70000" lnSpcReduction="20000"/>
           </a:bodyPr>
           <a:lstStyle/>
           <a:p>
@@ -30524,26 +30146,23 @@
             <a:pPr marL="305435" indent="-305435"/>
             <a:r>
               <a:rPr lang="en-US" dirty="0"/>
-              <a:t>Gives a chance for teams to get to know their judges in </a:t>
-            </a:r>
+              <a:t>Gives a chance for teams to get to know their judges better</a:t>
+            </a:r>
+            <a:endParaRPr lang="en-US" dirty="0">
+              <a:solidFill>
+                <a:schemeClr val="tx1"/>
+              </a:solidFill>
+            </a:endParaRPr>
+          </a:p>
+          <a:p>
+            <a:pPr marL="305435" indent="-305435"/>
             <a:r>
               <a:rPr lang="en-US" dirty="0">
                 <a:solidFill>
                   <a:schemeClr val="tx1"/>
                 </a:solidFill>
               </a:rPr>
-              <a:t>20 (or 30) mins.</a:t>
-            </a:r>
-          </a:p>
-          <a:p>
-            <a:pPr marL="305435" indent="-305435"/>
-            <a:r>
-              <a:rPr lang="en-US" dirty="0">
-                <a:solidFill>
-                  <a:schemeClr val="tx1"/>
-                </a:solidFill>
-              </a:rPr>
-              <a:t>Judges can evaluate throughout the 20 (or 30) mins; this allows judges from each core area to evaluate and ask questions. </a:t>
+              <a:t>Judges can evaluate throughout the session this allows judges from each core area to evaluate and ask questions. </a:t>
             </a:r>
             <a:endParaRPr lang="en-US" strike="sngStrike" dirty="0"/>
           </a:p>
@@ -30600,7 +30219,7 @@
           <a:p>
             <a:r>
               <a:rPr lang="en-US"/>
-              <a:t>© 2019, FLL Tutorials, Last Edit 7/07/2019</a:t>
+              <a:t>© 2022, FLL Tutorials</a:t>
             </a:r>
           </a:p>
         </p:txBody>
@@ -30786,7 +30405,7 @@
           <a:effectLst/>
           <a:extLst>
             <a:ext uri="{91240B29-F687-4f45-9708-019B960494DF}">
-              <a14:hiddenLine xmlns="" xmlns:a14="http://schemas.microsoft.com/office/drawing/2010/main" w="9525">
+              <a14:hiddenLine xmlns:a14="http://schemas.microsoft.com/office/drawing/2010/main" xmlns="" w="9525">
                 <a:solidFill>
                   <a:schemeClr val="tx1"/>
                 </a:solidFill>
@@ -30796,7 +30415,7 @@
               </a14:hiddenLine>
             </a:ext>
             <a:ext uri="{AF507438-7753-43e0-B8FC-AC1667EBCBE1}">
-              <a14:hiddenEffects xmlns="" xmlns:a14="http://schemas.microsoft.com/office/drawing/2010/main">
+              <a14:hiddenEffects xmlns:a14="http://schemas.microsoft.com/office/drawing/2010/main" xmlns="">
                 <a:effectLst>
                   <a:outerShdw dist="35921" dir="2700000" algn="ctr" rotWithShape="0">
                     <a:schemeClr val="bg2"/>
@@ -31137,7 +30756,7 @@
           <a:noFill/>
           <a:extLst>
             <a:ext uri="{909E8E84-426E-40dd-AFC4-6F175D3DCCD1}">
-              <a14:hiddenFill xmlns="" xmlns:a14="http://schemas.microsoft.com/office/drawing/2010/main">
+              <a14:hiddenFill xmlns:a14="http://schemas.microsoft.com/office/drawing/2010/main" xmlns="">
                 <a:solidFill>
                   <a:srgbClr val="FFFFFF"/>
                 </a:solidFill>
@@ -31198,7 +30817,7 @@
           <a:p>
             <a:r>
               <a:rPr lang="en-US"/>
-              <a:t>© 2019, FLL Tutorials, Last Edit 7/07/2019</a:t>
+              <a:t>© 2022, FLL Tutorials</a:t>
             </a:r>
           </a:p>
         </p:txBody>

--- a/translations/en-us/RobotGame/ConsolidatedJudging.pptx
+++ b/translations/en-us/RobotGame/ConsolidatedJudging.pptx
@@ -223,7 +223,7 @@
           <a:p>
             <a:fld id="{E354B44E-40A3-0E46-B16A-9BF1250A248B}" type="datetimeFigureOut">
               <a:rPr lang="en-US" smtClean="0"/>
-              <a:t>10/27/22</a:t>
+              <a:t>5/29/23</a:t>
             </a:fld>
             <a:endParaRPr lang="en-US"/>
           </a:p>
@@ -389,7 +389,7 @@
           <a:p>
             <a:fld id="{C86AD16C-2DB4-6642-BAD4-9ED973A087A0}" type="datetimeFigureOut">
               <a:rPr lang="en-US" smtClean="0"/>
-              <a:t>10/27/22</a:t>
+              <a:t>5/29/23</a:t>
             </a:fld>
             <a:endParaRPr lang="en-US"/>
           </a:p>
@@ -1016,9 +1016,9 @@
           <a:bodyPr/>
           <a:lstStyle/>
           <a:p>
-            <a:fld id="{45917504-4963-CD41-ACAC-5C6900A6DF20}" type="datetime1">
+            <a:fld id="{079FE098-8E7E-E748-B9C2-238344C5E49A}" type="datetime1">
               <a:rPr lang="en-US" smtClean="0"/>
-              <a:t>10/27/22</a:t>
+              <a:t>5/29/23</a:t>
             </a:fld>
             <a:endParaRPr lang="en-US"/>
           </a:p>
@@ -1041,7 +1041,7 @@
           <a:p>
             <a:r>
               <a:rPr lang="en-US"/>
-              <a:t>© 2022, FLL Tutorials</a:t>
+              <a:t>© 2023, FLLTutorials.com. Last edit 5/29/2023</a:t>
             </a:r>
           </a:p>
         </p:txBody>
@@ -1612,9 +1612,9 @@
           <a:bodyPr/>
           <a:lstStyle/>
           <a:p>
-            <a:fld id="{7CC7E88E-4844-4A49-ADF5-4ACECF47B7A3}" type="datetime1">
+            <a:fld id="{8F9003E1-51E2-1545-AEC3-8115E337505C}" type="datetime1">
               <a:rPr lang="en-US" smtClean="0"/>
-              <a:t>10/27/22</a:t>
+              <a:t>5/29/23</a:t>
             </a:fld>
             <a:endParaRPr lang="en-US"/>
           </a:p>
@@ -1637,7 +1637,7 @@
           <a:p>
             <a:r>
               <a:rPr lang="en-US"/>
-              <a:t>© 2022, FLL Tutorials</a:t>
+              <a:t>© 2023, FLLTutorials.com. Last edit 5/29/2023</a:t>
             </a:r>
           </a:p>
         </p:txBody>
@@ -1793,9 +1793,9 @@
           <a:bodyPr/>
           <a:lstStyle/>
           <a:p>
-            <a:fld id="{2001A481-F994-9B40-A7EB-AFD31A62D23F}" type="datetime1">
+            <a:fld id="{A1D23D59-088C-6D45-9585-AF07BD8CDC6F}" type="datetime1">
               <a:rPr lang="en-US" smtClean="0"/>
-              <a:t>10/27/22</a:t>
+              <a:t>5/29/23</a:t>
             </a:fld>
             <a:endParaRPr lang="en-US"/>
           </a:p>
@@ -1818,7 +1818,7 @@
           <a:p>
             <a:r>
               <a:rPr lang="en-US"/>
-              <a:t>© 2022, FLL Tutorials</a:t>
+              <a:t>© 2023, FLLTutorials.com. Last edit 5/29/2023</a:t>
             </a:r>
           </a:p>
         </p:txBody>
@@ -2009,9 +2009,9 @@
           <a:bodyPr/>
           <a:lstStyle/>
           <a:p>
-            <a:fld id="{754D787E-799D-CE44-87D8-A6DC99BB6437}" type="datetime1">
+            <a:fld id="{B63605A4-1CFF-A34F-A3B1-4F598ED1B4FC}" type="datetime1">
               <a:rPr lang="en-US" smtClean="0"/>
-              <a:t>10/27/22</a:t>
+              <a:t>5/29/23</a:t>
             </a:fld>
             <a:endParaRPr lang="en-US"/>
           </a:p>
@@ -2039,7 +2039,7 @@
           <a:p>
             <a:r>
               <a:rPr lang="en-US"/>
-              <a:t>© 2022, FLL Tutorials</a:t>
+              <a:t>© 2023, FLLTutorials.com. Last edit 5/29/2023</a:t>
             </a:r>
           </a:p>
         </p:txBody>
@@ -2229,7 +2229,7 @@
           <a:noFill/>
           <a:extLst>
             <a:ext uri="{909E8E84-426E-40dd-AFC4-6F175D3DCCD1}">
-              <a14:hiddenFill xmlns="" xmlns:a14="http://schemas.microsoft.com/office/drawing/2010/main">
+              <a14:hiddenFill xmlns:a14="http://schemas.microsoft.com/office/drawing/2010/main" xmlns="">
                 <a:solidFill>
                   <a:srgbClr val="FFFFFF"/>
                 </a:solidFill>
@@ -2853,9 +2853,9 @@
           <a:bodyPr/>
           <a:lstStyle/>
           <a:p>
-            <a:fld id="{C951D704-2CAA-7A48-A9F9-FFFBB8A095E9}" type="datetime1">
+            <a:fld id="{5DC7A6CA-9875-254E-815B-B2EED9AB7539}" type="datetime1">
               <a:rPr lang="en-US" smtClean="0"/>
-              <a:t>10/27/22</a:t>
+              <a:t>5/29/23</a:t>
             </a:fld>
             <a:endParaRPr lang="en-US"/>
           </a:p>
@@ -2878,7 +2878,7 @@
           <a:p>
             <a:r>
               <a:rPr lang="en-US"/>
-              <a:t>© 2022, FLL Tutorials</a:t>
+              <a:t>© 2023, FLLTutorials.com. Last edit 5/29/2023</a:t>
             </a:r>
           </a:p>
         </p:txBody>
@@ -3118,9 +3118,9 @@
           <a:bodyPr/>
           <a:lstStyle/>
           <a:p>
-            <a:fld id="{A137FC13-6EC4-0D4C-B7D9-35A376760E26}" type="datetime1">
+            <a:fld id="{72A27F94-1900-8247-A2F1-E23E164981A7}" type="datetime1">
               <a:rPr lang="en-US" smtClean="0"/>
-              <a:t>10/27/22</a:t>
+              <a:t>5/29/23</a:t>
             </a:fld>
             <a:endParaRPr lang="en-US"/>
           </a:p>
@@ -3174,7 +3174,7 @@
           <a:p>
             <a:r>
               <a:rPr lang="en-US"/>
-              <a:t>© 2022, FLL Tutorials</a:t>
+              <a:t>© 2023, FLLTutorials.com. Last edit 5/29/2023</a:t>
             </a:r>
           </a:p>
         </p:txBody>
@@ -3421,9 +3421,9 @@
           <a:bodyPr/>
           <a:lstStyle/>
           <a:p>
-            <a:fld id="{86D3AB76-9F9F-F54D-9850-245426D8E8BA}" type="datetime1">
+            <a:fld id="{CD4DFCFA-DF70-A143-9847-F82F3692D4E1}" type="datetime1">
               <a:rPr lang="en-US" smtClean="0"/>
-              <a:t>10/27/22</a:t>
+              <a:t>5/29/23</a:t>
             </a:fld>
             <a:endParaRPr lang="en-US"/>
           </a:p>
@@ -3446,7 +3446,7 @@
           <a:p>
             <a:r>
               <a:rPr lang="en-US"/>
-              <a:t>© 2022, FLL Tutorials</a:t>
+              <a:t>© 2023, FLLTutorials.com. Last edit 5/29/2023</a:t>
             </a:r>
           </a:p>
         </p:txBody>
@@ -3875,9 +3875,9 @@
           <a:bodyPr/>
           <a:lstStyle/>
           <a:p>
-            <a:fld id="{53EF38C1-9C3B-D845-B8CA-5A4FC866D566}" type="datetime1">
+            <a:fld id="{7B80BDBB-58C3-B743-8E19-D1480484DF66}" type="datetime1">
               <a:rPr lang="en-US" smtClean="0"/>
-              <a:t>10/27/22</a:t>
+              <a:t>5/29/23</a:t>
             </a:fld>
             <a:endParaRPr lang="en-US"/>
           </a:p>
@@ -3900,7 +3900,7 @@
           <a:p>
             <a:r>
               <a:rPr lang="en-US"/>
-              <a:t>© 2022, FLL Tutorials</a:t>
+              <a:t>© 2023, FLLTutorials.com. Last edit 5/29/2023</a:t>
             </a:r>
           </a:p>
         </p:txBody>
@@ -4003,9 +4003,9 @@
           <a:bodyPr/>
           <a:lstStyle/>
           <a:p>
-            <a:fld id="{9000E643-3764-5E4B-896A-6794DE4A77E3}" type="datetime1">
+            <a:fld id="{B79B22C3-EEC5-8048-A24E-8C52C6EAEC4F}" type="datetime1">
               <a:rPr lang="en-US" smtClean="0"/>
-              <a:t>10/27/22</a:t>
+              <a:t>5/29/23</a:t>
             </a:fld>
             <a:endParaRPr lang="en-US"/>
           </a:p>
@@ -4028,7 +4028,7 @@
           <a:p>
             <a:r>
               <a:rPr lang="en-US"/>
-              <a:t>© 2022, FLL Tutorials</a:t>
+              <a:t>© 2023, FLLTutorials.com. Last edit 5/29/2023</a:t>
             </a:r>
           </a:p>
         </p:txBody>
@@ -4109,9 +4109,9 @@
           <a:bodyPr/>
           <a:lstStyle/>
           <a:p>
-            <a:fld id="{EAD7E02A-D72E-884C-9434-5EC0445AB235}" type="datetime1">
+            <a:fld id="{060A4685-BC1A-7741-B2A3-DD76FD870FED}" type="datetime1">
               <a:rPr lang="en-US" smtClean="0"/>
-              <a:t>10/27/22</a:t>
+              <a:t>5/29/23</a:t>
             </a:fld>
             <a:endParaRPr lang="en-US"/>
           </a:p>
@@ -4134,7 +4134,7 @@
           <a:p>
             <a:r>
               <a:rPr lang="en-US"/>
-              <a:t>© 2022, FLL Tutorials</a:t>
+              <a:t>© 2023, FLLTutorials.com. Last edit 5/29/2023</a:t>
             </a:r>
           </a:p>
         </p:txBody>
@@ -4367,9 +4367,9 @@
           <a:bodyPr/>
           <a:lstStyle/>
           <a:p>
-            <a:fld id="{F18B3150-9E4F-754C-9970-73BEDA88D8C1}" type="datetime1">
+            <a:fld id="{EF05606B-4BC4-5D42-B904-52E77F56AE3A}" type="datetime1">
               <a:rPr lang="en-US" smtClean="0"/>
-              <a:t>10/27/22</a:t>
+              <a:t>5/29/23</a:t>
             </a:fld>
             <a:endParaRPr lang="en-US"/>
           </a:p>
@@ -4392,7 +4392,7 @@
           <a:p>
             <a:r>
               <a:rPr lang="en-US"/>
-              <a:t>© 2022, FLL Tutorials</a:t>
+              <a:t>© 2023, FLLTutorials.com. Last edit 5/29/2023</a:t>
             </a:r>
           </a:p>
         </p:txBody>
@@ -4579,9 +4579,9 @@
           <a:bodyPr/>
           <a:lstStyle/>
           <a:p>
-            <a:fld id="{6264EF6E-6D9F-B547-BDDF-5AC239EE5CE4}" type="datetime1">
+            <a:fld id="{002AEDC6-3DCA-2D4E-922B-919CBC5768B0}" type="datetime1">
               <a:rPr lang="en-US" smtClean="0"/>
-              <a:t>10/27/22</a:t>
+              <a:t>5/29/23</a:t>
             </a:fld>
             <a:endParaRPr lang="en-US"/>
           </a:p>
@@ -4604,7 +4604,7 @@
           <a:p>
             <a:r>
               <a:rPr lang="en-US"/>
-              <a:t>© 2022, FLL Tutorials</a:t>
+              <a:t>© 2023, FLLTutorials.com. Last edit 5/29/2023</a:t>
             </a:r>
           </a:p>
         </p:txBody>
@@ -4862,9 +4862,9 @@
           <a:bodyPr/>
           <a:lstStyle/>
           <a:p>
-            <a:fld id="{399EC7DA-8F5C-A84D-95C3-3BCEE408939B}" type="datetime1">
+            <a:fld id="{A6983283-A777-DE46-B315-0741F4B5BC55}" type="datetime1">
               <a:rPr lang="en-US" smtClean="0"/>
-              <a:t>10/27/22</a:t>
+              <a:t>5/29/23</a:t>
             </a:fld>
             <a:endParaRPr lang="en-US"/>
           </a:p>
@@ -4887,7 +4887,7 @@
           <a:p>
             <a:r>
               <a:rPr lang="en-US"/>
-              <a:t>© 2022, FLL Tutorials</a:t>
+              <a:t>© 2023, FLLTutorials.com. Last edit 5/29/2023</a:t>
             </a:r>
           </a:p>
         </p:txBody>
@@ -5129,9 +5129,9 @@
           <a:bodyPr/>
           <a:lstStyle/>
           <a:p>
-            <a:fld id="{CB03346B-60F2-4945-8E37-6DF8792C7363}" type="datetime1">
+            <a:fld id="{192064F9-8352-3740-883B-86170CD56BAB}" type="datetime1">
               <a:rPr lang="en-US" smtClean="0"/>
-              <a:t>10/27/22</a:t>
+              <a:t>5/29/23</a:t>
             </a:fld>
             <a:endParaRPr lang="en-US"/>
           </a:p>
@@ -5154,7 +5154,7 @@
           <a:p>
             <a:r>
               <a:rPr lang="en-US"/>
-              <a:t>© 2022, FLL Tutorials</a:t>
+              <a:t>© 2023, FLLTutorials.com. Last edit 5/29/2023</a:t>
             </a:r>
           </a:p>
         </p:txBody>
@@ -5318,9 +5318,9 @@
           <a:bodyPr/>
           <a:lstStyle/>
           <a:p>
-            <a:fld id="{4AA81B21-0BAE-0545-807D-93D73B7B8BD8}" type="datetime1">
+            <a:fld id="{3BE07684-9227-B74A-A49B-969C7EA21A2A}" type="datetime1">
               <a:rPr lang="en-US" smtClean="0"/>
-              <a:t>10/27/22</a:t>
+              <a:t>5/29/23</a:t>
             </a:fld>
             <a:endParaRPr lang="en-US"/>
           </a:p>
@@ -5343,7 +5343,7 @@
           <a:p>
             <a:r>
               <a:rPr lang="en-US"/>
-              <a:t>© 2022, FLL Tutorials</a:t>
+              <a:t>© 2023, FLLTutorials.com. Last edit 5/29/2023</a:t>
             </a:r>
           </a:p>
         </p:txBody>
@@ -5519,9 +5519,9 @@
           <a:bodyPr/>
           <a:lstStyle/>
           <a:p>
-            <a:fld id="{7350848A-68DD-0149-BE74-72F5108DDF9F}" type="datetime1">
+            <a:fld id="{72150258-FECB-AB47-B27E-0438EBB8623E}" type="datetime1">
               <a:rPr lang="en-US" smtClean="0"/>
-              <a:t>10/27/22</a:t>
+              <a:t>5/29/23</a:t>
             </a:fld>
             <a:endParaRPr lang="en-US"/>
           </a:p>
@@ -5544,7 +5544,7 @@
           <a:p>
             <a:r>
               <a:rPr lang="en-US"/>
-              <a:t>© 2022, FLL Tutorials</a:t>
+              <a:t>© 2023, FLLTutorials.com. Last edit 5/29/2023</a:t>
             </a:r>
           </a:p>
         </p:txBody>
@@ -5690,9 +5690,9 @@
           <a:bodyPr/>
           <a:lstStyle/>
           <a:p>
-            <a:fld id="{645F98FE-551F-A44A-84CB-313A5132E582}" type="datetime1">
+            <a:fld id="{DFF5D875-7429-BB43-B488-E3737DFB5A60}" type="datetime1">
               <a:rPr lang="en-US" smtClean="0"/>
-              <a:t>10/27/22</a:t>
+              <a:t>5/29/23</a:t>
             </a:fld>
             <a:endParaRPr lang="en-US"/>
           </a:p>
@@ -5715,7 +5715,7 @@
           <a:p>
             <a:r>
               <a:rPr lang="en-US"/>
-              <a:t>© 2022, FLL Tutorials</a:t>
+              <a:t>© 2023, FLLTutorials.com. Last edit 5/29/2023</a:t>
             </a:r>
           </a:p>
         </p:txBody>
@@ -5938,9 +5938,9 @@
           <a:bodyPr/>
           <a:lstStyle/>
           <a:p>
-            <a:fld id="{43B50FAE-47D2-124A-AFD2-85CDA513A215}" type="datetime1">
+            <a:fld id="{FF0F12D5-D1B9-184B-82CF-500CB724D52A}" type="datetime1">
               <a:rPr lang="en-US" smtClean="0"/>
-              <a:t>10/27/22</a:t>
+              <a:t>5/29/23</a:t>
             </a:fld>
             <a:endParaRPr lang="en-US"/>
           </a:p>
@@ -5963,7 +5963,7 @@
           <a:p>
             <a:r>
               <a:rPr lang="en-US"/>
-              <a:t>© 2022, FLL Tutorials</a:t>
+              <a:t>© 2023, FLLTutorials.com. Last edit 5/29/2023</a:t>
             </a:r>
           </a:p>
         </p:txBody>
@@ -6170,9 +6170,9 @@
           <a:bodyPr/>
           <a:lstStyle/>
           <a:p>
-            <a:fld id="{1DD6DC7B-F1C1-AF42-A60A-28606BE14A8D}" type="datetime1">
+            <a:fld id="{19FB744B-C965-AF4E-8345-44C6D15CD3DC}" type="datetime1">
               <a:rPr lang="en-US" smtClean="0"/>
-              <a:t>10/27/22</a:t>
+              <a:t>5/29/23</a:t>
             </a:fld>
             <a:endParaRPr lang="en-US"/>
           </a:p>
@@ -6195,7 +6195,7 @@
           <a:p>
             <a:r>
               <a:rPr lang="en-US"/>
-              <a:t>© 2022, FLL Tutorials</a:t>
+              <a:t>© 2023, FLLTutorials.com. Last edit 5/29/2023</a:t>
             </a:r>
           </a:p>
         </p:txBody>
@@ -6537,9 +6537,9 @@
           <a:bodyPr/>
           <a:lstStyle/>
           <a:p>
-            <a:fld id="{66870FB3-6E90-8E4D-9628-48D8509A3310}" type="datetime1">
+            <a:fld id="{0EF151DA-0F21-FB44-B8D6-FAD7DD250FF0}" type="datetime1">
               <a:rPr lang="en-US" smtClean="0"/>
-              <a:t>10/27/22</a:t>
+              <a:t>5/29/23</a:t>
             </a:fld>
             <a:endParaRPr lang="en-US"/>
           </a:p>
@@ -6562,7 +6562,7 @@
           <a:p>
             <a:r>
               <a:rPr lang="en-US"/>
-              <a:t>© 2022, FLL Tutorials</a:t>
+              <a:t>© 2023, FLLTutorials.com. Last edit 5/29/2023</a:t>
             </a:r>
           </a:p>
         </p:txBody>
@@ -6657,9 +6657,9 @@
           <a:bodyPr/>
           <a:lstStyle/>
           <a:p>
-            <a:fld id="{1EC48B85-50CE-244A-B82E-8EE865EF10B6}" type="datetime1">
+            <a:fld id="{06E2383E-1BBE-2348-BE82-969E0FB77CF1}" type="datetime1">
               <a:rPr lang="en-US" smtClean="0"/>
-              <a:t>10/27/22</a:t>
+              <a:t>5/29/23</a:t>
             </a:fld>
             <a:endParaRPr lang="en-US"/>
           </a:p>
@@ -6682,7 +6682,7 @@
           <a:p>
             <a:r>
               <a:rPr lang="en-US"/>
-              <a:t>© 2022, FLL Tutorials</a:t>
+              <a:t>© 2023, FLLTutorials.com. Last edit 5/29/2023</a:t>
             </a:r>
           </a:p>
         </p:txBody>
@@ -6755,9 +6755,9 @@
           <a:bodyPr/>
           <a:lstStyle/>
           <a:p>
-            <a:fld id="{C2D58395-FD04-4F44-BA5D-CD8FCADFF310}" type="datetime1">
+            <a:fld id="{6D3215D6-CDC5-394A-9022-00D2B0A83AA5}" type="datetime1">
               <a:rPr lang="en-US" smtClean="0"/>
-              <a:t>10/27/22</a:t>
+              <a:t>5/29/23</a:t>
             </a:fld>
             <a:endParaRPr lang="en-US"/>
           </a:p>
@@ -6780,7 +6780,7 @@
           <a:p>
             <a:r>
               <a:rPr lang="en-US"/>
-              <a:t>© 2022, FLL Tutorials</a:t>
+              <a:t>© 2023, FLLTutorials.com. Last edit 5/29/2023</a:t>
             </a:r>
           </a:p>
         </p:txBody>
@@ -7012,9 +7012,9 @@
           <a:bodyPr/>
           <a:lstStyle/>
           <a:p>
-            <a:fld id="{B1E2ACA9-7585-B149-9CE8-5DC97F2F00B7}" type="datetime1">
+            <a:fld id="{A3F12F63-2B78-8641-B94E-8B50B2295968}" type="datetime1">
               <a:rPr lang="en-US" smtClean="0"/>
-              <a:t>10/27/22</a:t>
+              <a:t>5/29/23</a:t>
             </a:fld>
             <a:endParaRPr lang="en-US"/>
           </a:p>
@@ -7060,7 +7060,7 @@
           <a:p>
             <a:r>
               <a:rPr lang="en-US"/>
-              <a:t>© 2022, FLL Tutorials</a:t>
+              <a:t>© 2023, FLLTutorials.com. Last edit 5/29/2023</a:t>
             </a:r>
           </a:p>
         </p:txBody>
@@ -7290,9 +7290,9 @@
           <a:bodyPr/>
           <a:lstStyle/>
           <a:p>
-            <a:fld id="{1B05CCB4-93F7-0A4A-8AEF-DEB5176EDB66}" type="datetime1">
+            <a:fld id="{36B374E6-44FC-F04A-8531-19B4C0A68146}" type="datetime1">
               <a:rPr lang="en-US" smtClean="0"/>
-              <a:t>10/27/22</a:t>
+              <a:t>5/29/23</a:t>
             </a:fld>
             <a:endParaRPr lang="en-US"/>
           </a:p>
@@ -7315,7 +7315,7 @@
           <a:p>
             <a:r>
               <a:rPr lang="en-US"/>
-              <a:t>© 2022, FLL Tutorials</a:t>
+              <a:t>© 2023, FLLTutorials.com. Last edit 5/29/2023</a:t>
             </a:r>
           </a:p>
         </p:txBody>
@@ -7548,9 +7548,9 @@
           <a:bodyPr/>
           <a:lstStyle/>
           <a:p>
-            <a:fld id="{B4424A38-02FD-7344-B521-C15E26A45986}" type="datetime1">
+            <a:fld id="{6E817889-6476-254A-9DD4-AC39F309BA62}" type="datetime1">
               <a:rPr lang="en-US" smtClean="0"/>
-              <a:t>10/27/22</a:t>
+              <a:t>5/29/23</a:t>
             </a:fld>
             <a:endParaRPr lang="en-US"/>
           </a:p>
@@ -7573,7 +7573,7 @@
           <a:p>
             <a:r>
               <a:rPr lang="en-US"/>
-              <a:t>© 2022, FLL Tutorials</a:t>
+              <a:t>© 2023, FLLTutorials.com. Last edit 5/29/2023</a:t>
             </a:r>
           </a:p>
         </p:txBody>
@@ -7719,9 +7719,9 @@
           <a:bodyPr/>
           <a:lstStyle/>
           <a:p>
-            <a:fld id="{C0AB6ECD-5B6B-B545-B35A-1DE812D8D2A2}" type="datetime1">
+            <a:fld id="{BCECD84C-25A7-6A41-A9A1-F9718E21818E}" type="datetime1">
               <a:rPr lang="en-US" smtClean="0"/>
-              <a:t>10/27/22</a:t>
+              <a:t>5/29/23</a:t>
             </a:fld>
             <a:endParaRPr lang="en-US"/>
           </a:p>
@@ -7744,7 +7744,7 @@
           <a:p>
             <a:r>
               <a:rPr lang="en-US"/>
-              <a:t>© 2022, FLL Tutorials</a:t>
+              <a:t>© 2023, FLLTutorials.com. Last edit 5/29/2023</a:t>
             </a:r>
           </a:p>
         </p:txBody>
@@ -7900,9 +7900,9 @@
           <a:bodyPr/>
           <a:lstStyle/>
           <a:p>
-            <a:fld id="{17DE5C98-937C-9342-8AB0-AE80A02A8137}" type="datetime1">
+            <a:fld id="{5D2A8294-81D7-F147-BCAA-E05F560EEF4F}" type="datetime1">
               <a:rPr lang="en-US" smtClean="0"/>
-              <a:t>10/27/22</a:t>
+              <a:t>5/29/23</a:t>
             </a:fld>
             <a:endParaRPr lang="en-US"/>
           </a:p>
@@ -7925,7 +7925,7 @@
           <a:p>
             <a:r>
               <a:rPr lang="en-US"/>
-              <a:t>© 2022, FLL Tutorials</a:t>
+              <a:t>© 2023, FLLTutorials.com. Last edit 5/29/2023</a:t>
             </a:r>
           </a:p>
         </p:txBody>
@@ -8157,9 +8157,9 @@
           <a:bodyPr/>
           <a:lstStyle/>
           <a:p>
-            <a:fld id="{72AD58DD-C9D6-4F43-B9FA-4E1587E4C209}" type="datetime1">
+            <a:fld id="{A9D498A3-3DC0-5244-BD3A-A0DD5E5187B5}" type="datetime1">
               <a:rPr lang="en-US" smtClean="0"/>
-              <a:t>10/27/22</a:t>
+              <a:t>5/29/23</a:t>
             </a:fld>
             <a:endParaRPr lang="en-US"/>
           </a:p>
@@ -8182,7 +8182,7 @@
           <a:p>
             <a:r>
               <a:rPr lang="en-US"/>
-              <a:t>© 2022, FLL Tutorials</a:t>
+              <a:t>© 2023, FLLTutorials.com. Last edit 5/29/2023</a:t>
             </a:r>
           </a:p>
         </p:txBody>
@@ -9181,9 +9181,9 @@
           <a:bodyPr/>
           <a:lstStyle/>
           <a:p>
-            <a:fld id="{618B72C5-4977-3148-AA45-49731A9D80E1}" type="datetime1">
+            <a:fld id="{31E61E44-1111-1B4B-9D45-4AC00C4D46C8}" type="datetime1">
               <a:rPr lang="en-US" smtClean="0"/>
-              <a:t>10/27/22</a:t>
+              <a:t>5/29/23</a:t>
             </a:fld>
             <a:endParaRPr lang="en-US"/>
           </a:p>
@@ -9206,7 +9206,7 @@
           <a:p>
             <a:r>
               <a:rPr lang="en-US"/>
-              <a:t>© 2022, FLL Tutorials</a:t>
+              <a:t>© 2023, FLLTutorials.com. Last edit 5/29/2023</a:t>
             </a:r>
           </a:p>
         </p:txBody>
@@ -9443,9 +9443,9 @@
           <a:bodyPr/>
           <a:lstStyle/>
           <a:p>
-            <a:fld id="{67E1A1AF-8E49-C14F-AF33-9B843E19E431}" type="datetime1">
+            <a:fld id="{02857960-6F1D-B643-9101-EFE44209D70E}" type="datetime1">
               <a:rPr lang="en-US" smtClean="0"/>
-              <a:t>10/27/22</a:t>
+              <a:t>5/29/23</a:t>
             </a:fld>
             <a:endParaRPr lang="en-US"/>
           </a:p>
@@ -9491,7 +9491,7 @@
           <a:p>
             <a:r>
               <a:rPr lang="en-US"/>
-              <a:t>© 2022, FLL Tutorials</a:t>
+              <a:t>© 2023, FLLTutorials.com. Last edit 5/29/2023</a:t>
             </a:r>
           </a:p>
         </p:txBody>
@@ -9738,9 +9738,9 @@
           <a:bodyPr/>
           <a:lstStyle/>
           <a:p>
-            <a:fld id="{EAC52CB0-35A9-EF46-8EDF-E4F235553098}" type="datetime1">
+            <a:fld id="{3334C97F-9B37-EA45-BF7B-43A90EC29BDF}" type="datetime1">
               <a:rPr lang="en-US" smtClean="0"/>
-              <a:t>10/27/22</a:t>
+              <a:t>5/29/23</a:t>
             </a:fld>
             <a:endParaRPr lang="en-US"/>
           </a:p>
@@ -9763,7 +9763,7 @@
           <a:p>
             <a:r>
               <a:rPr lang="en-US"/>
-              <a:t>© 2022, FLL Tutorials</a:t>
+              <a:t>© 2023, FLLTutorials.com. Last edit 5/29/2023</a:t>
             </a:r>
           </a:p>
         </p:txBody>
@@ -10184,9 +10184,9 @@
           <a:bodyPr/>
           <a:lstStyle/>
           <a:p>
-            <a:fld id="{3AAAC007-C4DF-634B-851F-482C234EE148}" type="datetime1">
+            <a:fld id="{324B4FD2-F218-2A4F-A1F8-A44B60E10DAF}" type="datetime1">
               <a:rPr lang="en-US" smtClean="0"/>
-              <a:t>10/27/22</a:t>
+              <a:t>5/29/23</a:t>
             </a:fld>
             <a:endParaRPr lang="en-US"/>
           </a:p>
@@ -10209,7 +10209,7 @@
           <a:p>
             <a:r>
               <a:rPr lang="en-US"/>
-              <a:t>© 2022, FLL Tutorials</a:t>
+              <a:t>© 2023, FLLTutorials.com. Last edit 5/29/2023</a:t>
             </a:r>
           </a:p>
         </p:txBody>
@@ -10304,9 +10304,9 @@
           <a:bodyPr/>
           <a:lstStyle/>
           <a:p>
-            <a:fld id="{48D7F1B6-8339-5044-901F-0E100BD173ED}" type="datetime1">
+            <a:fld id="{5326F199-FC72-AB43-A107-2ED52BA19A2C}" type="datetime1">
               <a:rPr lang="en-US" smtClean="0"/>
-              <a:t>10/27/22</a:t>
+              <a:t>5/29/23</a:t>
             </a:fld>
             <a:endParaRPr lang="en-US"/>
           </a:p>
@@ -10329,7 +10329,7 @@
           <a:p>
             <a:r>
               <a:rPr lang="en-US"/>
-              <a:t>© 2022, FLL Tutorials</a:t>
+              <a:t>© 2023, FLLTutorials.com. Last edit 5/29/2023</a:t>
             </a:r>
           </a:p>
         </p:txBody>
@@ -10598,9 +10598,9 @@
           <a:bodyPr/>
           <a:lstStyle/>
           <a:p>
-            <a:fld id="{53122170-AEFF-4E49-9B8E-E1F03DAA0147}" type="datetime1">
+            <a:fld id="{3E38A3D9-08BE-D748-9D1E-68665718459B}" type="datetime1">
               <a:rPr lang="en-US" smtClean="0"/>
-              <a:t>10/27/22</a:t>
+              <a:t>5/29/23</a:t>
             </a:fld>
             <a:endParaRPr lang="en-US"/>
           </a:p>
@@ -10623,7 +10623,7 @@
           <a:p>
             <a:r>
               <a:rPr lang="en-US"/>
-              <a:t>© 2022, FLL Tutorials</a:t>
+              <a:t>© 2023, FLLTutorials.com. Last edit 5/29/2023</a:t>
             </a:r>
           </a:p>
         </p:txBody>
@@ -10696,9 +10696,9 @@
           <a:bodyPr/>
           <a:lstStyle/>
           <a:p>
-            <a:fld id="{6F0C44A5-519A-1A47-B575-54480F22DC8A}" type="datetime1">
+            <a:fld id="{4C77B6C6-24A6-5946-BF87-57005B0BDECC}" type="datetime1">
               <a:rPr lang="en-US" smtClean="0"/>
-              <a:t>10/27/22</a:t>
+              <a:t>5/29/23</a:t>
             </a:fld>
             <a:endParaRPr lang="en-US"/>
           </a:p>
@@ -10721,7 +10721,7 @@
           <a:p>
             <a:r>
               <a:rPr lang="en-US"/>
-              <a:t>© 2022, FLL Tutorials</a:t>
+              <a:t>© 2023, FLLTutorials.com. Last edit 5/29/2023</a:t>
             </a:r>
           </a:p>
         </p:txBody>
@@ -10946,9 +10946,9 @@
           <a:bodyPr/>
           <a:lstStyle/>
           <a:p>
-            <a:fld id="{B8C83D93-BE9F-3A41-9134-79AFCE84AF8B}" type="datetime1">
+            <a:fld id="{2266FC2B-1610-A243-8734-46B311A34110}" type="datetime1">
               <a:rPr lang="en-US" smtClean="0"/>
-              <a:t>10/27/22</a:t>
+              <a:t>5/29/23</a:t>
             </a:fld>
             <a:endParaRPr lang="en-US"/>
           </a:p>
@@ -10971,7 +10971,7 @@
           <a:p>
             <a:r>
               <a:rPr lang="en-US"/>
-              <a:t>© 2022, FLL Tutorials</a:t>
+              <a:t>© 2023, FLLTutorials.com. Last edit 5/29/2023</a:t>
             </a:r>
           </a:p>
         </p:txBody>
@@ -11246,9 +11246,9 @@
           <a:bodyPr/>
           <a:lstStyle/>
           <a:p>
-            <a:fld id="{802DDB54-0E97-0341-A4EB-2D0014B1026A}" type="datetime1">
+            <a:fld id="{6C4051FC-F5D3-A945-96FC-EE6363CA735C}" type="datetime1">
               <a:rPr lang="en-US" smtClean="0"/>
-              <a:t>10/27/22</a:t>
+              <a:t>5/29/23</a:t>
             </a:fld>
             <a:endParaRPr lang="en-US"/>
           </a:p>
@@ -11271,7 +11271,7 @@
           <a:p>
             <a:r>
               <a:rPr lang="en-US"/>
-              <a:t>© 2022, FLL Tutorials</a:t>
+              <a:t>© 2023, FLLTutorials.com. Last edit 5/29/2023</a:t>
             </a:r>
           </a:p>
         </p:txBody>
@@ -11505,9 +11505,9 @@
           <a:bodyPr/>
           <a:lstStyle/>
           <a:p>
-            <a:fld id="{24420DDF-05A3-644B-9E93-8CC0312CC45F}" type="datetime1">
+            <a:fld id="{81E7EB29-D403-2A45-A5FB-D8B528308C77}" type="datetime1">
               <a:rPr lang="en-US" smtClean="0"/>
-              <a:t>10/27/22</a:t>
+              <a:t>5/29/23</a:t>
             </a:fld>
             <a:endParaRPr lang="en-US"/>
           </a:p>
@@ -11530,7 +11530,7 @@
           <a:p>
             <a:r>
               <a:rPr lang="en-US"/>
-              <a:t>© 2022, FLL Tutorials</a:t>
+              <a:t>© 2023, FLLTutorials.com. Last edit 5/29/2023</a:t>
             </a:r>
           </a:p>
         </p:txBody>
@@ -11686,9 +11686,9 @@
           <a:bodyPr/>
           <a:lstStyle/>
           <a:p>
-            <a:fld id="{B74CDC75-213E-5440-BB54-1CC6137B0823}" type="datetime1">
+            <a:fld id="{8CEE4914-5820-F543-9CEB-5AFE29314B5A}" type="datetime1">
               <a:rPr lang="en-US" smtClean="0"/>
-              <a:t>10/27/22</a:t>
+              <a:t>5/29/23</a:t>
             </a:fld>
             <a:endParaRPr lang="en-US"/>
           </a:p>
@@ -11711,7 +11711,7 @@
           <a:p>
             <a:r>
               <a:rPr lang="en-US"/>
-              <a:t>© 2022, FLL Tutorials</a:t>
+              <a:t>© 2023, FLLTutorials.com. Last edit 5/29/2023</a:t>
             </a:r>
           </a:p>
         </p:txBody>
@@ -11902,9 +11902,9 @@
           <a:bodyPr/>
           <a:lstStyle/>
           <a:p>
-            <a:fld id="{39362B6D-72EE-1346-A5FE-EC8432290BFF}" type="datetime1">
+            <a:fld id="{16A494D2-11FB-3F47-ADA0-A20DBEC12F63}" type="datetime1">
               <a:rPr lang="en-US" smtClean="0"/>
-              <a:t>10/27/22</a:t>
+              <a:t>5/29/23</a:t>
             </a:fld>
             <a:endParaRPr lang="en-US"/>
           </a:p>
@@ -11932,7 +11932,7 @@
           <a:p>
             <a:r>
               <a:rPr lang="en-US"/>
-              <a:t>© 2022, FLL Tutorials</a:t>
+              <a:t>© 2023, FLLTutorials.com. Last edit 5/29/2023</a:t>
             </a:r>
           </a:p>
         </p:txBody>
@@ -13158,9 +13158,9 @@
           <a:bodyPr/>
           <a:lstStyle/>
           <a:p>
-            <a:fld id="{6EA3F113-9C33-CD40-84B7-8C96802F097C}" type="datetime1">
+            <a:fld id="{0666F8B8-E343-1145-A619-C725947F71B3}" type="datetime1">
               <a:rPr lang="en-US" smtClean="0"/>
-              <a:t>10/27/22</a:t>
+              <a:t>5/29/23</a:t>
             </a:fld>
             <a:endParaRPr lang="en-US"/>
           </a:p>
@@ -13183,7 +13183,7 @@
           <a:p>
             <a:r>
               <a:rPr lang="en-US"/>
-              <a:t>© 2022, FLL Tutorials</a:t>
+              <a:t>© 2023, FLLTutorials.com. Last edit 5/29/2023</a:t>
             </a:r>
           </a:p>
         </p:txBody>
@@ -13423,9 +13423,9 @@
           <a:bodyPr/>
           <a:lstStyle/>
           <a:p>
-            <a:fld id="{766DFA94-4238-5A44-96EC-9FCB4A8A4368}" type="datetime1">
+            <a:fld id="{25308BD8-A779-2945-8B0A-F039F412BCD1}" type="datetime1">
               <a:rPr lang="en-US" smtClean="0"/>
-              <a:t>10/27/22</a:t>
+              <a:t>5/29/23</a:t>
             </a:fld>
             <a:endParaRPr lang="en-US"/>
           </a:p>
@@ -13479,7 +13479,7 @@
           <a:p>
             <a:r>
               <a:rPr lang="en-US"/>
-              <a:t>© 2022, FLL Tutorials</a:t>
+              <a:t>© 2023, FLLTutorials.com. Last edit 5/29/2023</a:t>
             </a:r>
           </a:p>
         </p:txBody>
@@ -13726,9 +13726,9 @@
           <a:bodyPr/>
           <a:lstStyle/>
           <a:p>
-            <a:fld id="{D35F3BD2-4D53-1445-81FE-66343B5AB749}" type="datetime1">
+            <a:fld id="{70D813E0-55C5-C442-9076-C5C105ADB279}" type="datetime1">
               <a:rPr lang="en-US" smtClean="0"/>
-              <a:t>10/27/22</a:t>
+              <a:t>5/29/23</a:t>
             </a:fld>
             <a:endParaRPr lang="en-US"/>
           </a:p>
@@ -13751,7 +13751,7 @@
           <a:p>
             <a:r>
               <a:rPr lang="en-US"/>
-              <a:t>© 2022, FLL Tutorials</a:t>
+              <a:t>© 2023, FLLTutorials.com. Last edit 5/29/2023</a:t>
             </a:r>
           </a:p>
         </p:txBody>
@@ -14180,9 +14180,9 @@
           <a:bodyPr/>
           <a:lstStyle/>
           <a:p>
-            <a:fld id="{864643F5-443B-1646-B543-3CAB7ED8E736}" type="datetime1">
+            <a:fld id="{49A4E955-AEDE-2241-9876-C1FA3DFAE0EC}" type="datetime1">
               <a:rPr lang="en-US" smtClean="0"/>
-              <a:t>10/27/22</a:t>
+              <a:t>5/29/23</a:t>
             </a:fld>
             <a:endParaRPr lang="en-US"/>
           </a:p>
@@ -14205,7 +14205,7 @@
           <a:p>
             <a:r>
               <a:rPr lang="en-US"/>
-              <a:t>© 2022, FLL Tutorials</a:t>
+              <a:t>© 2023, FLLTutorials.com. Last edit 5/29/2023</a:t>
             </a:r>
           </a:p>
         </p:txBody>
@@ -14634,9 +14634,9 @@
           <a:bodyPr/>
           <a:lstStyle/>
           <a:p>
-            <a:fld id="{63B54FBC-DE70-854D-BBF9-C0404E51F245}" type="datetime1">
+            <a:fld id="{109E15CC-DAFA-0F4A-8C45-74FC16B80795}" type="datetime1">
               <a:rPr lang="en-US" smtClean="0"/>
-              <a:t>10/27/22</a:t>
+              <a:t>5/29/23</a:t>
             </a:fld>
             <a:endParaRPr lang="en-US"/>
           </a:p>
@@ -14659,7 +14659,7 @@
           <a:p>
             <a:r>
               <a:rPr lang="en-US"/>
-              <a:t>© 2022, FLL Tutorials</a:t>
+              <a:t>© 2023, FLLTutorials.com. Last edit 5/29/2023</a:t>
             </a:r>
           </a:p>
         </p:txBody>
@@ -14754,9 +14754,9 @@
           <a:bodyPr/>
           <a:lstStyle/>
           <a:p>
-            <a:fld id="{26AD03EE-D541-FE47-878C-43855134A59C}" type="datetime1">
+            <a:fld id="{7CDEBED3-152B-9040-9A0E-2FB5E21846D2}" type="datetime1">
               <a:rPr lang="en-US" smtClean="0"/>
-              <a:t>10/27/22</a:t>
+              <a:t>5/29/23</a:t>
             </a:fld>
             <a:endParaRPr lang="en-US"/>
           </a:p>
@@ -14779,7 +14779,7 @@
           <a:p>
             <a:r>
               <a:rPr lang="en-US"/>
-              <a:t>© 2022, FLL Tutorials</a:t>
+              <a:t>© 2023, FLLTutorials.com. Last edit 5/29/2023</a:t>
             </a:r>
           </a:p>
         </p:txBody>
@@ -14860,9 +14860,9 @@
           <a:bodyPr/>
           <a:lstStyle/>
           <a:p>
-            <a:fld id="{B249ACE0-D7D0-EE4D-B95B-5AF1A18ED006}" type="datetime1">
+            <a:fld id="{04CDA667-6BDD-9145-9DA5-EFF5805ED8F5}" type="datetime1">
               <a:rPr lang="en-US" smtClean="0"/>
-              <a:t>10/27/22</a:t>
+              <a:t>5/29/23</a:t>
             </a:fld>
             <a:endParaRPr lang="en-US"/>
           </a:p>
@@ -14885,7 +14885,7 @@
           <a:p>
             <a:r>
               <a:rPr lang="en-US"/>
-              <a:t>© 2022, FLL Tutorials</a:t>
+              <a:t>© 2023, FLLTutorials.com. Last edit 5/29/2023</a:t>
             </a:r>
           </a:p>
         </p:txBody>
@@ -15118,9 +15118,9 @@
           <a:bodyPr/>
           <a:lstStyle/>
           <a:p>
-            <a:fld id="{210A2D6F-07AA-D844-A623-BED5C2B705F2}" type="datetime1">
+            <a:fld id="{8284682B-C0CC-3C46-AD9C-424BC3C57F9E}" type="datetime1">
               <a:rPr lang="en-US" smtClean="0"/>
-              <a:t>10/27/22</a:t>
+              <a:t>5/29/23</a:t>
             </a:fld>
             <a:endParaRPr lang="en-US"/>
           </a:p>
@@ -15143,7 +15143,7 @@
           <a:p>
             <a:r>
               <a:rPr lang="en-US"/>
-              <a:t>© 2022, FLL Tutorials</a:t>
+              <a:t>© 2023, FLLTutorials.com. Last edit 5/29/2023</a:t>
             </a:r>
           </a:p>
         </p:txBody>
@@ -15426,9 +15426,9 @@
           <a:bodyPr/>
           <a:lstStyle/>
           <a:p>
-            <a:fld id="{D925F292-DAB6-FB4A-9A59-3C50229397F1}" type="datetime1">
+            <a:fld id="{E0C6764A-CB64-0845-AF5A-A8DD4F9AB271}" type="datetime1">
               <a:rPr lang="en-US" smtClean="0"/>
-              <a:t>10/27/22</a:t>
+              <a:t>5/29/23</a:t>
             </a:fld>
             <a:endParaRPr lang="en-US"/>
           </a:p>
@@ -15451,7 +15451,7 @@
           <a:p>
             <a:r>
               <a:rPr lang="en-US"/>
-              <a:t>© 2022, FLL Tutorials</a:t>
+              <a:t>© 2023, FLLTutorials.com. Last edit 5/29/2023</a:t>
             </a:r>
           </a:p>
         </p:txBody>
@@ -15693,9 +15693,9 @@
           <a:bodyPr/>
           <a:lstStyle/>
           <a:p>
-            <a:fld id="{ABABF3FC-4B67-7F43-9076-38E9AA32A509}" type="datetime1">
+            <a:fld id="{A501DD70-6416-6542-B01C-13AD85AA25B2}" type="datetime1">
               <a:rPr lang="en-US" smtClean="0"/>
-              <a:t>10/27/22</a:t>
+              <a:t>5/29/23</a:t>
             </a:fld>
             <a:endParaRPr lang="en-US"/>
           </a:p>
@@ -15718,7 +15718,7 @@
           <a:p>
             <a:r>
               <a:rPr lang="en-US"/>
-              <a:t>© 2022, FLL Tutorials</a:t>
+              <a:t>© 2023, FLLTutorials.com. Last edit 5/29/2023</a:t>
             </a:r>
           </a:p>
         </p:txBody>
@@ -15882,9 +15882,9 @@
           <a:bodyPr/>
           <a:lstStyle/>
           <a:p>
-            <a:fld id="{4AF69778-136B-F147-A84A-8B3BDED36827}" type="datetime1">
+            <a:fld id="{8C9ACAB7-768E-4E48-9864-FC0C655C6C88}" type="datetime1">
               <a:rPr lang="en-US" smtClean="0"/>
-              <a:t>10/27/22</a:t>
+              <a:t>5/29/23</a:t>
             </a:fld>
             <a:endParaRPr lang="en-US"/>
           </a:p>
@@ -15907,7 +15907,7 @@
           <a:p>
             <a:r>
               <a:rPr lang="en-US"/>
-              <a:t>© 2022, FLL Tutorials</a:t>
+              <a:t>© 2023, FLLTutorials.com. Last edit 5/29/2023</a:t>
             </a:r>
           </a:p>
         </p:txBody>
@@ -16083,9 +16083,9 @@
           <a:bodyPr/>
           <a:lstStyle/>
           <a:p>
-            <a:fld id="{D1EB802D-CC49-6C4F-9D50-B68239FF73AE}" type="datetime1">
+            <a:fld id="{0E1DEFFA-C664-7347-9780-50DD28933850}" type="datetime1">
               <a:rPr lang="en-US" smtClean="0"/>
-              <a:t>10/27/22</a:t>
+              <a:t>5/29/23</a:t>
             </a:fld>
             <a:endParaRPr lang="en-US"/>
           </a:p>
@@ -16108,7 +16108,7 @@
           <a:p>
             <a:r>
               <a:rPr lang="en-US"/>
-              <a:t>© 2022, FLL Tutorials</a:t>
+              <a:t>© 2023, FLLTutorials.com. Last edit 5/29/2023</a:t>
             </a:r>
           </a:p>
         </p:txBody>
@@ -16254,9 +16254,9 @@
           <a:bodyPr/>
           <a:lstStyle/>
           <a:p>
-            <a:fld id="{879DD0B4-1627-FB46-8B89-D98A12C044BA}" type="datetime1">
+            <a:fld id="{A023A9D8-A46D-1D46-8D26-004FF28F8F27}" type="datetime1">
               <a:rPr lang="en-US" smtClean="0"/>
-              <a:t>10/27/22</a:t>
+              <a:t>5/29/23</a:t>
             </a:fld>
             <a:endParaRPr lang="en-US"/>
           </a:p>
@@ -16279,7 +16279,7 @@
           <a:p>
             <a:r>
               <a:rPr lang="en-US"/>
-              <a:t>© 2022, FLL Tutorials</a:t>
+              <a:t>© 2023, FLLTutorials.com. Last edit 5/29/2023</a:t>
             </a:r>
           </a:p>
         </p:txBody>
@@ -16502,9 +16502,9 @@
           <a:bodyPr/>
           <a:lstStyle/>
           <a:p>
-            <a:fld id="{E20C8E8E-4919-B043-9863-851593F93B44}" type="datetime1">
+            <a:fld id="{333B66C6-21B4-2949-A47D-9B72A0836489}" type="datetime1">
               <a:rPr lang="en-US" smtClean="0"/>
-              <a:t>10/27/22</a:t>
+              <a:t>5/29/23</a:t>
             </a:fld>
             <a:endParaRPr lang="en-US"/>
           </a:p>
@@ -16527,7 +16527,7 @@
           <a:p>
             <a:r>
               <a:rPr lang="en-US"/>
-              <a:t>© 2022, FLL Tutorials</a:t>
+              <a:t>© 2023, FLLTutorials.com. Last edit 5/29/2023</a:t>
             </a:r>
           </a:p>
         </p:txBody>
@@ -16734,9 +16734,9 @@
           <a:bodyPr/>
           <a:lstStyle/>
           <a:p>
-            <a:fld id="{398397FF-6D92-C842-B195-EC9679B66DB0}" type="datetime1">
+            <a:fld id="{73993733-CD67-5247-9AC9-AB0AA23997B8}" type="datetime1">
               <a:rPr lang="en-US" smtClean="0"/>
-              <a:t>10/27/22</a:t>
+              <a:t>5/29/23</a:t>
             </a:fld>
             <a:endParaRPr lang="en-US"/>
           </a:p>
@@ -16759,7 +16759,7 @@
           <a:p>
             <a:r>
               <a:rPr lang="en-US"/>
-              <a:t>© 2022, FLL Tutorials</a:t>
+              <a:t>© 2023, FLLTutorials.com. Last edit 5/29/2023</a:t>
             </a:r>
           </a:p>
         </p:txBody>
@@ -16854,9 +16854,9 @@
           <a:bodyPr/>
           <a:lstStyle/>
           <a:p>
-            <a:fld id="{CE62DE40-2AB0-9340-82CA-59280B652943}" type="datetime1">
+            <a:fld id="{50065ED8-E132-5E43-AFE5-4D996BF2EB20}" type="datetime1">
               <a:rPr lang="en-US" smtClean="0"/>
-              <a:t>10/27/22</a:t>
+              <a:t>5/29/23</a:t>
             </a:fld>
             <a:endParaRPr lang="en-US"/>
           </a:p>
@@ -16879,7 +16879,7 @@
           <a:p>
             <a:r>
               <a:rPr lang="en-US"/>
-              <a:t>© 2022, FLL Tutorials</a:t>
+              <a:t>© 2023, FLLTutorials.com. Last edit 5/29/2023</a:t>
             </a:r>
           </a:p>
         </p:txBody>
@@ -17221,9 +17221,9 @@
           <a:bodyPr/>
           <a:lstStyle/>
           <a:p>
-            <a:fld id="{3D4BA8DE-4CDD-D048-A5B2-46F8A6728689}" type="datetime1">
+            <a:fld id="{BDA41643-5DEE-524B-B627-8603FDBC692B}" type="datetime1">
               <a:rPr lang="en-US" smtClean="0"/>
-              <a:t>10/27/22</a:t>
+              <a:t>5/29/23</a:t>
             </a:fld>
             <a:endParaRPr lang="en-US"/>
           </a:p>
@@ -17246,7 +17246,7 @@
           <a:p>
             <a:r>
               <a:rPr lang="en-US"/>
-              <a:t>© 2022, FLL Tutorials</a:t>
+              <a:t>© 2023, FLLTutorials.com. Last edit 5/29/2023</a:t>
             </a:r>
           </a:p>
         </p:txBody>
@@ -17341,9 +17341,9 @@
           <a:bodyPr/>
           <a:lstStyle/>
           <a:p>
-            <a:fld id="{D79CFFAD-0C9E-294B-91D0-05EEB02660D4}" type="datetime1">
+            <a:fld id="{085B3822-4A34-0846-96B3-71EF56549451}" type="datetime1">
               <a:rPr lang="en-US" smtClean="0"/>
-              <a:t>10/27/22</a:t>
+              <a:t>5/29/23</a:t>
             </a:fld>
             <a:endParaRPr lang="en-US"/>
           </a:p>
@@ -17366,7 +17366,7 @@
           <a:p>
             <a:r>
               <a:rPr lang="en-US"/>
-              <a:t>© 2022, FLL Tutorials</a:t>
+              <a:t>© 2023, FLLTutorials.com. Last edit 5/29/2023</a:t>
             </a:r>
           </a:p>
         </p:txBody>
@@ -17439,9 +17439,9 @@
           <a:bodyPr/>
           <a:lstStyle/>
           <a:p>
-            <a:fld id="{0931B038-DF1D-C34B-8203-DA4C865391C9}" type="datetime1">
+            <a:fld id="{FF14AF88-CCA3-0241-A75D-503296BF0812}" type="datetime1">
               <a:rPr lang="en-US" smtClean="0"/>
-              <a:t>10/27/22</a:t>
+              <a:t>5/29/23</a:t>
             </a:fld>
             <a:endParaRPr lang="en-US"/>
           </a:p>
@@ -17464,7 +17464,7 @@
           <a:p>
             <a:r>
               <a:rPr lang="en-US"/>
-              <a:t>© 2022, FLL Tutorials</a:t>
+              <a:t>© 2023, FLLTutorials.com. Last edit 5/29/2023</a:t>
             </a:r>
           </a:p>
         </p:txBody>
@@ -17717,9 +17717,9 @@
           <a:bodyPr/>
           <a:lstStyle/>
           <a:p>
-            <a:fld id="{358585B3-DC8E-1F4A-AE25-1AAE603AC5F0}" type="datetime1">
+            <a:fld id="{D3121F93-0F0C-4C48-B435-B39030CAABDB}" type="datetime1">
               <a:rPr lang="en-US" smtClean="0"/>
-              <a:t>10/27/22</a:t>
+              <a:t>5/29/23</a:t>
             </a:fld>
             <a:endParaRPr lang="en-US"/>
           </a:p>
@@ -17742,7 +17742,7 @@
           <a:p>
             <a:r>
               <a:rPr lang="en-US"/>
-              <a:t>© 2022, FLL Tutorials</a:t>
+              <a:t>© 2023, FLLTutorials.com. Last edit 5/29/2023</a:t>
             </a:r>
           </a:p>
         </p:txBody>
@@ -17975,9 +17975,9 @@
           <a:bodyPr/>
           <a:lstStyle/>
           <a:p>
-            <a:fld id="{61238ECB-AF92-8E49-B5E6-34DB502EF77B}" type="datetime1">
+            <a:fld id="{45BF9357-1192-9140-B1AB-5C86178261B6}" type="datetime1">
               <a:rPr lang="en-US" smtClean="0"/>
-              <a:t>10/27/22</a:t>
+              <a:t>5/29/23</a:t>
             </a:fld>
             <a:endParaRPr lang="en-US"/>
           </a:p>
@@ -18000,7 +18000,7 @@
           <a:p>
             <a:r>
               <a:rPr lang="en-US"/>
-              <a:t>© 2022, FLL Tutorials</a:t>
+              <a:t>© 2023, FLLTutorials.com. Last edit 5/29/2023</a:t>
             </a:r>
           </a:p>
         </p:txBody>
@@ -18146,9 +18146,9 @@
           <a:bodyPr/>
           <a:lstStyle/>
           <a:p>
-            <a:fld id="{11B7EBEB-194B-964F-9B15-0ABECDD4A489}" type="datetime1">
+            <a:fld id="{9BE4F8DF-753D-6B4D-8C09-433141EEE626}" type="datetime1">
               <a:rPr lang="en-US" smtClean="0"/>
-              <a:t>10/27/22</a:t>
+              <a:t>5/29/23</a:t>
             </a:fld>
             <a:endParaRPr lang="en-US"/>
           </a:p>
@@ -18171,7 +18171,7 @@
           <a:p>
             <a:r>
               <a:rPr lang="en-US"/>
-              <a:t>© 2022, FLL Tutorials</a:t>
+              <a:t>© 2023, FLLTutorials.com. Last edit 5/29/2023</a:t>
             </a:r>
           </a:p>
         </p:txBody>
@@ -18327,9 +18327,9 @@
           <a:bodyPr/>
           <a:lstStyle/>
           <a:p>
-            <a:fld id="{61C7AF60-0323-9348-A627-F1F6CD9BE82E}" type="datetime1">
+            <a:fld id="{62A29C7B-35B7-C641-8E59-D96FEF548905}" type="datetime1">
               <a:rPr lang="en-US" smtClean="0"/>
-              <a:t>10/27/22</a:t>
+              <a:t>5/29/23</a:t>
             </a:fld>
             <a:endParaRPr lang="en-US"/>
           </a:p>
@@ -18352,7 +18352,7 @@
           <a:p>
             <a:r>
               <a:rPr lang="en-US"/>
-              <a:t>© 2022, FLL Tutorials</a:t>
+              <a:t>© 2023, FLLTutorials.com. Last edit 5/29/2023</a:t>
             </a:r>
           </a:p>
         </p:txBody>
@@ -18644,9 +18644,9 @@
             </a:lvl1pPr>
           </a:lstStyle>
           <a:p>
-            <a:fld id="{60B94791-B359-0A44-82D5-91764EE5778F}" type="datetime1">
+            <a:fld id="{8BC8CEDC-531D-B54D-BFAC-1264FA31058C}" type="datetime1">
               <a:rPr lang="en-US" smtClean="0"/>
-              <a:t>10/27/22</a:t>
+              <a:t>5/29/23</a:t>
             </a:fld>
             <a:endParaRPr lang="en-US"/>
           </a:p>
@@ -18688,7 +18688,7 @@
           <a:p>
             <a:r>
               <a:rPr lang="en-US"/>
-              <a:t>© 2022, FLL Tutorials</a:t>
+              <a:t>© 2023, FLLTutorials.com. Last edit 5/29/2023</a:t>
             </a:r>
           </a:p>
         </p:txBody>
@@ -18977,9 +18977,9 @@
             </a:lvl1pPr>
           </a:lstStyle>
           <a:p>
-            <a:fld id="{248B0223-235E-8B40-A554-D465D0B6B5B3}" type="datetime1">
+            <a:fld id="{DAA9D902-1885-8442-B5E0-3CF4B9E39A90}" type="datetime1">
               <a:rPr lang="en-US" smtClean="0"/>
-              <a:t>10/27/22</a:t>
+              <a:t>5/29/23</a:t>
             </a:fld>
             <a:endParaRPr lang="en-US"/>
           </a:p>
@@ -19024,7 +19024,7 @@
           <a:p>
             <a:r>
               <a:rPr lang="en-US"/>
-              <a:t>© 2022, FLL Tutorials</a:t>
+              <a:t>© 2023, FLLTutorials.com. Last edit 5/29/2023</a:t>
             </a:r>
           </a:p>
         </p:txBody>
@@ -19431,7 +19431,7 @@
             <a:fld id="{B61BEF0D-F0BB-DE4B-95CE-6DB70DBA9567}" type="datetimeFigureOut">
               <a:rPr lang="en-US" smtClean="0"/>
               <a:pPr/>
-              <a:t>10/27/22</a:t>
+              <a:t>5/29/23</a:t>
             </a:fld>
             <a:endParaRPr lang="en-US" dirty="0"/>
           </a:p>
@@ -19747,9 +19747,9 @@
           <a:bodyPr/>
           <a:lstStyle/>
           <a:p>
-            <a:fld id="{64B6B60E-3D12-F24E-A4FC-C2772A18AAC7}" type="datetime1">
+            <a:fld id="{022E074F-3DB1-AB42-87C2-27DE1C2A3079}" type="datetime1">
               <a:rPr lang="en-US" smtClean="0"/>
-              <a:t>10/27/22</a:t>
+              <a:t>5/29/23</a:t>
             </a:fld>
             <a:endParaRPr lang="en-US"/>
           </a:p>
@@ -19772,7 +19772,7 @@
           <a:p>
             <a:r>
               <a:rPr lang="en-US"/>
-              <a:t>© 2022, FLL Tutorials</a:t>
+              <a:t>© 2023, FLLTutorials.com. Last edit 5/29/2023</a:t>
             </a:r>
           </a:p>
         </p:txBody>
@@ -20033,9 +20033,9 @@
           <a:bodyPr/>
           <a:lstStyle/>
           <a:p>
-            <a:fld id="{90E58177-767C-994E-AAC2-8AA293CDAF94}" type="datetime1">
+            <a:fld id="{9C7F2D6C-935F-414C-8695-4A2347762F1C}" type="datetime1">
               <a:rPr lang="en-US" smtClean="0"/>
-              <a:t>10/27/22</a:t>
+              <a:t>5/29/23</a:t>
             </a:fld>
             <a:endParaRPr lang="en-US"/>
           </a:p>
@@ -20066,7 +20066,7 @@
           <a:p>
             <a:r>
               <a:rPr lang="en-US"/>
-              <a:t>© 2022, FLL Tutorials</a:t>
+              <a:t>© 2023, FLLTutorials.com. Last edit 5/29/2023</a:t>
             </a:r>
           </a:p>
         </p:txBody>
@@ -20481,9 +20481,9 @@
           <a:bodyPr/>
           <a:lstStyle/>
           <a:p>
-            <a:fld id="{DB79F894-9209-A440-AD8D-FBEA72928294}" type="datetime1">
+            <a:fld id="{11FF363F-E439-E84C-8253-A2235E0D1366}" type="datetime1">
               <a:rPr lang="en-US" smtClean="0"/>
-              <a:t>10/27/22</a:t>
+              <a:t>5/29/23</a:t>
             </a:fld>
             <a:endParaRPr lang="en-US"/>
           </a:p>
@@ -20514,7 +20514,7 @@
           <a:p>
             <a:r>
               <a:rPr lang="en-US"/>
-              <a:t>© 2022, FLL Tutorials</a:t>
+              <a:t>© 2023, FLLTutorials.com. Last edit 5/29/2023</a:t>
             </a:r>
           </a:p>
         </p:txBody>
@@ -20665,9 +20665,9 @@
           <a:bodyPr/>
           <a:lstStyle/>
           <a:p>
-            <a:fld id="{05FF529D-15A0-8745-9D2C-768BBFA239C7}" type="datetime1">
+            <a:fld id="{74C486C1-F8EE-A744-9ACE-59C6FDB8CAB2}" type="datetime1">
               <a:rPr lang="en-US" smtClean="0"/>
-              <a:t>10/27/22</a:t>
+              <a:t>5/29/23</a:t>
             </a:fld>
             <a:endParaRPr lang="en-US"/>
           </a:p>
@@ -20698,7 +20698,7 @@
           <a:p>
             <a:r>
               <a:rPr lang="en-US"/>
-              <a:t>© 2022, FLL Tutorials</a:t>
+              <a:t>© 2023, FLLTutorials.com. Last edit 5/29/2023</a:t>
             </a:r>
           </a:p>
         </p:txBody>
@@ -20787,9 +20787,9 @@
           <a:bodyPr/>
           <a:lstStyle/>
           <a:p>
-            <a:fld id="{570558FC-61AD-5F43-B268-C9F819A3A62E}" type="datetime1">
+            <a:fld id="{C1925913-DDF3-EB4C-B864-40548AF9041A}" type="datetime1">
               <a:rPr lang="en-US" smtClean="0"/>
-              <a:t>10/27/22</a:t>
+              <a:t>5/29/23</a:t>
             </a:fld>
             <a:endParaRPr lang="en-US"/>
           </a:p>
@@ -20820,7 +20820,7 @@
           <a:p>
             <a:r>
               <a:rPr lang="en-US"/>
-              <a:t>© 2022, FLL Tutorials</a:t>
+              <a:t>© 2023, FLLTutorials.com. Last edit 5/29/2023</a:t>
             </a:r>
           </a:p>
         </p:txBody>
@@ -21192,9 +21192,9 @@
             </a:lvl1pPr>
           </a:lstStyle>
           <a:p>
-            <a:fld id="{04E1F943-A4FD-0146-AEF4-3F997E89295B}" type="datetime1">
+            <a:fld id="{6B0335E7-D28C-5948-88A8-EB957709F670}" type="datetime1">
               <a:rPr lang="en-US" smtClean="0"/>
-              <a:t>10/27/22</a:t>
+              <a:t>5/29/23</a:t>
             </a:fld>
             <a:endParaRPr lang="en-US"/>
           </a:p>
@@ -21236,7 +21236,7 @@
           <a:p>
             <a:r>
               <a:rPr lang="en-US"/>
-              <a:t>© 2022, FLL Tutorials</a:t>
+              <a:t>© 2023, FLLTutorials.com. Last edit 5/29/2023</a:t>
             </a:r>
           </a:p>
         </p:txBody>
@@ -21508,9 +21508,9 @@
           <a:bodyPr/>
           <a:lstStyle/>
           <a:p>
-            <a:fld id="{A423B662-A076-7F45-A604-C2A22657A7A6}" type="datetime1">
+            <a:fld id="{9407FAE7-8621-D84D-BEBD-6B34E3C004CB}" type="datetime1">
               <a:rPr lang="en-US" smtClean="0"/>
-              <a:t>10/27/22</a:t>
+              <a:t>5/29/23</a:t>
             </a:fld>
             <a:endParaRPr lang="en-US"/>
           </a:p>
@@ -21541,7 +21541,7 @@
           <a:p>
             <a:r>
               <a:rPr lang="en-US"/>
-              <a:t>© 2022, FLL Tutorials</a:t>
+              <a:t>© 2023, FLLTutorials.com. Last edit 5/29/2023</a:t>
             </a:r>
           </a:p>
         </p:txBody>
@@ -21760,9 +21760,9 @@
           <a:bodyPr/>
           <a:lstStyle/>
           <a:p>
-            <a:fld id="{D4CC9115-2E68-BC43-B14A-5BCDAA014518}" type="datetime1">
+            <a:fld id="{890B10B0-FB6F-9447-9B4A-180B36EF0EAB}" type="datetime1">
               <a:rPr lang="en-US" smtClean="0"/>
-              <a:t>10/27/22</a:t>
+              <a:t>5/29/23</a:t>
             </a:fld>
             <a:endParaRPr lang="en-US"/>
           </a:p>
@@ -21793,7 +21793,7 @@
           <a:p>
             <a:r>
               <a:rPr lang="en-US"/>
-              <a:t>© 2022, FLL Tutorials</a:t>
+              <a:t>© 2023, FLLTutorials.com. Last edit 5/29/2023</a:t>
             </a:r>
           </a:p>
         </p:txBody>
@@ -22017,9 +22017,9 @@
             </a:lvl1pPr>
           </a:lstStyle>
           <a:p>
-            <a:fld id="{43439239-7B78-FE48-9278-E072C605C61A}" type="datetime1">
+            <a:fld id="{8E7009A3-1C52-634B-93D0-183D43D1AB03}" type="datetime1">
               <a:rPr lang="en-US" smtClean="0"/>
-              <a:t>10/27/22</a:t>
+              <a:t>5/29/23</a:t>
             </a:fld>
             <a:endParaRPr lang="en-US"/>
           </a:p>
@@ -22050,7 +22050,7 @@
           <a:p>
             <a:r>
               <a:rPr lang="en-US"/>
-              <a:t>© 2022, FLL Tutorials</a:t>
+              <a:t>© 2023, FLLTutorials.com. Last edit 5/29/2023</a:t>
             </a:r>
           </a:p>
         </p:txBody>
@@ -22294,9 +22294,9 @@
           <a:bodyPr/>
           <a:lstStyle/>
           <a:p>
-            <a:fld id="{E8823077-E88D-794E-8ED9-85D4CF9B09E5}" type="datetime1">
+            <a:fld id="{DA11C0BE-28CB-D949-A880-B5689942F69A}" type="datetime1">
               <a:rPr lang="en-US" smtClean="0"/>
-              <a:t>10/27/22</a:t>
+              <a:t>5/29/23</a:t>
             </a:fld>
             <a:endParaRPr lang="en-US"/>
           </a:p>
@@ -22319,7 +22319,7 @@
           <a:p>
             <a:r>
               <a:rPr lang="en-US"/>
-              <a:t>© 2022, FLL Tutorials</a:t>
+              <a:t>© 2023, FLLTutorials.com. Last edit 5/29/2023</a:t>
             </a:r>
           </a:p>
         </p:txBody>
@@ -22594,9 +22594,9 @@
           <a:bodyPr/>
           <a:lstStyle/>
           <a:p>
-            <a:fld id="{A05DEA20-C416-1D46-B12A-206F8BF2BA09}" type="datetime1">
+            <a:fld id="{31D11EC9-8072-2C41-A6DA-57FC27E5117F}" type="datetime1">
               <a:rPr lang="en-US" smtClean="0"/>
-              <a:t>10/27/22</a:t>
+              <a:t>5/29/23</a:t>
             </a:fld>
             <a:endParaRPr lang="en-US"/>
           </a:p>
@@ -22619,7 +22619,7 @@
           <a:p>
             <a:r>
               <a:rPr lang="en-US"/>
-              <a:t>© 2022, FLL Tutorials</a:t>
+              <a:t>© 2023, FLLTutorials.com. Last edit 5/29/2023</a:t>
             </a:r>
           </a:p>
         </p:txBody>
@@ -22895,9 +22895,9 @@
             </a:lvl1pPr>
           </a:lstStyle>
           <a:p>
-            <a:fld id="{36F267CA-E88D-F141-A66A-28F1D17EFB81}" type="datetime1">
+            <a:fld id="{462CADC2-3254-6146-9613-0402D9799241}" type="datetime1">
               <a:rPr lang="en-US" smtClean="0"/>
-              <a:t>10/27/22</a:t>
+              <a:t>5/29/23</a:t>
             </a:fld>
             <a:endParaRPr lang="en-US"/>
           </a:p>
@@ -22936,7 +22936,7 @@
           <a:p>
             <a:r>
               <a:rPr lang="en-US"/>
-              <a:t>© 2022, FLL Tutorials</a:t>
+              <a:t>© 2023, FLLTutorials.com. Last edit 5/29/2023</a:t>
             </a:r>
           </a:p>
         </p:txBody>
@@ -23847,9 +23847,9 @@
             </a:lvl1pPr>
           </a:lstStyle>
           <a:p>
-            <a:fld id="{0BE6EE9B-D66B-7149-8775-B57DA9BC241A}" type="datetime1">
+            <a:fld id="{AC2A2535-6B74-2949-BB4D-C8CCC2E7BA50}" type="datetime1">
               <a:rPr lang="en-US" smtClean="0"/>
-              <a:t>10/27/22</a:t>
+              <a:t>5/29/23</a:t>
             </a:fld>
             <a:endParaRPr lang="en-US"/>
           </a:p>
@@ -23888,7 +23888,7 @@
           <a:p>
             <a:r>
               <a:rPr lang="en-US"/>
-              <a:t>© 2022, FLL Tutorials</a:t>
+              <a:t>© 2023, FLLTutorials.com. Last edit 5/29/2023</a:t>
             </a:r>
           </a:p>
         </p:txBody>
@@ -24905,9 +24905,9 @@
             </a:lvl1pPr>
           </a:lstStyle>
           <a:p>
-            <a:fld id="{92BDC832-D720-3A4A-A2CD-209176E0FF6A}" type="datetime1">
+            <a:fld id="{5E41E998-9442-A34C-91A9-DBA05648CD92}" type="datetime1">
               <a:rPr lang="en-US" smtClean="0"/>
-              <a:t>10/27/22</a:t>
+              <a:t>5/29/23</a:t>
             </a:fld>
             <a:endParaRPr lang="en-US"/>
           </a:p>
@@ -24948,7 +24948,7 @@
           <a:p>
             <a:r>
               <a:rPr lang="en-US"/>
-              <a:t>© 2022, FLL Tutorials</a:t>
+              <a:t>© 2023, FLLTutorials.com. Last edit 5/29/2023</a:t>
             </a:r>
           </a:p>
         </p:txBody>
@@ -25447,9 +25447,9 @@
             </a:lvl1pPr>
           </a:lstStyle>
           <a:p>
-            <a:fld id="{1F98AC2B-095E-9E4D-B113-2D59EF8FF9BA}" type="datetime1">
+            <a:fld id="{30B4CC43-88A6-4F49-9573-ED49E165B1B9}" type="datetime1">
               <a:rPr lang="en-US" smtClean="0"/>
-              <a:t>10/27/22</a:t>
+              <a:t>5/29/23</a:t>
             </a:fld>
             <a:endParaRPr lang="en-US"/>
           </a:p>
@@ -25488,7 +25488,7 @@
           <a:p>
             <a:r>
               <a:rPr lang="en-US"/>
-              <a:t>© 2022, FLL Tutorials</a:t>
+              <a:t>© 2023, FLLTutorials.com. Last edit 5/29/2023</a:t>
             </a:r>
           </a:p>
         </p:txBody>
@@ -26816,9 +26816,9 @@
             </a:lvl1pPr>
           </a:lstStyle>
           <a:p>
-            <a:fld id="{AF70DD7C-9FE2-204B-AFCE-34B12395B286}" type="datetime1">
+            <a:fld id="{9CC6AF4D-0A6F-0943-8224-CB6EF68885CA}" type="datetime1">
               <a:rPr lang="en-US" smtClean="0"/>
-              <a:t>10/27/22</a:t>
+              <a:t>5/29/23</a:t>
             </a:fld>
             <a:endParaRPr lang="en-US"/>
           </a:p>
@@ -26857,7 +26857,7 @@
           <a:p>
             <a:r>
               <a:rPr lang="en-US"/>
-              <a:t>© 2022, FLL Tutorials</a:t>
+              <a:t>© 2023, FLLTutorials.com. Last edit 5/29/2023</a:t>
             </a:r>
           </a:p>
         </p:txBody>
@@ -27894,9 +27894,9 @@
             </a:lvl1pPr>
           </a:lstStyle>
           <a:p>
-            <a:fld id="{1C636EBF-BA36-4F45-8C51-CFBFFCA7F30B}" type="datetime1">
+            <a:fld id="{D3F965D1-E182-3145-A4F1-39D5CC2E5182}" type="datetime1">
               <a:rPr lang="en-US" smtClean="0"/>
-              <a:t>10/27/22</a:t>
+              <a:t>5/29/23</a:t>
             </a:fld>
             <a:endParaRPr lang="en-US"/>
           </a:p>
@@ -27937,7 +27937,7 @@
           <a:p>
             <a:r>
               <a:rPr lang="en-US"/>
-              <a:t>© 2022, FLL Tutorials</a:t>
+              <a:t>© 2023, FLLTutorials.com. Last edit 5/29/2023</a:t>
             </a:r>
           </a:p>
         </p:txBody>
@@ -28556,9 +28556,9 @@
             </a:lvl1pPr>
           </a:lstStyle>
           <a:p>
-            <a:fld id="{D3EEABAF-7B2C-7748-8BC1-83B06CC20A57}" type="datetime1">
+            <a:fld id="{939D3FB8-1CBC-A244-8FFF-66C8BE8CCE20}" type="datetime1">
               <a:rPr lang="en-US" smtClean="0"/>
-              <a:t>10/27/22</a:t>
+              <a:t>5/29/23</a:t>
             </a:fld>
             <a:endParaRPr lang="en-US"/>
           </a:p>
@@ -28606,7 +28606,7 @@
           <a:p>
             <a:r>
               <a:rPr lang="en-US"/>
-              <a:t>© 2022, FLL Tutorials</a:t>
+              <a:t>© 2023, FLLTutorials.com. Last edit 5/29/2023</a:t>
             </a:r>
           </a:p>
         </p:txBody>
@@ -29246,7 +29246,7 @@
           <a:p>
             <a:r>
               <a:rPr lang="en-US"/>
-              <a:t>© 2022, FLL Tutorials</a:t>
+              <a:t>© 2023, FLLTutorials.com. Last edit 5/29/2023</a:t>
             </a:r>
           </a:p>
         </p:txBody>
@@ -29396,9 +29396,10 @@
           <a:lstStyle/>
           <a:p>
             <a:r>
-              <a:rPr lang="en-US" dirty="0"/>
-              <a:t>© 2022, FLL Tutorials</a:t>
-            </a:r>
+              <a:rPr lang="en-US"/>
+              <a:t>© 2023, FLLTutorials.com. Last edit 5/29/2023</a:t>
+            </a:r>
+            <a:endParaRPr lang="en-US" dirty="0"/>
           </a:p>
         </p:txBody>
       </p:sp>
@@ -29626,7 +29627,7 @@
           <a:p>
             <a:r>
               <a:rPr lang="en-US"/>
-              <a:t>© 2022, FLL Tutorials</a:t>
+              <a:t>© 2023, FLLTutorials.com. Last edit 5/29/2023</a:t>
             </a:r>
           </a:p>
         </p:txBody>
@@ -29957,7 +29958,7 @@
           <a:p>
             <a:r>
               <a:rPr lang="en-US"/>
-              <a:t>© 2022, FLL Tutorials</a:t>
+              <a:t>© 2023, FLLTutorials.com. Last edit 5/29/2023</a:t>
             </a:r>
           </a:p>
         </p:txBody>
@@ -30219,7 +30220,7 @@
           <a:p>
             <a:r>
               <a:rPr lang="en-US"/>
-              <a:t>© 2022, FLL Tutorials</a:t>
+              <a:t>© 2023, FLLTutorials.com. Last edit 5/29/2023</a:t>
             </a:r>
           </a:p>
         </p:txBody>
@@ -30405,7 +30406,7 @@
           <a:effectLst/>
           <a:extLst>
             <a:ext uri="{91240B29-F687-4f45-9708-019B960494DF}">
-              <a14:hiddenLine xmlns:a14="http://schemas.microsoft.com/office/drawing/2010/main" xmlns="" w="9525">
+              <a14:hiddenLine xmlns="" xmlns:a14="http://schemas.microsoft.com/office/drawing/2010/main" w="9525">
                 <a:solidFill>
                   <a:schemeClr val="tx1"/>
                 </a:solidFill>
@@ -30415,7 +30416,7 @@
               </a14:hiddenLine>
             </a:ext>
             <a:ext uri="{AF507438-7753-43e0-B8FC-AC1667EBCBE1}">
-              <a14:hiddenEffects xmlns:a14="http://schemas.microsoft.com/office/drawing/2010/main" xmlns="">
+              <a14:hiddenEffects xmlns="" xmlns:a14="http://schemas.microsoft.com/office/drawing/2010/main">
                 <a:effectLst>
                   <a:outerShdw dist="35921" dir="2700000" algn="ctr" rotWithShape="0">
                     <a:schemeClr val="bg2"/>
@@ -30756,7 +30757,7 @@
           <a:noFill/>
           <a:extLst>
             <a:ext uri="{909E8E84-426E-40dd-AFC4-6F175D3DCCD1}">
-              <a14:hiddenFill xmlns:a14="http://schemas.microsoft.com/office/drawing/2010/main" xmlns="">
+              <a14:hiddenFill xmlns="" xmlns:a14="http://schemas.microsoft.com/office/drawing/2010/main">
                 <a:solidFill>
                   <a:srgbClr val="FFFFFF"/>
                 </a:solidFill>
@@ -30817,7 +30818,7 @@
           <a:p>
             <a:r>
               <a:rPr lang="en-US"/>
-              <a:t>© 2022, FLL Tutorials</a:t>
+              <a:t>© 2023, FLLTutorials.com. Last edit 5/29/2023</a:t>
             </a:r>
           </a:p>
         </p:txBody>

--- a/translations/en-us/RobotGame/ConsolidatedJudging.pptx
+++ b/translations/en-us/RobotGame/ConsolidatedJudging.pptx
@@ -223,7 +223,7 @@
           <a:p>
             <a:fld id="{E354B44E-40A3-0E46-B16A-9BF1250A248B}" type="datetimeFigureOut">
               <a:rPr lang="en-US" smtClean="0"/>
-              <a:t>5/29/23</a:t>
+              <a:t>8/4/23</a:t>
             </a:fld>
             <a:endParaRPr lang="en-US"/>
           </a:p>
@@ -389,7 +389,7 @@
           <a:p>
             <a:fld id="{C86AD16C-2DB4-6642-BAD4-9ED973A087A0}" type="datetimeFigureOut">
               <a:rPr lang="en-US" smtClean="0"/>
-              <a:t>5/29/23</a:t>
+              <a:t>8/4/23</a:t>
             </a:fld>
             <a:endParaRPr lang="en-US"/>
           </a:p>
@@ -1018,7 +1018,7 @@
           <a:p>
             <a:fld id="{079FE098-8E7E-E748-B9C2-238344C5E49A}" type="datetime1">
               <a:rPr lang="en-US" smtClean="0"/>
-              <a:t>5/29/23</a:t>
+              <a:t>8/4/23</a:t>
             </a:fld>
             <a:endParaRPr lang="en-US"/>
           </a:p>
@@ -1614,7 +1614,7 @@
           <a:p>
             <a:fld id="{8F9003E1-51E2-1545-AEC3-8115E337505C}" type="datetime1">
               <a:rPr lang="en-US" smtClean="0"/>
-              <a:t>5/29/23</a:t>
+              <a:t>8/4/23</a:t>
             </a:fld>
             <a:endParaRPr lang="en-US"/>
           </a:p>
@@ -1795,7 +1795,7 @@
           <a:p>
             <a:fld id="{A1D23D59-088C-6D45-9585-AF07BD8CDC6F}" type="datetime1">
               <a:rPr lang="en-US" smtClean="0"/>
-              <a:t>5/29/23</a:t>
+              <a:t>8/4/23</a:t>
             </a:fld>
             <a:endParaRPr lang="en-US"/>
           </a:p>
@@ -2011,7 +2011,7 @@
           <a:p>
             <a:fld id="{B63605A4-1CFF-A34F-A3B1-4F598ED1B4FC}" type="datetime1">
               <a:rPr lang="en-US" smtClean="0"/>
-              <a:t>5/29/23</a:t>
+              <a:t>8/4/23</a:t>
             </a:fld>
             <a:endParaRPr lang="en-US"/>
           </a:p>
@@ -2855,7 +2855,7 @@
           <a:p>
             <a:fld id="{5DC7A6CA-9875-254E-815B-B2EED9AB7539}" type="datetime1">
               <a:rPr lang="en-US" smtClean="0"/>
-              <a:t>5/29/23</a:t>
+              <a:t>8/4/23</a:t>
             </a:fld>
             <a:endParaRPr lang="en-US"/>
           </a:p>
@@ -3120,7 +3120,7 @@
           <a:p>
             <a:fld id="{72A27F94-1900-8247-A2F1-E23E164981A7}" type="datetime1">
               <a:rPr lang="en-US" smtClean="0"/>
-              <a:t>5/29/23</a:t>
+              <a:t>8/4/23</a:t>
             </a:fld>
             <a:endParaRPr lang="en-US"/>
           </a:p>
@@ -3423,7 +3423,7 @@
           <a:p>
             <a:fld id="{CD4DFCFA-DF70-A143-9847-F82F3692D4E1}" type="datetime1">
               <a:rPr lang="en-US" smtClean="0"/>
-              <a:t>5/29/23</a:t>
+              <a:t>8/4/23</a:t>
             </a:fld>
             <a:endParaRPr lang="en-US"/>
           </a:p>
@@ -3877,7 +3877,7 @@
           <a:p>
             <a:fld id="{7B80BDBB-58C3-B743-8E19-D1480484DF66}" type="datetime1">
               <a:rPr lang="en-US" smtClean="0"/>
-              <a:t>5/29/23</a:t>
+              <a:t>8/4/23</a:t>
             </a:fld>
             <a:endParaRPr lang="en-US"/>
           </a:p>
@@ -4005,7 +4005,7 @@
           <a:p>
             <a:fld id="{B79B22C3-EEC5-8048-A24E-8C52C6EAEC4F}" type="datetime1">
               <a:rPr lang="en-US" smtClean="0"/>
-              <a:t>5/29/23</a:t>
+              <a:t>8/4/23</a:t>
             </a:fld>
             <a:endParaRPr lang="en-US"/>
           </a:p>
@@ -4111,7 +4111,7 @@
           <a:p>
             <a:fld id="{060A4685-BC1A-7741-B2A3-DD76FD870FED}" type="datetime1">
               <a:rPr lang="en-US" smtClean="0"/>
-              <a:t>5/29/23</a:t>
+              <a:t>8/4/23</a:t>
             </a:fld>
             <a:endParaRPr lang="en-US"/>
           </a:p>
@@ -4369,7 +4369,7 @@
           <a:p>
             <a:fld id="{EF05606B-4BC4-5D42-B904-52E77F56AE3A}" type="datetime1">
               <a:rPr lang="en-US" smtClean="0"/>
-              <a:t>5/29/23</a:t>
+              <a:t>8/4/23</a:t>
             </a:fld>
             <a:endParaRPr lang="en-US"/>
           </a:p>
@@ -4581,7 +4581,7 @@
           <a:p>
             <a:fld id="{002AEDC6-3DCA-2D4E-922B-919CBC5768B0}" type="datetime1">
               <a:rPr lang="en-US" smtClean="0"/>
-              <a:t>5/29/23</a:t>
+              <a:t>8/4/23</a:t>
             </a:fld>
             <a:endParaRPr lang="en-US"/>
           </a:p>
@@ -4864,7 +4864,7 @@
           <a:p>
             <a:fld id="{A6983283-A777-DE46-B315-0741F4B5BC55}" type="datetime1">
               <a:rPr lang="en-US" smtClean="0"/>
-              <a:t>5/29/23</a:t>
+              <a:t>8/4/23</a:t>
             </a:fld>
             <a:endParaRPr lang="en-US"/>
           </a:p>
@@ -5131,7 +5131,7 @@
           <a:p>
             <a:fld id="{192064F9-8352-3740-883B-86170CD56BAB}" type="datetime1">
               <a:rPr lang="en-US" smtClean="0"/>
-              <a:t>5/29/23</a:t>
+              <a:t>8/4/23</a:t>
             </a:fld>
             <a:endParaRPr lang="en-US"/>
           </a:p>
@@ -5320,7 +5320,7 @@
           <a:p>
             <a:fld id="{3BE07684-9227-B74A-A49B-969C7EA21A2A}" type="datetime1">
               <a:rPr lang="en-US" smtClean="0"/>
-              <a:t>5/29/23</a:t>
+              <a:t>8/4/23</a:t>
             </a:fld>
             <a:endParaRPr lang="en-US"/>
           </a:p>
@@ -5521,7 +5521,7 @@
           <a:p>
             <a:fld id="{72150258-FECB-AB47-B27E-0438EBB8623E}" type="datetime1">
               <a:rPr lang="en-US" smtClean="0"/>
-              <a:t>5/29/23</a:t>
+              <a:t>8/4/23</a:t>
             </a:fld>
             <a:endParaRPr lang="en-US"/>
           </a:p>
@@ -5692,7 +5692,7 @@
           <a:p>
             <a:fld id="{DFF5D875-7429-BB43-B488-E3737DFB5A60}" type="datetime1">
               <a:rPr lang="en-US" smtClean="0"/>
-              <a:t>5/29/23</a:t>
+              <a:t>8/4/23</a:t>
             </a:fld>
             <a:endParaRPr lang="en-US"/>
           </a:p>
@@ -5940,7 +5940,7 @@
           <a:p>
             <a:fld id="{FF0F12D5-D1B9-184B-82CF-500CB724D52A}" type="datetime1">
               <a:rPr lang="en-US" smtClean="0"/>
-              <a:t>5/29/23</a:t>
+              <a:t>8/4/23</a:t>
             </a:fld>
             <a:endParaRPr lang="en-US"/>
           </a:p>
@@ -6172,7 +6172,7 @@
           <a:p>
             <a:fld id="{19FB744B-C965-AF4E-8345-44C6D15CD3DC}" type="datetime1">
               <a:rPr lang="en-US" smtClean="0"/>
-              <a:t>5/29/23</a:t>
+              <a:t>8/4/23</a:t>
             </a:fld>
             <a:endParaRPr lang="en-US"/>
           </a:p>
@@ -6539,7 +6539,7 @@
           <a:p>
             <a:fld id="{0EF151DA-0F21-FB44-B8D6-FAD7DD250FF0}" type="datetime1">
               <a:rPr lang="en-US" smtClean="0"/>
-              <a:t>5/29/23</a:t>
+              <a:t>8/4/23</a:t>
             </a:fld>
             <a:endParaRPr lang="en-US"/>
           </a:p>
@@ -6659,7 +6659,7 @@
           <a:p>
             <a:fld id="{06E2383E-1BBE-2348-BE82-969E0FB77CF1}" type="datetime1">
               <a:rPr lang="en-US" smtClean="0"/>
-              <a:t>5/29/23</a:t>
+              <a:t>8/4/23</a:t>
             </a:fld>
             <a:endParaRPr lang="en-US"/>
           </a:p>
@@ -6757,7 +6757,7 @@
           <a:p>
             <a:fld id="{6D3215D6-CDC5-394A-9022-00D2B0A83AA5}" type="datetime1">
               <a:rPr lang="en-US" smtClean="0"/>
-              <a:t>5/29/23</a:t>
+              <a:t>8/4/23</a:t>
             </a:fld>
             <a:endParaRPr lang="en-US"/>
           </a:p>
@@ -7014,7 +7014,7 @@
           <a:p>
             <a:fld id="{A3F12F63-2B78-8641-B94E-8B50B2295968}" type="datetime1">
               <a:rPr lang="en-US" smtClean="0"/>
-              <a:t>5/29/23</a:t>
+              <a:t>8/4/23</a:t>
             </a:fld>
             <a:endParaRPr lang="en-US"/>
           </a:p>
@@ -7292,7 +7292,7 @@
           <a:p>
             <a:fld id="{36B374E6-44FC-F04A-8531-19B4C0A68146}" type="datetime1">
               <a:rPr lang="en-US" smtClean="0"/>
-              <a:t>5/29/23</a:t>
+              <a:t>8/4/23</a:t>
             </a:fld>
             <a:endParaRPr lang="en-US"/>
           </a:p>
@@ -7550,7 +7550,7 @@
           <a:p>
             <a:fld id="{6E817889-6476-254A-9DD4-AC39F309BA62}" type="datetime1">
               <a:rPr lang="en-US" smtClean="0"/>
-              <a:t>5/29/23</a:t>
+              <a:t>8/4/23</a:t>
             </a:fld>
             <a:endParaRPr lang="en-US"/>
           </a:p>
@@ -7721,7 +7721,7 @@
           <a:p>
             <a:fld id="{BCECD84C-25A7-6A41-A9A1-F9718E21818E}" type="datetime1">
               <a:rPr lang="en-US" smtClean="0"/>
-              <a:t>5/29/23</a:t>
+              <a:t>8/4/23</a:t>
             </a:fld>
             <a:endParaRPr lang="en-US"/>
           </a:p>
@@ -7902,7 +7902,7 @@
           <a:p>
             <a:fld id="{5D2A8294-81D7-F147-BCAA-E05F560EEF4F}" type="datetime1">
               <a:rPr lang="en-US" smtClean="0"/>
-              <a:t>5/29/23</a:t>
+              <a:t>8/4/23</a:t>
             </a:fld>
             <a:endParaRPr lang="en-US"/>
           </a:p>
@@ -8159,7 +8159,7 @@
           <a:p>
             <a:fld id="{A9D498A3-3DC0-5244-BD3A-A0DD5E5187B5}" type="datetime1">
               <a:rPr lang="en-US" smtClean="0"/>
-              <a:t>5/29/23</a:t>
+              <a:t>8/4/23</a:t>
             </a:fld>
             <a:endParaRPr lang="en-US"/>
           </a:p>
@@ -9183,7 +9183,7 @@
           <a:p>
             <a:fld id="{31E61E44-1111-1B4B-9D45-4AC00C4D46C8}" type="datetime1">
               <a:rPr lang="en-US" smtClean="0"/>
-              <a:t>5/29/23</a:t>
+              <a:t>8/4/23</a:t>
             </a:fld>
             <a:endParaRPr lang="en-US"/>
           </a:p>
@@ -9445,7 +9445,7 @@
           <a:p>
             <a:fld id="{02857960-6F1D-B643-9101-EFE44209D70E}" type="datetime1">
               <a:rPr lang="en-US" smtClean="0"/>
-              <a:t>5/29/23</a:t>
+              <a:t>8/4/23</a:t>
             </a:fld>
             <a:endParaRPr lang="en-US"/>
           </a:p>
@@ -9740,7 +9740,7 @@
           <a:p>
             <a:fld id="{3334C97F-9B37-EA45-BF7B-43A90EC29BDF}" type="datetime1">
               <a:rPr lang="en-US" smtClean="0"/>
-              <a:t>5/29/23</a:t>
+              <a:t>8/4/23</a:t>
             </a:fld>
             <a:endParaRPr lang="en-US"/>
           </a:p>
@@ -10186,7 +10186,7 @@
           <a:p>
             <a:fld id="{324B4FD2-F218-2A4F-A1F8-A44B60E10DAF}" type="datetime1">
               <a:rPr lang="en-US" smtClean="0"/>
-              <a:t>5/29/23</a:t>
+              <a:t>8/4/23</a:t>
             </a:fld>
             <a:endParaRPr lang="en-US"/>
           </a:p>
@@ -10306,7 +10306,7 @@
           <a:p>
             <a:fld id="{5326F199-FC72-AB43-A107-2ED52BA19A2C}" type="datetime1">
               <a:rPr lang="en-US" smtClean="0"/>
-              <a:t>5/29/23</a:t>
+              <a:t>8/4/23</a:t>
             </a:fld>
             <a:endParaRPr lang="en-US"/>
           </a:p>
@@ -10600,7 +10600,7 @@
           <a:p>
             <a:fld id="{3E38A3D9-08BE-D748-9D1E-68665718459B}" type="datetime1">
               <a:rPr lang="en-US" smtClean="0"/>
-              <a:t>5/29/23</a:t>
+              <a:t>8/4/23</a:t>
             </a:fld>
             <a:endParaRPr lang="en-US"/>
           </a:p>
@@ -10698,7 +10698,7 @@
           <a:p>
             <a:fld id="{4C77B6C6-24A6-5946-BF87-57005B0BDECC}" type="datetime1">
               <a:rPr lang="en-US" smtClean="0"/>
-              <a:t>5/29/23</a:t>
+              <a:t>8/4/23</a:t>
             </a:fld>
             <a:endParaRPr lang="en-US"/>
           </a:p>
@@ -10948,7 +10948,7 @@
           <a:p>
             <a:fld id="{2266FC2B-1610-A243-8734-46B311A34110}" type="datetime1">
               <a:rPr lang="en-US" smtClean="0"/>
-              <a:t>5/29/23</a:t>
+              <a:t>8/4/23</a:t>
             </a:fld>
             <a:endParaRPr lang="en-US"/>
           </a:p>
@@ -11248,7 +11248,7 @@
           <a:p>
             <a:fld id="{6C4051FC-F5D3-A945-96FC-EE6363CA735C}" type="datetime1">
               <a:rPr lang="en-US" smtClean="0"/>
-              <a:t>5/29/23</a:t>
+              <a:t>8/4/23</a:t>
             </a:fld>
             <a:endParaRPr lang="en-US"/>
           </a:p>
@@ -11507,7 +11507,7 @@
           <a:p>
             <a:fld id="{81E7EB29-D403-2A45-A5FB-D8B528308C77}" type="datetime1">
               <a:rPr lang="en-US" smtClean="0"/>
-              <a:t>5/29/23</a:t>
+              <a:t>8/4/23</a:t>
             </a:fld>
             <a:endParaRPr lang="en-US"/>
           </a:p>
@@ -11688,7 +11688,7 @@
           <a:p>
             <a:fld id="{8CEE4914-5820-F543-9CEB-5AFE29314B5A}" type="datetime1">
               <a:rPr lang="en-US" smtClean="0"/>
-              <a:t>5/29/23</a:t>
+              <a:t>8/4/23</a:t>
             </a:fld>
             <a:endParaRPr lang="en-US"/>
           </a:p>
@@ -11904,7 +11904,7 @@
           <a:p>
             <a:fld id="{16A494D2-11FB-3F47-ADA0-A20DBEC12F63}" type="datetime1">
               <a:rPr lang="en-US" smtClean="0"/>
-              <a:t>5/29/23</a:t>
+              <a:t>8/4/23</a:t>
             </a:fld>
             <a:endParaRPr lang="en-US"/>
           </a:p>
@@ -13160,7 +13160,7 @@
           <a:p>
             <a:fld id="{0666F8B8-E343-1145-A619-C725947F71B3}" type="datetime1">
               <a:rPr lang="en-US" smtClean="0"/>
-              <a:t>5/29/23</a:t>
+              <a:t>8/4/23</a:t>
             </a:fld>
             <a:endParaRPr lang="en-US"/>
           </a:p>
@@ -13425,7 +13425,7 @@
           <a:p>
             <a:fld id="{25308BD8-A779-2945-8B0A-F039F412BCD1}" type="datetime1">
               <a:rPr lang="en-US" smtClean="0"/>
-              <a:t>5/29/23</a:t>
+              <a:t>8/4/23</a:t>
             </a:fld>
             <a:endParaRPr lang="en-US"/>
           </a:p>
@@ -13728,7 +13728,7 @@
           <a:p>
             <a:fld id="{70D813E0-55C5-C442-9076-C5C105ADB279}" type="datetime1">
               <a:rPr lang="en-US" smtClean="0"/>
-              <a:t>5/29/23</a:t>
+              <a:t>8/4/23</a:t>
             </a:fld>
             <a:endParaRPr lang="en-US"/>
           </a:p>
@@ -14182,7 +14182,7 @@
           <a:p>
             <a:fld id="{49A4E955-AEDE-2241-9876-C1FA3DFAE0EC}" type="datetime1">
               <a:rPr lang="en-US" smtClean="0"/>
-              <a:t>5/29/23</a:t>
+              <a:t>8/4/23</a:t>
             </a:fld>
             <a:endParaRPr lang="en-US"/>
           </a:p>
@@ -14636,7 +14636,7 @@
           <a:p>
             <a:fld id="{109E15CC-DAFA-0F4A-8C45-74FC16B80795}" type="datetime1">
               <a:rPr lang="en-US" smtClean="0"/>
-              <a:t>5/29/23</a:t>
+              <a:t>8/4/23</a:t>
             </a:fld>
             <a:endParaRPr lang="en-US"/>
           </a:p>
@@ -14756,7 +14756,7 @@
           <a:p>
             <a:fld id="{7CDEBED3-152B-9040-9A0E-2FB5E21846D2}" type="datetime1">
               <a:rPr lang="en-US" smtClean="0"/>
-              <a:t>5/29/23</a:t>
+              <a:t>8/4/23</a:t>
             </a:fld>
             <a:endParaRPr lang="en-US"/>
           </a:p>
@@ -14862,7 +14862,7 @@
           <a:p>
             <a:fld id="{04CDA667-6BDD-9145-9DA5-EFF5805ED8F5}" type="datetime1">
               <a:rPr lang="en-US" smtClean="0"/>
-              <a:t>5/29/23</a:t>
+              <a:t>8/4/23</a:t>
             </a:fld>
             <a:endParaRPr lang="en-US"/>
           </a:p>
@@ -15120,7 +15120,7 @@
           <a:p>
             <a:fld id="{8284682B-C0CC-3C46-AD9C-424BC3C57F9E}" type="datetime1">
               <a:rPr lang="en-US" smtClean="0"/>
-              <a:t>5/29/23</a:t>
+              <a:t>8/4/23</a:t>
             </a:fld>
             <a:endParaRPr lang="en-US"/>
           </a:p>
@@ -15428,7 +15428,7 @@
           <a:p>
             <a:fld id="{E0C6764A-CB64-0845-AF5A-A8DD4F9AB271}" type="datetime1">
               <a:rPr lang="en-US" smtClean="0"/>
-              <a:t>5/29/23</a:t>
+              <a:t>8/4/23</a:t>
             </a:fld>
             <a:endParaRPr lang="en-US"/>
           </a:p>
@@ -15695,7 +15695,7 @@
           <a:p>
             <a:fld id="{A501DD70-6416-6542-B01C-13AD85AA25B2}" type="datetime1">
               <a:rPr lang="en-US" smtClean="0"/>
-              <a:t>5/29/23</a:t>
+              <a:t>8/4/23</a:t>
             </a:fld>
             <a:endParaRPr lang="en-US"/>
           </a:p>
@@ -15884,7 +15884,7 @@
           <a:p>
             <a:fld id="{8C9ACAB7-768E-4E48-9864-FC0C655C6C88}" type="datetime1">
               <a:rPr lang="en-US" smtClean="0"/>
-              <a:t>5/29/23</a:t>
+              <a:t>8/4/23</a:t>
             </a:fld>
             <a:endParaRPr lang="en-US"/>
           </a:p>
@@ -16085,7 +16085,7 @@
           <a:p>
             <a:fld id="{0E1DEFFA-C664-7347-9780-50DD28933850}" type="datetime1">
               <a:rPr lang="en-US" smtClean="0"/>
-              <a:t>5/29/23</a:t>
+              <a:t>8/4/23</a:t>
             </a:fld>
             <a:endParaRPr lang="en-US"/>
           </a:p>
@@ -16256,7 +16256,7 @@
           <a:p>
             <a:fld id="{A023A9D8-A46D-1D46-8D26-004FF28F8F27}" type="datetime1">
               <a:rPr lang="en-US" smtClean="0"/>
-              <a:t>5/29/23</a:t>
+              <a:t>8/4/23</a:t>
             </a:fld>
             <a:endParaRPr lang="en-US"/>
           </a:p>
@@ -16504,7 +16504,7 @@
           <a:p>
             <a:fld id="{333B66C6-21B4-2949-A47D-9B72A0836489}" type="datetime1">
               <a:rPr lang="en-US" smtClean="0"/>
-              <a:t>5/29/23</a:t>
+              <a:t>8/4/23</a:t>
             </a:fld>
             <a:endParaRPr lang="en-US"/>
           </a:p>
@@ -16736,7 +16736,7 @@
           <a:p>
             <a:fld id="{73993733-CD67-5247-9AC9-AB0AA23997B8}" type="datetime1">
               <a:rPr lang="en-US" smtClean="0"/>
-              <a:t>5/29/23</a:t>
+              <a:t>8/4/23</a:t>
             </a:fld>
             <a:endParaRPr lang="en-US"/>
           </a:p>
@@ -16856,7 +16856,7 @@
           <a:p>
             <a:fld id="{50065ED8-E132-5E43-AFE5-4D996BF2EB20}" type="datetime1">
               <a:rPr lang="en-US" smtClean="0"/>
-              <a:t>5/29/23</a:t>
+              <a:t>8/4/23</a:t>
             </a:fld>
             <a:endParaRPr lang="en-US"/>
           </a:p>
@@ -17223,7 +17223,7 @@
           <a:p>
             <a:fld id="{BDA41643-5DEE-524B-B627-8603FDBC692B}" type="datetime1">
               <a:rPr lang="en-US" smtClean="0"/>
-              <a:t>5/29/23</a:t>
+              <a:t>8/4/23</a:t>
             </a:fld>
             <a:endParaRPr lang="en-US"/>
           </a:p>
@@ -17343,7 +17343,7 @@
           <a:p>
             <a:fld id="{085B3822-4A34-0846-96B3-71EF56549451}" type="datetime1">
               <a:rPr lang="en-US" smtClean="0"/>
-              <a:t>5/29/23</a:t>
+              <a:t>8/4/23</a:t>
             </a:fld>
             <a:endParaRPr lang="en-US"/>
           </a:p>
@@ -17441,7 +17441,7 @@
           <a:p>
             <a:fld id="{FF14AF88-CCA3-0241-A75D-503296BF0812}" type="datetime1">
               <a:rPr lang="en-US" smtClean="0"/>
-              <a:t>5/29/23</a:t>
+              <a:t>8/4/23</a:t>
             </a:fld>
             <a:endParaRPr lang="en-US"/>
           </a:p>
@@ -17719,7 +17719,7 @@
           <a:p>
             <a:fld id="{D3121F93-0F0C-4C48-B435-B39030CAABDB}" type="datetime1">
               <a:rPr lang="en-US" smtClean="0"/>
-              <a:t>5/29/23</a:t>
+              <a:t>8/4/23</a:t>
             </a:fld>
             <a:endParaRPr lang="en-US"/>
           </a:p>
@@ -17977,7 +17977,7 @@
           <a:p>
             <a:fld id="{45BF9357-1192-9140-B1AB-5C86178261B6}" type="datetime1">
               <a:rPr lang="en-US" smtClean="0"/>
-              <a:t>5/29/23</a:t>
+              <a:t>8/4/23</a:t>
             </a:fld>
             <a:endParaRPr lang="en-US"/>
           </a:p>
@@ -18148,7 +18148,7 @@
           <a:p>
             <a:fld id="{9BE4F8DF-753D-6B4D-8C09-433141EEE626}" type="datetime1">
               <a:rPr lang="en-US" smtClean="0"/>
-              <a:t>5/29/23</a:t>
+              <a:t>8/4/23</a:t>
             </a:fld>
             <a:endParaRPr lang="en-US"/>
           </a:p>
@@ -18329,7 +18329,7 @@
           <a:p>
             <a:fld id="{62A29C7B-35B7-C641-8E59-D96FEF548905}" type="datetime1">
               <a:rPr lang="en-US" smtClean="0"/>
-              <a:t>5/29/23</a:t>
+              <a:t>8/4/23</a:t>
             </a:fld>
             <a:endParaRPr lang="en-US"/>
           </a:p>
@@ -18646,7 +18646,7 @@
           <a:p>
             <a:fld id="{8BC8CEDC-531D-B54D-BFAC-1264FA31058C}" type="datetime1">
               <a:rPr lang="en-US" smtClean="0"/>
-              <a:t>5/29/23</a:t>
+              <a:t>8/4/23</a:t>
             </a:fld>
             <a:endParaRPr lang="en-US"/>
           </a:p>
@@ -18979,7 +18979,7 @@
           <a:p>
             <a:fld id="{DAA9D902-1885-8442-B5E0-3CF4B9E39A90}" type="datetime1">
               <a:rPr lang="en-US" smtClean="0"/>
-              <a:t>5/29/23</a:t>
+              <a:t>8/4/23</a:t>
             </a:fld>
             <a:endParaRPr lang="en-US"/>
           </a:p>
@@ -19431,7 +19431,7 @@
             <a:fld id="{B61BEF0D-F0BB-DE4B-95CE-6DB70DBA9567}" type="datetimeFigureOut">
               <a:rPr lang="en-US" smtClean="0"/>
               <a:pPr/>
-              <a:t>5/29/23</a:t>
+              <a:t>8/4/23</a:t>
             </a:fld>
             <a:endParaRPr lang="en-US" dirty="0"/>
           </a:p>
@@ -19749,7 +19749,7 @@
           <a:p>
             <a:fld id="{022E074F-3DB1-AB42-87C2-27DE1C2A3079}" type="datetime1">
               <a:rPr lang="en-US" smtClean="0"/>
-              <a:t>5/29/23</a:t>
+              <a:t>8/4/23</a:t>
             </a:fld>
             <a:endParaRPr lang="en-US"/>
           </a:p>
@@ -20035,7 +20035,7 @@
           <a:p>
             <a:fld id="{9C7F2D6C-935F-414C-8695-4A2347762F1C}" type="datetime1">
               <a:rPr lang="en-US" smtClean="0"/>
-              <a:t>5/29/23</a:t>
+              <a:t>8/4/23</a:t>
             </a:fld>
             <a:endParaRPr lang="en-US"/>
           </a:p>
@@ -20483,7 +20483,7 @@
           <a:p>
             <a:fld id="{11FF363F-E439-E84C-8253-A2235E0D1366}" type="datetime1">
               <a:rPr lang="en-US" smtClean="0"/>
-              <a:t>5/29/23</a:t>
+              <a:t>8/4/23</a:t>
             </a:fld>
             <a:endParaRPr lang="en-US"/>
           </a:p>
@@ -20667,7 +20667,7 @@
           <a:p>
             <a:fld id="{74C486C1-F8EE-A744-9ACE-59C6FDB8CAB2}" type="datetime1">
               <a:rPr lang="en-US" smtClean="0"/>
-              <a:t>5/29/23</a:t>
+              <a:t>8/4/23</a:t>
             </a:fld>
             <a:endParaRPr lang="en-US"/>
           </a:p>
@@ -20789,7 +20789,7 @@
           <a:p>
             <a:fld id="{C1925913-DDF3-EB4C-B864-40548AF9041A}" type="datetime1">
               <a:rPr lang="en-US" smtClean="0"/>
-              <a:t>5/29/23</a:t>
+              <a:t>8/4/23</a:t>
             </a:fld>
             <a:endParaRPr lang="en-US"/>
           </a:p>
@@ -21194,7 +21194,7 @@
           <a:p>
             <a:fld id="{6B0335E7-D28C-5948-88A8-EB957709F670}" type="datetime1">
               <a:rPr lang="en-US" smtClean="0"/>
-              <a:t>5/29/23</a:t>
+              <a:t>8/4/23</a:t>
             </a:fld>
             <a:endParaRPr lang="en-US"/>
           </a:p>
@@ -21510,7 +21510,7 @@
           <a:p>
             <a:fld id="{9407FAE7-8621-D84D-BEBD-6B34E3C004CB}" type="datetime1">
               <a:rPr lang="en-US" smtClean="0"/>
-              <a:t>5/29/23</a:t>
+              <a:t>8/4/23</a:t>
             </a:fld>
             <a:endParaRPr lang="en-US"/>
           </a:p>
@@ -21762,7 +21762,7 @@
           <a:p>
             <a:fld id="{890B10B0-FB6F-9447-9B4A-180B36EF0EAB}" type="datetime1">
               <a:rPr lang="en-US" smtClean="0"/>
-              <a:t>5/29/23</a:t>
+              <a:t>8/4/23</a:t>
             </a:fld>
             <a:endParaRPr lang="en-US"/>
           </a:p>
@@ -22019,7 +22019,7 @@
           <a:p>
             <a:fld id="{8E7009A3-1C52-634B-93D0-183D43D1AB03}" type="datetime1">
               <a:rPr lang="en-US" smtClean="0"/>
-              <a:t>5/29/23</a:t>
+              <a:t>8/4/23</a:t>
             </a:fld>
             <a:endParaRPr lang="en-US"/>
           </a:p>
@@ -22296,7 +22296,7 @@
           <a:p>
             <a:fld id="{DA11C0BE-28CB-D949-A880-B5689942F69A}" type="datetime1">
               <a:rPr lang="en-US" smtClean="0"/>
-              <a:t>5/29/23</a:t>
+              <a:t>8/4/23</a:t>
             </a:fld>
             <a:endParaRPr lang="en-US"/>
           </a:p>
@@ -22596,7 +22596,7 @@
           <a:p>
             <a:fld id="{31D11EC9-8072-2C41-A6DA-57FC27E5117F}" type="datetime1">
               <a:rPr lang="en-US" smtClean="0"/>
-              <a:t>5/29/23</a:t>
+              <a:t>8/4/23</a:t>
             </a:fld>
             <a:endParaRPr lang="en-US"/>
           </a:p>
@@ -22897,7 +22897,7 @@
           <a:p>
             <a:fld id="{462CADC2-3254-6146-9613-0402D9799241}" type="datetime1">
               <a:rPr lang="en-US" smtClean="0"/>
-              <a:t>5/29/23</a:t>
+              <a:t>8/4/23</a:t>
             </a:fld>
             <a:endParaRPr lang="en-US"/>
           </a:p>
@@ -23849,7 +23849,7 @@
           <a:p>
             <a:fld id="{AC2A2535-6B74-2949-BB4D-C8CCC2E7BA50}" type="datetime1">
               <a:rPr lang="en-US" smtClean="0"/>
-              <a:t>5/29/23</a:t>
+              <a:t>8/4/23</a:t>
             </a:fld>
             <a:endParaRPr lang="en-US"/>
           </a:p>
@@ -24907,7 +24907,7 @@
           <a:p>
             <a:fld id="{5E41E998-9442-A34C-91A9-DBA05648CD92}" type="datetime1">
               <a:rPr lang="en-US" smtClean="0"/>
-              <a:t>5/29/23</a:t>
+              <a:t>8/4/23</a:t>
             </a:fld>
             <a:endParaRPr lang="en-US"/>
           </a:p>
@@ -25449,7 +25449,7 @@
           <a:p>
             <a:fld id="{30B4CC43-88A6-4F49-9573-ED49E165B1B9}" type="datetime1">
               <a:rPr lang="en-US" smtClean="0"/>
-              <a:t>5/29/23</a:t>
+              <a:t>8/4/23</a:t>
             </a:fld>
             <a:endParaRPr lang="en-US"/>
           </a:p>
@@ -26818,7 +26818,7 @@
           <a:p>
             <a:fld id="{9CC6AF4D-0A6F-0943-8224-CB6EF68885CA}" type="datetime1">
               <a:rPr lang="en-US" smtClean="0"/>
-              <a:t>5/29/23</a:t>
+              <a:t>8/4/23</a:t>
             </a:fld>
             <a:endParaRPr lang="en-US"/>
           </a:p>
@@ -27896,7 +27896,7 @@
           <a:p>
             <a:fld id="{D3F965D1-E182-3145-A4F1-39D5CC2E5182}" type="datetime1">
               <a:rPr lang="en-US" smtClean="0"/>
-              <a:t>5/29/23</a:t>
+              <a:t>8/4/23</a:t>
             </a:fld>
             <a:endParaRPr lang="en-US"/>
           </a:p>
@@ -28558,7 +28558,7 @@
           <a:p>
             <a:fld id="{939D3FB8-1CBC-A244-8FFF-66C8BE8CCE20}" type="datetime1">
               <a:rPr lang="en-US" smtClean="0"/>
-              <a:t>5/29/23</a:t>
+              <a:t>8/4/23</a:t>
             </a:fld>
             <a:endParaRPr lang="en-US"/>
           </a:p>
@@ -29432,12 +29432,91 @@
           </a:p>
         </p:txBody>
       </p:sp>
+      <p:sp>
+        <p:nvSpPr>
+          <p:cNvPr id="14" name="TextBox 13">
+            <a:extLst>
+              <a:ext uri="{FF2B5EF4-FFF2-40B4-BE49-F238E27FC236}">
+                <a16:creationId xmlns:a16="http://schemas.microsoft.com/office/drawing/2014/main" id="{016ECC97-AC67-E000-86E7-DAB4C40AA66F}"/>
+              </a:ext>
+            </a:extLst>
+          </p:cNvPr>
+          <p:cNvSpPr txBox="1"/>
+          <p:nvPr/>
+        </p:nvSpPr>
+        <p:spPr>
+          <a:xfrm>
+            <a:off x="4063006" y="1761893"/>
+            <a:ext cx="4507938" cy="4524315"/>
+          </a:xfrm>
+          <a:prstGeom prst="rect">
+            <a:avLst/>
+          </a:prstGeom>
+          <a:noFill/>
+        </p:spPr>
+        <p:txBody>
+          <a:bodyPr wrap="square" rtlCol="0">
+            <a:spAutoFit/>
+          </a:bodyPr>
+          <a:lstStyle/>
+          <a:p>
+            <a:pPr marL="285750" indent="-285750">
+              <a:buFont typeface="Arial" panose="020B0604020202020204" pitchFamily="34" charset="0"/>
+              <a:buChar char="•"/>
+            </a:pPr>
+            <a:r>
+              <a:rPr lang="en-US" dirty="0"/>
+              <a:t>Students will enter the room, introduce themselves and then proceed to present their Innovation Project. </a:t>
+            </a:r>
+          </a:p>
+          <a:p>
+            <a:pPr marL="285750" indent="-285750">
+              <a:buFont typeface="Arial" panose="020B0604020202020204" pitchFamily="34" charset="0"/>
+              <a:buChar char="•"/>
+            </a:pPr>
+            <a:r>
+              <a:rPr lang="en-US" dirty="0"/>
+              <a:t> The session will then proceed according to the flowchart on the left.</a:t>
+            </a:r>
+          </a:p>
+          <a:p>
+            <a:pPr marL="285750" indent="-285750">
+              <a:buFont typeface="Arial" panose="020B0604020202020204" pitchFamily="34" charset="0"/>
+              <a:buChar char="•"/>
+            </a:pPr>
+            <a:r>
+              <a:rPr lang="en-US" dirty="0"/>
+              <a:t>A team can transition to the next presentation on their own or the judges will keep track of the time and move the conversation to the next section.</a:t>
+            </a:r>
+          </a:p>
+          <a:p>
+            <a:pPr marL="285750" indent="-285750">
+              <a:buFont typeface="Arial" panose="020B0604020202020204" pitchFamily="34" charset="0"/>
+              <a:buChar char="•"/>
+            </a:pPr>
+            <a:r>
+              <a:rPr lang="en-US" dirty="0"/>
+              <a:t>Teams give a 5 min presentation for Innovation Project and Robot Design</a:t>
+            </a:r>
+          </a:p>
+          <a:p>
+            <a:pPr marL="285750" indent="-285750">
+              <a:buFont typeface="Arial" panose="020B0604020202020204" pitchFamily="34" charset="0"/>
+              <a:buChar char="•"/>
+            </a:pPr>
+            <a:r>
+              <a:rPr lang="en-US" dirty="0"/>
+              <a:t>Core Values is a time for judges to ask questions (no presentation). Core Values judges will be judging during the Team Welcome, Innovation Project and Robot Design as well</a:t>
+            </a:r>
+          </a:p>
+        </p:txBody>
+      </p:sp>
       <p:pic>
         <p:nvPicPr>
-          <p:cNvPr id="13" name="Content Placeholder 12" descr="Chart&#10;&#10;Description automatically generated with low confidence">
+          <p:cNvPr id="8" name="Content Placeholder 7" descr="A diagram of a team&#10;&#10;Description automatically generated">
             <a:extLst>
               <a:ext uri="{FF2B5EF4-FFF2-40B4-BE49-F238E27FC236}">
-                <a16:creationId xmlns:a16="http://schemas.microsoft.com/office/drawing/2014/main" id="{C4E0A2B5-6E04-0E5B-7E79-DFD845D2BF6A}"/>
+                <a16:creationId xmlns:a16="http://schemas.microsoft.com/office/drawing/2014/main" id="{1CE79044-1DF6-C3F0-4DAD-F15EC36B0A04}"/>
               </a:ext>
             </a:extLst>
           </p:cNvPr>
@@ -29462,90 +29541,11 @@
         </p:blipFill>
         <p:spPr>
           <a:xfrm>
-            <a:off x="325537" y="1573410"/>
-            <a:ext cx="3587879" cy="4814506"/>
+            <a:off x="573056" y="1658837"/>
+            <a:ext cx="3323537" cy="4354513"/>
           </a:xfrm>
         </p:spPr>
       </p:pic>
-      <p:sp>
-        <p:nvSpPr>
-          <p:cNvPr id="14" name="TextBox 13">
-            <a:extLst>
-              <a:ext uri="{FF2B5EF4-FFF2-40B4-BE49-F238E27FC236}">
-                <a16:creationId xmlns:a16="http://schemas.microsoft.com/office/drawing/2014/main" id="{016ECC97-AC67-E000-86E7-DAB4C40AA66F}"/>
-              </a:ext>
-            </a:extLst>
-          </p:cNvPr>
-          <p:cNvSpPr txBox="1"/>
-          <p:nvPr/>
-        </p:nvSpPr>
-        <p:spPr>
-          <a:xfrm>
-            <a:off x="4063006" y="1761893"/>
-            <a:ext cx="4507938" cy="4524315"/>
-          </a:xfrm>
-          <a:prstGeom prst="rect">
-            <a:avLst/>
-          </a:prstGeom>
-          <a:noFill/>
-        </p:spPr>
-        <p:txBody>
-          <a:bodyPr wrap="square" rtlCol="0">
-            <a:spAutoFit/>
-          </a:bodyPr>
-          <a:lstStyle/>
-          <a:p>
-            <a:pPr marL="285750" indent="-285750">
-              <a:buFont typeface="Arial" panose="020B0604020202020204" pitchFamily="34" charset="0"/>
-              <a:buChar char="•"/>
-            </a:pPr>
-            <a:r>
-              <a:rPr lang="en-US" dirty="0"/>
-              <a:t>Students will enter the room, introduce themselves and then proceed to present their Innovation Project. </a:t>
-            </a:r>
-          </a:p>
-          <a:p>
-            <a:pPr marL="285750" indent="-285750">
-              <a:buFont typeface="Arial" panose="020B0604020202020204" pitchFamily="34" charset="0"/>
-              <a:buChar char="•"/>
-            </a:pPr>
-            <a:r>
-              <a:rPr lang="en-US" dirty="0"/>
-              <a:t> The session will then proceed according to the flowchart on the left.</a:t>
-            </a:r>
-          </a:p>
-          <a:p>
-            <a:pPr marL="285750" indent="-285750">
-              <a:buFont typeface="Arial" panose="020B0604020202020204" pitchFamily="34" charset="0"/>
-              <a:buChar char="•"/>
-            </a:pPr>
-            <a:r>
-              <a:rPr lang="en-US" dirty="0"/>
-              <a:t>A team can transition to the next presentation on their own or the judges will keep track of the time and move the conversation to the next section.</a:t>
-            </a:r>
-          </a:p>
-          <a:p>
-            <a:pPr marL="285750" indent="-285750">
-              <a:buFont typeface="Arial" panose="020B0604020202020204" pitchFamily="34" charset="0"/>
-              <a:buChar char="•"/>
-            </a:pPr>
-            <a:r>
-              <a:rPr lang="en-US" dirty="0"/>
-              <a:t>Teams give a 5 min presentation for Innovation Project and Robot Design</a:t>
-            </a:r>
-          </a:p>
-          <a:p>
-            <a:pPr marL="285750" indent="-285750">
-              <a:buFont typeface="Arial" panose="020B0604020202020204" pitchFamily="34" charset="0"/>
-              <a:buChar char="•"/>
-            </a:pPr>
-            <a:r>
-              <a:rPr lang="en-US" dirty="0"/>
-              <a:t>Core Values Reflection is a time for judges to ask questions. Core Values judges will be judging during the Team Welcome, Innovation Project and Robot Design as well</a:t>
-            </a:r>
-          </a:p>
-        </p:txBody>
-      </p:sp>
     </p:spTree>
     <p:extLst>
       <p:ext uri="{BB962C8B-B14F-4D97-AF65-F5344CB8AC3E}">
@@ -29734,10 +29734,10 @@
       </p:pic>
       <p:pic>
         <p:nvPicPr>
-          <p:cNvPr id="16" name="Picture 15" descr="Chart, bar chart&#10;&#10;Description automatically generated">
+          <p:cNvPr id="6" name="Picture 5" descr="A pink and black survey&#10;&#10;Description automatically generated">
             <a:extLst>
               <a:ext uri="{FF2B5EF4-FFF2-40B4-BE49-F238E27FC236}">
-                <a16:creationId xmlns:a16="http://schemas.microsoft.com/office/drawing/2014/main" id="{A1E5CE8E-0FF9-82C7-BDE1-818D94B65EE7}"/>
+                <a16:creationId xmlns:a16="http://schemas.microsoft.com/office/drawing/2014/main" id="{E9941891-65FD-4969-BDFF-7CDC552E4709}"/>
               </a:ext>
             </a:extLst>
           </p:cNvPr>
@@ -29760,8 +29760,8 @@
         </p:blipFill>
         <p:spPr>
           <a:xfrm>
-            <a:off x="5092529" y="3842416"/>
-            <a:ext cx="3695870" cy="2545500"/>
+            <a:off x="4704802" y="3271267"/>
+            <a:ext cx="4083597" cy="2803093"/>
           </a:xfrm>
           <a:prstGeom prst="rect">
             <a:avLst/>

--- a/translations/en-us/RobotGame/ConsolidatedJudging.pptx
+++ b/translations/en-us/RobotGame/ConsolidatedJudging.pptx
@@ -223,7 +223,7 @@
           <a:p>
             <a:fld id="{E354B44E-40A3-0E46-B16A-9BF1250A248B}" type="datetimeFigureOut">
               <a:rPr lang="en-US" smtClean="0"/>
-              <a:t>8/4/23</a:t>
+              <a:t>8/5/24</a:t>
             </a:fld>
             <a:endParaRPr lang="en-US"/>
           </a:p>
@@ -389,7 +389,7 @@
           <a:p>
             <a:fld id="{C86AD16C-2DB4-6642-BAD4-9ED973A087A0}" type="datetimeFigureOut">
               <a:rPr lang="en-US" smtClean="0"/>
-              <a:t>8/4/23</a:t>
+              <a:t>8/5/24</a:t>
             </a:fld>
             <a:endParaRPr lang="en-US"/>
           </a:p>
@@ -1016,9 +1016,9 @@
           <a:bodyPr/>
           <a:lstStyle/>
           <a:p>
-            <a:fld id="{079FE098-8E7E-E748-B9C2-238344C5E49A}" type="datetime1">
+            <a:fld id="{5ECBC324-B74C-4A42-BD7D-28492C902742}" type="datetime1">
               <a:rPr lang="en-US" smtClean="0"/>
-              <a:t>8/4/23</a:t>
+              <a:t>8/5/24</a:t>
             </a:fld>
             <a:endParaRPr lang="en-US"/>
           </a:p>
@@ -1041,7 +1041,7 @@
           <a:p>
             <a:r>
               <a:rPr lang="en-US"/>
-              <a:t>© 2023, FLLTutorials.com. Last edit 5/29/2023</a:t>
+              <a:t>© 2023, FLLTutorials.com. Last edit 8/06/2024</a:t>
             </a:r>
           </a:p>
         </p:txBody>
@@ -1612,9 +1612,9 @@
           <a:bodyPr/>
           <a:lstStyle/>
           <a:p>
-            <a:fld id="{8F9003E1-51E2-1545-AEC3-8115E337505C}" type="datetime1">
+            <a:fld id="{8C48832D-0539-274A-8845-DB6CBF2EF127}" type="datetime1">
               <a:rPr lang="en-US" smtClean="0"/>
-              <a:t>8/4/23</a:t>
+              <a:t>8/5/24</a:t>
             </a:fld>
             <a:endParaRPr lang="en-US"/>
           </a:p>
@@ -1637,7 +1637,7 @@
           <a:p>
             <a:r>
               <a:rPr lang="en-US"/>
-              <a:t>© 2023, FLLTutorials.com. Last edit 5/29/2023</a:t>
+              <a:t>© 2023, FLLTutorials.com. Last edit 8/06/2024</a:t>
             </a:r>
           </a:p>
         </p:txBody>
@@ -1793,9 +1793,9 @@
           <a:bodyPr/>
           <a:lstStyle/>
           <a:p>
-            <a:fld id="{A1D23D59-088C-6D45-9585-AF07BD8CDC6F}" type="datetime1">
+            <a:fld id="{62CFEDE2-6F29-3344-B588-C063B076A4DF}" type="datetime1">
               <a:rPr lang="en-US" smtClean="0"/>
-              <a:t>8/4/23</a:t>
+              <a:t>8/5/24</a:t>
             </a:fld>
             <a:endParaRPr lang="en-US"/>
           </a:p>
@@ -1818,7 +1818,7 @@
           <a:p>
             <a:r>
               <a:rPr lang="en-US"/>
-              <a:t>© 2023, FLLTutorials.com. Last edit 5/29/2023</a:t>
+              <a:t>© 2023, FLLTutorials.com. Last edit 8/06/2024</a:t>
             </a:r>
           </a:p>
         </p:txBody>
@@ -2009,9 +2009,9 @@
           <a:bodyPr/>
           <a:lstStyle/>
           <a:p>
-            <a:fld id="{B63605A4-1CFF-A34F-A3B1-4F598ED1B4FC}" type="datetime1">
+            <a:fld id="{D3B61AFB-4FE3-FE41-8872-EDC73B88F0D7}" type="datetime1">
               <a:rPr lang="en-US" smtClean="0"/>
-              <a:t>8/4/23</a:t>
+              <a:t>8/5/24</a:t>
             </a:fld>
             <a:endParaRPr lang="en-US"/>
           </a:p>
@@ -2039,7 +2039,7 @@
           <a:p>
             <a:r>
               <a:rPr lang="en-US"/>
-              <a:t>© 2023, FLLTutorials.com. Last edit 5/29/2023</a:t>
+              <a:t>© 2023, FLLTutorials.com. Last edit 8/06/2024</a:t>
             </a:r>
           </a:p>
         </p:txBody>
@@ -2229,7 +2229,7 @@
           <a:noFill/>
           <a:extLst>
             <a:ext uri="{909E8E84-426E-40dd-AFC4-6F175D3DCCD1}">
-              <a14:hiddenFill xmlns:a14="http://schemas.microsoft.com/office/drawing/2010/main" xmlns="">
+              <a14:hiddenFill xmlns="" xmlns:a14="http://schemas.microsoft.com/office/drawing/2010/main">
                 <a:solidFill>
                   <a:srgbClr val="FFFFFF"/>
                 </a:solidFill>
@@ -2853,9 +2853,9 @@
           <a:bodyPr/>
           <a:lstStyle/>
           <a:p>
-            <a:fld id="{5DC7A6CA-9875-254E-815B-B2EED9AB7539}" type="datetime1">
+            <a:fld id="{4F58B63E-99B7-1347-B802-137CEE95D7CE}" type="datetime1">
               <a:rPr lang="en-US" smtClean="0"/>
-              <a:t>8/4/23</a:t>
+              <a:t>8/5/24</a:t>
             </a:fld>
             <a:endParaRPr lang="en-US"/>
           </a:p>
@@ -2878,7 +2878,7 @@
           <a:p>
             <a:r>
               <a:rPr lang="en-US"/>
-              <a:t>© 2023, FLLTutorials.com. Last edit 5/29/2023</a:t>
+              <a:t>© 2023, FLLTutorials.com. Last edit 8/06/2024</a:t>
             </a:r>
           </a:p>
         </p:txBody>
@@ -3118,9 +3118,9 @@
           <a:bodyPr/>
           <a:lstStyle/>
           <a:p>
-            <a:fld id="{72A27F94-1900-8247-A2F1-E23E164981A7}" type="datetime1">
+            <a:fld id="{99CA32B4-57B9-9849-9E98-519BCC16D922}" type="datetime1">
               <a:rPr lang="en-US" smtClean="0"/>
-              <a:t>8/4/23</a:t>
+              <a:t>8/5/24</a:t>
             </a:fld>
             <a:endParaRPr lang="en-US"/>
           </a:p>
@@ -3174,7 +3174,7 @@
           <a:p>
             <a:r>
               <a:rPr lang="en-US"/>
-              <a:t>© 2023, FLLTutorials.com. Last edit 5/29/2023</a:t>
+              <a:t>© 2023, FLLTutorials.com. Last edit 8/06/2024</a:t>
             </a:r>
           </a:p>
         </p:txBody>
@@ -3421,9 +3421,9 @@
           <a:bodyPr/>
           <a:lstStyle/>
           <a:p>
-            <a:fld id="{CD4DFCFA-DF70-A143-9847-F82F3692D4E1}" type="datetime1">
+            <a:fld id="{ED0BE6DC-9CFC-704F-B229-83D5B86678BA}" type="datetime1">
               <a:rPr lang="en-US" smtClean="0"/>
-              <a:t>8/4/23</a:t>
+              <a:t>8/5/24</a:t>
             </a:fld>
             <a:endParaRPr lang="en-US"/>
           </a:p>
@@ -3446,7 +3446,7 @@
           <a:p>
             <a:r>
               <a:rPr lang="en-US"/>
-              <a:t>© 2023, FLLTutorials.com. Last edit 5/29/2023</a:t>
+              <a:t>© 2023, FLLTutorials.com. Last edit 8/06/2024</a:t>
             </a:r>
           </a:p>
         </p:txBody>
@@ -3875,9 +3875,9 @@
           <a:bodyPr/>
           <a:lstStyle/>
           <a:p>
-            <a:fld id="{7B80BDBB-58C3-B743-8E19-D1480484DF66}" type="datetime1">
+            <a:fld id="{95CA4B2E-A0EA-2C42-8105-017C237A7308}" type="datetime1">
               <a:rPr lang="en-US" smtClean="0"/>
-              <a:t>8/4/23</a:t>
+              <a:t>8/5/24</a:t>
             </a:fld>
             <a:endParaRPr lang="en-US"/>
           </a:p>
@@ -3900,7 +3900,7 @@
           <a:p>
             <a:r>
               <a:rPr lang="en-US"/>
-              <a:t>© 2023, FLLTutorials.com. Last edit 5/29/2023</a:t>
+              <a:t>© 2023, FLLTutorials.com. Last edit 8/06/2024</a:t>
             </a:r>
           </a:p>
         </p:txBody>
@@ -4003,9 +4003,9 @@
           <a:bodyPr/>
           <a:lstStyle/>
           <a:p>
-            <a:fld id="{B79B22C3-EEC5-8048-A24E-8C52C6EAEC4F}" type="datetime1">
+            <a:fld id="{86E73655-85B0-5A4C-982D-0A60F15CA286}" type="datetime1">
               <a:rPr lang="en-US" smtClean="0"/>
-              <a:t>8/4/23</a:t>
+              <a:t>8/5/24</a:t>
             </a:fld>
             <a:endParaRPr lang="en-US"/>
           </a:p>
@@ -4028,7 +4028,7 @@
           <a:p>
             <a:r>
               <a:rPr lang="en-US"/>
-              <a:t>© 2023, FLLTutorials.com. Last edit 5/29/2023</a:t>
+              <a:t>© 2023, FLLTutorials.com. Last edit 8/06/2024</a:t>
             </a:r>
           </a:p>
         </p:txBody>
@@ -4109,9 +4109,9 @@
           <a:bodyPr/>
           <a:lstStyle/>
           <a:p>
-            <a:fld id="{060A4685-BC1A-7741-B2A3-DD76FD870FED}" type="datetime1">
+            <a:fld id="{FE6EC813-4A3B-5148-A151-BD3A3E051A85}" type="datetime1">
               <a:rPr lang="en-US" smtClean="0"/>
-              <a:t>8/4/23</a:t>
+              <a:t>8/5/24</a:t>
             </a:fld>
             <a:endParaRPr lang="en-US"/>
           </a:p>
@@ -4134,7 +4134,7 @@
           <a:p>
             <a:r>
               <a:rPr lang="en-US"/>
-              <a:t>© 2023, FLLTutorials.com. Last edit 5/29/2023</a:t>
+              <a:t>© 2023, FLLTutorials.com. Last edit 8/06/2024</a:t>
             </a:r>
           </a:p>
         </p:txBody>
@@ -4367,9 +4367,9 @@
           <a:bodyPr/>
           <a:lstStyle/>
           <a:p>
-            <a:fld id="{EF05606B-4BC4-5D42-B904-52E77F56AE3A}" type="datetime1">
+            <a:fld id="{3CACC854-0F18-C341-8B8C-277959CF8DC2}" type="datetime1">
               <a:rPr lang="en-US" smtClean="0"/>
-              <a:t>8/4/23</a:t>
+              <a:t>8/5/24</a:t>
             </a:fld>
             <a:endParaRPr lang="en-US"/>
           </a:p>
@@ -4392,7 +4392,7 @@
           <a:p>
             <a:r>
               <a:rPr lang="en-US"/>
-              <a:t>© 2023, FLLTutorials.com. Last edit 5/29/2023</a:t>
+              <a:t>© 2023, FLLTutorials.com. Last edit 8/06/2024</a:t>
             </a:r>
           </a:p>
         </p:txBody>
@@ -4579,9 +4579,9 @@
           <a:bodyPr/>
           <a:lstStyle/>
           <a:p>
-            <a:fld id="{002AEDC6-3DCA-2D4E-922B-919CBC5768B0}" type="datetime1">
+            <a:fld id="{6044D415-26F8-D146-9866-B3921799D4D6}" type="datetime1">
               <a:rPr lang="en-US" smtClean="0"/>
-              <a:t>8/4/23</a:t>
+              <a:t>8/5/24</a:t>
             </a:fld>
             <a:endParaRPr lang="en-US"/>
           </a:p>
@@ -4604,7 +4604,7 @@
           <a:p>
             <a:r>
               <a:rPr lang="en-US"/>
-              <a:t>© 2023, FLLTutorials.com. Last edit 5/29/2023</a:t>
+              <a:t>© 2023, FLLTutorials.com. Last edit 8/06/2024</a:t>
             </a:r>
           </a:p>
         </p:txBody>
@@ -4862,9 +4862,9 @@
           <a:bodyPr/>
           <a:lstStyle/>
           <a:p>
-            <a:fld id="{A6983283-A777-DE46-B315-0741F4B5BC55}" type="datetime1">
+            <a:fld id="{05E206BE-09A3-C541-8F49-48A1040C4210}" type="datetime1">
               <a:rPr lang="en-US" smtClean="0"/>
-              <a:t>8/4/23</a:t>
+              <a:t>8/5/24</a:t>
             </a:fld>
             <a:endParaRPr lang="en-US"/>
           </a:p>
@@ -4887,7 +4887,7 @@
           <a:p>
             <a:r>
               <a:rPr lang="en-US"/>
-              <a:t>© 2023, FLLTutorials.com. Last edit 5/29/2023</a:t>
+              <a:t>© 2023, FLLTutorials.com. Last edit 8/06/2024</a:t>
             </a:r>
           </a:p>
         </p:txBody>
@@ -5129,9 +5129,9 @@
           <a:bodyPr/>
           <a:lstStyle/>
           <a:p>
-            <a:fld id="{192064F9-8352-3740-883B-86170CD56BAB}" type="datetime1">
+            <a:fld id="{956F3937-1508-AA44-8009-3F951AE9427F}" type="datetime1">
               <a:rPr lang="en-US" smtClean="0"/>
-              <a:t>8/4/23</a:t>
+              <a:t>8/5/24</a:t>
             </a:fld>
             <a:endParaRPr lang="en-US"/>
           </a:p>
@@ -5154,7 +5154,7 @@
           <a:p>
             <a:r>
               <a:rPr lang="en-US"/>
-              <a:t>© 2023, FLLTutorials.com. Last edit 5/29/2023</a:t>
+              <a:t>© 2023, FLLTutorials.com. Last edit 8/06/2024</a:t>
             </a:r>
           </a:p>
         </p:txBody>
@@ -5318,9 +5318,9 @@
           <a:bodyPr/>
           <a:lstStyle/>
           <a:p>
-            <a:fld id="{3BE07684-9227-B74A-A49B-969C7EA21A2A}" type="datetime1">
+            <a:fld id="{CD0D574C-2C17-3E40-89E3-746B2749FE89}" type="datetime1">
               <a:rPr lang="en-US" smtClean="0"/>
-              <a:t>8/4/23</a:t>
+              <a:t>8/5/24</a:t>
             </a:fld>
             <a:endParaRPr lang="en-US"/>
           </a:p>
@@ -5343,7 +5343,7 @@
           <a:p>
             <a:r>
               <a:rPr lang="en-US"/>
-              <a:t>© 2023, FLLTutorials.com. Last edit 5/29/2023</a:t>
+              <a:t>© 2023, FLLTutorials.com. Last edit 8/06/2024</a:t>
             </a:r>
           </a:p>
         </p:txBody>
@@ -5519,9 +5519,9 @@
           <a:bodyPr/>
           <a:lstStyle/>
           <a:p>
-            <a:fld id="{72150258-FECB-AB47-B27E-0438EBB8623E}" type="datetime1">
+            <a:fld id="{6D27851A-7143-C444-8587-D3F43B17BC89}" type="datetime1">
               <a:rPr lang="en-US" smtClean="0"/>
-              <a:t>8/4/23</a:t>
+              <a:t>8/5/24</a:t>
             </a:fld>
             <a:endParaRPr lang="en-US"/>
           </a:p>
@@ -5544,7 +5544,7 @@
           <a:p>
             <a:r>
               <a:rPr lang="en-US"/>
-              <a:t>© 2023, FLLTutorials.com. Last edit 5/29/2023</a:t>
+              <a:t>© 2023, FLLTutorials.com. Last edit 8/06/2024</a:t>
             </a:r>
           </a:p>
         </p:txBody>
@@ -5690,9 +5690,9 @@
           <a:bodyPr/>
           <a:lstStyle/>
           <a:p>
-            <a:fld id="{DFF5D875-7429-BB43-B488-E3737DFB5A60}" type="datetime1">
+            <a:fld id="{AFDD293D-FD0B-1343-8410-32DC37EBFE4A}" type="datetime1">
               <a:rPr lang="en-US" smtClean="0"/>
-              <a:t>8/4/23</a:t>
+              <a:t>8/5/24</a:t>
             </a:fld>
             <a:endParaRPr lang="en-US"/>
           </a:p>
@@ -5715,7 +5715,7 @@
           <a:p>
             <a:r>
               <a:rPr lang="en-US"/>
-              <a:t>© 2023, FLLTutorials.com. Last edit 5/29/2023</a:t>
+              <a:t>© 2023, FLLTutorials.com. Last edit 8/06/2024</a:t>
             </a:r>
           </a:p>
         </p:txBody>
@@ -5938,9 +5938,9 @@
           <a:bodyPr/>
           <a:lstStyle/>
           <a:p>
-            <a:fld id="{FF0F12D5-D1B9-184B-82CF-500CB724D52A}" type="datetime1">
+            <a:fld id="{7DF83C54-37CE-D74B-98C2-535692AFD55A}" type="datetime1">
               <a:rPr lang="en-US" smtClean="0"/>
-              <a:t>8/4/23</a:t>
+              <a:t>8/5/24</a:t>
             </a:fld>
             <a:endParaRPr lang="en-US"/>
           </a:p>
@@ -5963,7 +5963,7 @@
           <a:p>
             <a:r>
               <a:rPr lang="en-US"/>
-              <a:t>© 2023, FLLTutorials.com. Last edit 5/29/2023</a:t>
+              <a:t>© 2023, FLLTutorials.com. Last edit 8/06/2024</a:t>
             </a:r>
           </a:p>
         </p:txBody>
@@ -6170,9 +6170,9 @@
           <a:bodyPr/>
           <a:lstStyle/>
           <a:p>
-            <a:fld id="{19FB744B-C965-AF4E-8345-44C6D15CD3DC}" type="datetime1">
+            <a:fld id="{0839CF86-B00F-784C-A6B3-F21D3415CE13}" type="datetime1">
               <a:rPr lang="en-US" smtClean="0"/>
-              <a:t>8/4/23</a:t>
+              <a:t>8/5/24</a:t>
             </a:fld>
             <a:endParaRPr lang="en-US"/>
           </a:p>
@@ -6195,7 +6195,7 @@
           <a:p>
             <a:r>
               <a:rPr lang="en-US"/>
-              <a:t>© 2023, FLLTutorials.com. Last edit 5/29/2023</a:t>
+              <a:t>© 2023, FLLTutorials.com. Last edit 8/06/2024</a:t>
             </a:r>
           </a:p>
         </p:txBody>
@@ -6537,9 +6537,9 @@
           <a:bodyPr/>
           <a:lstStyle/>
           <a:p>
-            <a:fld id="{0EF151DA-0F21-FB44-B8D6-FAD7DD250FF0}" type="datetime1">
+            <a:fld id="{DC88AB5C-ACF2-8045-893B-40DD55B7DE1E}" type="datetime1">
               <a:rPr lang="en-US" smtClean="0"/>
-              <a:t>8/4/23</a:t>
+              <a:t>8/5/24</a:t>
             </a:fld>
             <a:endParaRPr lang="en-US"/>
           </a:p>
@@ -6562,7 +6562,7 @@
           <a:p>
             <a:r>
               <a:rPr lang="en-US"/>
-              <a:t>© 2023, FLLTutorials.com. Last edit 5/29/2023</a:t>
+              <a:t>© 2023, FLLTutorials.com. Last edit 8/06/2024</a:t>
             </a:r>
           </a:p>
         </p:txBody>
@@ -6657,9 +6657,9 @@
           <a:bodyPr/>
           <a:lstStyle/>
           <a:p>
-            <a:fld id="{06E2383E-1BBE-2348-BE82-969E0FB77CF1}" type="datetime1">
+            <a:fld id="{0DDD5783-D037-F744-915E-903553B69311}" type="datetime1">
               <a:rPr lang="en-US" smtClean="0"/>
-              <a:t>8/4/23</a:t>
+              <a:t>8/5/24</a:t>
             </a:fld>
             <a:endParaRPr lang="en-US"/>
           </a:p>
@@ -6682,7 +6682,7 @@
           <a:p>
             <a:r>
               <a:rPr lang="en-US"/>
-              <a:t>© 2023, FLLTutorials.com. Last edit 5/29/2023</a:t>
+              <a:t>© 2023, FLLTutorials.com. Last edit 8/06/2024</a:t>
             </a:r>
           </a:p>
         </p:txBody>
@@ -6755,9 +6755,9 @@
           <a:bodyPr/>
           <a:lstStyle/>
           <a:p>
-            <a:fld id="{6D3215D6-CDC5-394A-9022-00D2B0A83AA5}" type="datetime1">
+            <a:fld id="{223750E1-002B-3844-8371-9716B71E69A3}" type="datetime1">
               <a:rPr lang="en-US" smtClean="0"/>
-              <a:t>8/4/23</a:t>
+              <a:t>8/5/24</a:t>
             </a:fld>
             <a:endParaRPr lang="en-US"/>
           </a:p>
@@ -6780,7 +6780,7 @@
           <a:p>
             <a:r>
               <a:rPr lang="en-US"/>
-              <a:t>© 2023, FLLTutorials.com. Last edit 5/29/2023</a:t>
+              <a:t>© 2023, FLLTutorials.com. Last edit 8/06/2024</a:t>
             </a:r>
           </a:p>
         </p:txBody>
@@ -7012,9 +7012,9 @@
           <a:bodyPr/>
           <a:lstStyle/>
           <a:p>
-            <a:fld id="{A3F12F63-2B78-8641-B94E-8B50B2295968}" type="datetime1">
+            <a:fld id="{69862CD6-2288-0248-9671-BEDA912E035E}" type="datetime1">
               <a:rPr lang="en-US" smtClean="0"/>
-              <a:t>8/4/23</a:t>
+              <a:t>8/5/24</a:t>
             </a:fld>
             <a:endParaRPr lang="en-US"/>
           </a:p>
@@ -7060,7 +7060,7 @@
           <a:p>
             <a:r>
               <a:rPr lang="en-US"/>
-              <a:t>© 2023, FLLTutorials.com. Last edit 5/29/2023</a:t>
+              <a:t>© 2023, FLLTutorials.com. Last edit 8/06/2024</a:t>
             </a:r>
           </a:p>
         </p:txBody>
@@ -7290,9 +7290,9 @@
           <a:bodyPr/>
           <a:lstStyle/>
           <a:p>
-            <a:fld id="{36B374E6-44FC-F04A-8531-19B4C0A68146}" type="datetime1">
+            <a:fld id="{82B29C6F-B5B8-1F4D-B93C-057B3813070C}" type="datetime1">
               <a:rPr lang="en-US" smtClean="0"/>
-              <a:t>8/4/23</a:t>
+              <a:t>8/5/24</a:t>
             </a:fld>
             <a:endParaRPr lang="en-US"/>
           </a:p>
@@ -7315,7 +7315,7 @@
           <a:p>
             <a:r>
               <a:rPr lang="en-US"/>
-              <a:t>© 2023, FLLTutorials.com. Last edit 5/29/2023</a:t>
+              <a:t>© 2023, FLLTutorials.com. Last edit 8/06/2024</a:t>
             </a:r>
           </a:p>
         </p:txBody>
@@ -7548,9 +7548,9 @@
           <a:bodyPr/>
           <a:lstStyle/>
           <a:p>
-            <a:fld id="{6E817889-6476-254A-9DD4-AC39F309BA62}" type="datetime1">
+            <a:fld id="{E44C24E2-A2B2-8747-A15E-44793612B5CD}" type="datetime1">
               <a:rPr lang="en-US" smtClean="0"/>
-              <a:t>8/4/23</a:t>
+              <a:t>8/5/24</a:t>
             </a:fld>
             <a:endParaRPr lang="en-US"/>
           </a:p>
@@ -7573,7 +7573,7 @@
           <a:p>
             <a:r>
               <a:rPr lang="en-US"/>
-              <a:t>© 2023, FLLTutorials.com. Last edit 5/29/2023</a:t>
+              <a:t>© 2023, FLLTutorials.com. Last edit 8/06/2024</a:t>
             </a:r>
           </a:p>
         </p:txBody>
@@ -7719,9 +7719,9 @@
           <a:bodyPr/>
           <a:lstStyle/>
           <a:p>
-            <a:fld id="{BCECD84C-25A7-6A41-A9A1-F9718E21818E}" type="datetime1">
+            <a:fld id="{C8636206-450F-CE49-9E04-6756EC129E7E}" type="datetime1">
               <a:rPr lang="en-US" smtClean="0"/>
-              <a:t>8/4/23</a:t>
+              <a:t>8/5/24</a:t>
             </a:fld>
             <a:endParaRPr lang="en-US"/>
           </a:p>
@@ -7744,7 +7744,7 @@
           <a:p>
             <a:r>
               <a:rPr lang="en-US"/>
-              <a:t>© 2023, FLLTutorials.com. Last edit 5/29/2023</a:t>
+              <a:t>© 2023, FLLTutorials.com. Last edit 8/06/2024</a:t>
             </a:r>
           </a:p>
         </p:txBody>
@@ -7900,9 +7900,9 @@
           <a:bodyPr/>
           <a:lstStyle/>
           <a:p>
-            <a:fld id="{5D2A8294-81D7-F147-BCAA-E05F560EEF4F}" type="datetime1">
+            <a:fld id="{1731A85A-268D-4E48-943A-462DD7ADDC50}" type="datetime1">
               <a:rPr lang="en-US" smtClean="0"/>
-              <a:t>8/4/23</a:t>
+              <a:t>8/5/24</a:t>
             </a:fld>
             <a:endParaRPr lang="en-US"/>
           </a:p>
@@ -7925,7 +7925,7 @@
           <a:p>
             <a:r>
               <a:rPr lang="en-US"/>
-              <a:t>© 2023, FLLTutorials.com. Last edit 5/29/2023</a:t>
+              <a:t>© 2023, FLLTutorials.com. Last edit 8/06/2024</a:t>
             </a:r>
           </a:p>
         </p:txBody>
@@ -8157,9 +8157,9 @@
           <a:bodyPr/>
           <a:lstStyle/>
           <a:p>
-            <a:fld id="{A9D498A3-3DC0-5244-BD3A-A0DD5E5187B5}" type="datetime1">
+            <a:fld id="{A9E18D06-C8FB-F34F-8B2B-266552200FBE}" type="datetime1">
               <a:rPr lang="en-US" smtClean="0"/>
-              <a:t>8/4/23</a:t>
+              <a:t>8/5/24</a:t>
             </a:fld>
             <a:endParaRPr lang="en-US"/>
           </a:p>
@@ -8182,7 +8182,7 @@
           <a:p>
             <a:r>
               <a:rPr lang="en-US"/>
-              <a:t>© 2023, FLLTutorials.com. Last edit 5/29/2023</a:t>
+              <a:t>© 2023, FLLTutorials.com. Last edit 8/06/2024</a:t>
             </a:r>
           </a:p>
         </p:txBody>
@@ -9181,9 +9181,9 @@
           <a:bodyPr/>
           <a:lstStyle/>
           <a:p>
-            <a:fld id="{31E61E44-1111-1B4B-9D45-4AC00C4D46C8}" type="datetime1">
+            <a:fld id="{38520178-7157-5842-B3A4-4C201137D249}" type="datetime1">
               <a:rPr lang="en-US" smtClean="0"/>
-              <a:t>8/4/23</a:t>
+              <a:t>8/5/24</a:t>
             </a:fld>
             <a:endParaRPr lang="en-US"/>
           </a:p>
@@ -9206,7 +9206,7 @@
           <a:p>
             <a:r>
               <a:rPr lang="en-US"/>
-              <a:t>© 2023, FLLTutorials.com. Last edit 5/29/2023</a:t>
+              <a:t>© 2023, FLLTutorials.com. Last edit 8/06/2024</a:t>
             </a:r>
           </a:p>
         </p:txBody>
@@ -9443,9 +9443,9 @@
           <a:bodyPr/>
           <a:lstStyle/>
           <a:p>
-            <a:fld id="{02857960-6F1D-B643-9101-EFE44209D70E}" type="datetime1">
+            <a:fld id="{7E7CA9A0-4B8F-F041-AF26-EF4DCBDA197D}" type="datetime1">
               <a:rPr lang="en-US" smtClean="0"/>
-              <a:t>8/4/23</a:t>
+              <a:t>8/5/24</a:t>
             </a:fld>
             <a:endParaRPr lang="en-US"/>
           </a:p>
@@ -9491,7 +9491,7 @@
           <a:p>
             <a:r>
               <a:rPr lang="en-US"/>
-              <a:t>© 2023, FLLTutorials.com. Last edit 5/29/2023</a:t>
+              <a:t>© 2023, FLLTutorials.com. Last edit 8/06/2024</a:t>
             </a:r>
           </a:p>
         </p:txBody>
@@ -9738,9 +9738,9 @@
           <a:bodyPr/>
           <a:lstStyle/>
           <a:p>
-            <a:fld id="{3334C97F-9B37-EA45-BF7B-43A90EC29BDF}" type="datetime1">
+            <a:fld id="{1045FE28-F92B-6741-AD86-00F89243212F}" type="datetime1">
               <a:rPr lang="en-US" smtClean="0"/>
-              <a:t>8/4/23</a:t>
+              <a:t>8/5/24</a:t>
             </a:fld>
             <a:endParaRPr lang="en-US"/>
           </a:p>
@@ -9763,7 +9763,7 @@
           <a:p>
             <a:r>
               <a:rPr lang="en-US"/>
-              <a:t>© 2023, FLLTutorials.com. Last edit 5/29/2023</a:t>
+              <a:t>© 2023, FLLTutorials.com. Last edit 8/06/2024</a:t>
             </a:r>
           </a:p>
         </p:txBody>
@@ -10184,9 +10184,9 @@
           <a:bodyPr/>
           <a:lstStyle/>
           <a:p>
-            <a:fld id="{324B4FD2-F218-2A4F-A1F8-A44B60E10DAF}" type="datetime1">
+            <a:fld id="{2283043D-5260-DF4F-8C56-1E3666DEFE5F}" type="datetime1">
               <a:rPr lang="en-US" smtClean="0"/>
-              <a:t>8/4/23</a:t>
+              <a:t>8/5/24</a:t>
             </a:fld>
             <a:endParaRPr lang="en-US"/>
           </a:p>
@@ -10209,7 +10209,7 @@
           <a:p>
             <a:r>
               <a:rPr lang="en-US"/>
-              <a:t>© 2023, FLLTutorials.com. Last edit 5/29/2023</a:t>
+              <a:t>© 2023, FLLTutorials.com. Last edit 8/06/2024</a:t>
             </a:r>
           </a:p>
         </p:txBody>
@@ -10304,9 +10304,9 @@
           <a:bodyPr/>
           <a:lstStyle/>
           <a:p>
-            <a:fld id="{5326F199-FC72-AB43-A107-2ED52BA19A2C}" type="datetime1">
+            <a:fld id="{7A6A8893-2DB9-B541-B786-DF3D6BA275E3}" type="datetime1">
               <a:rPr lang="en-US" smtClean="0"/>
-              <a:t>8/4/23</a:t>
+              <a:t>8/5/24</a:t>
             </a:fld>
             <a:endParaRPr lang="en-US"/>
           </a:p>
@@ -10329,7 +10329,7 @@
           <a:p>
             <a:r>
               <a:rPr lang="en-US"/>
-              <a:t>© 2023, FLLTutorials.com. Last edit 5/29/2023</a:t>
+              <a:t>© 2023, FLLTutorials.com. Last edit 8/06/2024</a:t>
             </a:r>
           </a:p>
         </p:txBody>
@@ -10598,9 +10598,9 @@
           <a:bodyPr/>
           <a:lstStyle/>
           <a:p>
-            <a:fld id="{3E38A3D9-08BE-D748-9D1E-68665718459B}" type="datetime1">
+            <a:fld id="{456D3E48-DBFF-F14E-9EEB-B715C9C4BA02}" type="datetime1">
               <a:rPr lang="en-US" smtClean="0"/>
-              <a:t>8/4/23</a:t>
+              <a:t>8/5/24</a:t>
             </a:fld>
             <a:endParaRPr lang="en-US"/>
           </a:p>
@@ -10623,7 +10623,7 @@
           <a:p>
             <a:r>
               <a:rPr lang="en-US"/>
-              <a:t>© 2023, FLLTutorials.com. Last edit 5/29/2023</a:t>
+              <a:t>© 2023, FLLTutorials.com. Last edit 8/06/2024</a:t>
             </a:r>
           </a:p>
         </p:txBody>
@@ -10696,9 +10696,9 @@
           <a:bodyPr/>
           <a:lstStyle/>
           <a:p>
-            <a:fld id="{4C77B6C6-24A6-5946-BF87-57005B0BDECC}" type="datetime1">
+            <a:fld id="{52FD8EE9-01BD-0F4F-9E55-7C22A1D75B15}" type="datetime1">
               <a:rPr lang="en-US" smtClean="0"/>
-              <a:t>8/4/23</a:t>
+              <a:t>8/5/24</a:t>
             </a:fld>
             <a:endParaRPr lang="en-US"/>
           </a:p>
@@ -10721,7 +10721,7 @@
           <a:p>
             <a:r>
               <a:rPr lang="en-US"/>
-              <a:t>© 2023, FLLTutorials.com. Last edit 5/29/2023</a:t>
+              <a:t>© 2023, FLLTutorials.com. Last edit 8/06/2024</a:t>
             </a:r>
           </a:p>
         </p:txBody>
@@ -10946,9 +10946,9 @@
           <a:bodyPr/>
           <a:lstStyle/>
           <a:p>
-            <a:fld id="{2266FC2B-1610-A243-8734-46B311A34110}" type="datetime1">
+            <a:fld id="{71021486-41FD-2E40-833D-C8D3F8D4E984}" type="datetime1">
               <a:rPr lang="en-US" smtClean="0"/>
-              <a:t>8/4/23</a:t>
+              <a:t>8/5/24</a:t>
             </a:fld>
             <a:endParaRPr lang="en-US"/>
           </a:p>
@@ -10971,7 +10971,7 @@
           <a:p>
             <a:r>
               <a:rPr lang="en-US"/>
-              <a:t>© 2023, FLLTutorials.com. Last edit 5/29/2023</a:t>
+              <a:t>© 2023, FLLTutorials.com. Last edit 8/06/2024</a:t>
             </a:r>
           </a:p>
         </p:txBody>
@@ -11246,9 +11246,9 @@
           <a:bodyPr/>
           <a:lstStyle/>
           <a:p>
-            <a:fld id="{6C4051FC-F5D3-A945-96FC-EE6363CA735C}" type="datetime1">
+            <a:fld id="{EFF108F3-4400-3545-BF58-A5F4498FF228}" type="datetime1">
               <a:rPr lang="en-US" smtClean="0"/>
-              <a:t>8/4/23</a:t>
+              <a:t>8/5/24</a:t>
             </a:fld>
             <a:endParaRPr lang="en-US"/>
           </a:p>
@@ -11271,7 +11271,7 @@
           <a:p>
             <a:r>
               <a:rPr lang="en-US"/>
-              <a:t>© 2023, FLLTutorials.com. Last edit 5/29/2023</a:t>
+              <a:t>© 2023, FLLTutorials.com. Last edit 8/06/2024</a:t>
             </a:r>
           </a:p>
         </p:txBody>
@@ -11505,9 +11505,9 @@
           <a:bodyPr/>
           <a:lstStyle/>
           <a:p>
-            <a:fld id="{81E7EB29-D403-2A45-A5FB-D8B528308C77}" type="datetime1">
+            <a:fld id="{05E78524-749C-D94A-BB32-6787217AC278}" type="datetime1">
               <a:rPr lang="en-US" smtClean="0"/>
-              <a:t>8/4/23</a:t>
+              <a:t>8/5/24</a:t>
             </a:fld>
             <a:endParaRPr lang="en-US"/>
           </a:p>
@@ -11530,7 +11530,7 @@
           <a:p>
             <a:r>
               <a:rPr lang="en-US"/>
-              <a:t>© 2023, FLLTutorials.com. Last edit 5/29/2023</a:t>
+              <a:t>© 2023, FLLTutorials.com. Last edit 8/06/2024</a:t>
             </a:r>
           </a:p>
         </p:txBody>
@@ -11686,9 +11686,9 @@
           <a:bodyPr/>
           <a:lstStyle/>
           <a:p>
-            <a:fld id="{8CEE4914-5820-F543-9CEB-5AFE29314B5A}" type="datetime1">
+            <a:fld id="{864C575E-E047-0E42-B702-CCB8A50615E4}" type="datetime1">
               <a:rPr lang="en-US" smtClean="0"/>
-              <a:t>8/4/23</a:t>
+              <a:t>8/5/24</a:t>
             </a:fld>
             <a:endParaRPr lang="en-US"/>
           </a:p>
@@ -11711,7 +11711,7 @@
           <a:p>
             <a:r>
               <a:rPr lang="en-US"/>
-              <a:t>© 2023, FLLTutorials.com. Last edit 5/29/2023</a:t>
+              <a:t>© 2023, FLLTutorials.com. Last edit 8/06/2024</a:t>
             </a:r>
           </a:p>
         </p:txBody>
@@ -11902,9 +11902,9 @@
           <a:bodyPr/>
           <a:lstStyle/>
           <a:p>
-            <a:fld id="{16A494D2-11FB-3F47-ADA0-A20DBEC12F63}" type="datetime1">
+            <a:fld id="{F87FDF8B-7519-D24E-9225-E9FB1881CB38}" type="datetime1">
               <a:rPr lang="en-US" smtClean="0"/>
-              <a:t>8/4/23</a:t>
+              <a:t>8/5/24</a:t>
             </a:fld>
             <a:endParaRPr lang="en-US"/>
           </a:p>
@@ -11932,7 +11932,7 @@
           <a:p>
             <a:r>
               <a:rPr lang="en-US"/>
-              <a:t>© 2023, FLLTutorials.com. Last edit 5/29/2023</a:t>
+              <a:t>© 2023, FLLTutorials.com. Last edit 8/06/2024</a:t>
             </a:r>
           </a:p>
         </p:txBody>
@@ -13158,9 +13158,9 @@
           <a:bodyPr/>
           <a:lstStyle/>
           <a:p>
-            <a:fld id="{0666F8B8-E343-1145-A619-C725947F71B3}" type="datetime1">
+            <a:fld id="{16E9E69A-671C-FE44-A5DB-B49AC42913FB}" type="datetime1">
               <a:rPr lang="en-US" smtClean="0"/>
-              <a:t>8/4/23</a:t>
+              <a:t>8/5/24</a:t>
             </a:fld>
             <a:endParaRPr lang="en-US"/>
           </a:p>
@@ -13183,7 +13183,7 @@
           <a:p>
             <a:r>
               <a:rPr lang="en-US"/>
-              <a:t>© 2023, FLLTutorials.com. Last edit 5/29/2023</a:t>
+              <a:t>© 2023, FLLTutorials.com. Last edit 8/06/2024</a:t>
             </a:r>
           </a:p>
         </p:txBody>
@@ -13423,9 +13423,9 @@
           <a:bodyPr/>
           <a:lstStyle/>
           <a:p>
-            <a:fld id="{25308BD8-A779-2945-8B0A-F039F412BCD1}" type="datetime1">
+            <a:fld id="{AD52F258-6326-514E-8839-F248CC3CCB9A}" type="datetime1">
               <a:rPr lang="en-US" smtClean="0"/>
-              <a:t>8/4/23</a:t>
+              <a:t>8/5/24</a:t>
             </a:fld>
             <a:endParaRPr lang="en-US"/>
           </a:p>
@@ -13479,7 +13479,7 @@
           <a:p>
             <a:r>
               <a:rPr lang="en-US"/>
-              <a:t>© 2023, FLLTutorials.com. Last edit 5/29/2023</a:t>
+              <a:t>© 2023, FLLTutorials.com. Last edit 8/06/2024</a:t>
             </a:r>
           </a:p>
         </p:txBody>
@@ -13726,9 +13726,9 @@
           <a:bodyPr/>
           <a:lstStyle/>
           <a:p>
-            <a:fld id="{70D813E0-55C5-C442-9076-C5C105ADB279}" type="datetime1">
+            <a:fld id="{FE5D1B61-3B0B-D14A-8566-219C0374867F}" type="datetime1">
               <a:rPr lang="en-US" smtClean="0"/>
-              <a:t>8/4/23</a:t>
+              <a:t>8/5/24</a:t>
             </a:fld>
             <a:endParaRPr lang="en-US"/>
           </a:p>
@@ -13751,7 +13751,7 @@
           <a:p>
             <a:r>
               <a:rPr lang="en-US"/>
-              <a:t>© 2023, FLLTutorials.com. Last edit 5/29/2023</a:t>
+              <a:t>© 2023, FLLTutorials.com. Last edit 8/06/2024</a:t>
             </a:r>
           </a:p>
         </p:txBody>
@@ -14180,9 +14180,9 @@
           <a:bodyPr/>
           <a:lstStyle/>
           <a:p>
-            <a:fld id="{49A4E955-AEDE-2241-9876-C1FA3DFAE0EC}" type="datetime1">
+            <a:fld id="{222EB283-18EA-2F49-8387-708C94B63267}" type="datetime1">
               <a:rPr lang="en-US" smtClean="0"/>
-              <a:t>8/4/23</a:t>
+              <a:t>8/5/24</a:t>
             </a:fld>
             <a:endParaRPr lang="en-US"/>
           </a:p>
@@ -14205,7 +14205,7 @@
           <a:p>
             <a:r>
               <a:rPr lang="en-US"/>
-              <a:t>© 2023, FLLTutorials.com. Last edit 5/29/2023</a:t>
+              <a:t>© 2023, FLLTutorials.com. Last edit 8/06/2024</a:t>
             </a:r>
           </a:p>
         </p:txBody>
@@ -14634,9 +14634,9 @@
           <a:bodyPr/>
           <a:lstStyle/>
           <a:p>
-            <a:fld id="{109E15CC-DAFA-0F4A-8C45-74FC16B80795}" type="datetime1">
+            <a:fld id="{D4689424-C70D-5040-A41C-CC9233F18011}" type="datetime1">
               <a:rPr lang="en-US" smtClean="0"/>
-              <a:t>8/4/23</a:t>
+              <a:t>8/5/24</a:t>
             </a:fld>
             <a:endParaRPr lang="en-US"/>
           </a:p>
@@ -14659,7 +14659,7 @@
           <a:p>
             <a:r>
               <a:rPr lang="en-US"/>
-              <a:t>© 2023, FLLTutorials.com. Last edit 5/29/2023</a:t>
+              <a:t>© 2023, FLLTutorials.com. Last edit 8/06/2024</a:t>
             </a:r>
           </a:p>
         </p:txBody>
@@ -14754,9 +14754,9 @@
           <a:bodyPr/>
           <a:lstStyle/>
           <a:p>
-            <a:fld id="{7CDEBED3-152B-9040-9A0E-2FB5E21846D2}" type="datetime1">
+            <a:fld id="{91BC1770-8AFA-DF46-A185-F3DB3DA2DF9B}" type="datetime1">
               <a:rPr lang="en-US" smtClean="0"/>
-              <a:t>8/4/23</a:t>
+              <a:t>8/5/24</a:t>
             </a:fld>
             <a:endParaRPr lang="en-US"/>
           </a:p>
@@ -14779,7 +14779,7 @@
           <a:p>
             <a:r>
               <a:rPr lang="en-US"/>
-              <a:t>© 2023, FLLTutorials.com. Last edit 5/29/2023</a:t>
+              <a:t>© 2023, FLLTutorials.com. Last edit 8/06/2024</a:t>
             </a:r>
           </a:p>
         </p:txBody>
@@ -14860,9 +14860,9 @@
           <a:bodyPr/>
           <a:lstStyle/>
           <a:p>
-            <a:fld id="{04CDA667-6BDD-9145-9DA5-EFF5805ED8F5}" type="datetime1">
+            <a:fld id="{091BB916-8C53-064C-A913-5C44CF8CE8FF}" type="datetime1">
               <a:rPr lang="en-US" smtClean="0"/>
-              <a:t>8/4/23</a:t>
+              <a:t>8/5/24</a:t>
             </a:fld>
             <a:endParaRPr lang="en-US"/>
           </a:p>
@@ -14885,7 +14885,7 @@
           <a:p>
             <a:r>
               <a:rPr lang="en-US"/>
-              <a:t>© 2023, FLLTutorials.com. Last edit 5/29/2023</a:t>
+              <a:t>© 2023, FLLTutorials.com. Last edit 8/06/2024</a:t>
             </a:r>
           </a:p>
         </p:txBody>
@@ -15118,9 +15118,9 @@
           <a:bodyPr/>
           <a:lstStyle/>
           <a:p>
-            <a:fld id="{8284682B-C0CC-3C46-AD9C-424BC3C57F9E}" type="datetime1">
+            <a:fld id="{C1491FCC-743A-484B-B96D-D61C453D27AB}" type="datetime1">
               <a:rPr lang="en-US" smtClean="0"/>
-              <a:t>8/4/23</a:t>
+              <a:t>8/5/24</a:t>
             </a:fld>
             <a:endParaRPr lang="en-US"/>
           </a:p>
@@ -15143,7 +15143,7 @@
           <a:p>
             <a:r>
               <a:rPr lang="en-US"/>
-              <a:t>© 2023, FLLTutorials.com. Last edit 5/29/2023</a:t>
+              <a:t>© 2023, FLLTutorials.com. Last edit 8/06/2024</a:t>
             </a:r>
           </a:p>
         </p:txBody>
@@ -15426,9 +15426,9 @@
           <a:bodyPr/>
           <a:lstStyle/>
           <a:p>
-            <a:fld id="{E0C6764A-CB64-0845-AF5A-A8DD4F9AB271}" type="datetime1">
+            <a:fld id="{C5B3C1E1-94DD-8D48-BF58-58F50D9E7989}" type="datetime1">
               <a:rPr lang="en-US" smtClean="0"/>
-              <a:t>8/4/23</a:t>
+              <a:t>8/5/24</a:t>
             </a:fld>
             <a:endParaRPr lang="en-US"/>
           </a:p>
@@ -15451,7 +15451,7 @@
           <a:p>
             <a:r>
               <a:rPr lang="en-US"/>
-              <a:t>© 2023, FLLTutorials.com. Last edit 5/29/2023</a:t>
+              <a:t>© 2023, FLLTutorials.com. Last edit 8/06/2024</a:t>
             </a:r>
           </a:p>
         </p:txBody>
@@ -15693,9 +15693,9 @@
           <a:bodyPr/>
           <a:lstStyle/>
           <a:p>
-            <a:fld id="{A501DD70-6416-6542-B01C-13AD85AA25B2}" type="datetime1">
+            <a:fld id="{B92C8DAF-2FD3-C144-8411-99F347B9766E}" type="datetime1">
               <a:rPr lang="en-US" smtClean="0"/>
-              <a:t>8/4/23</a:t>
+              <a:t>8/5/24</a:t>
             </a:fld>
             <a:endParaRPr lang="en-US"/>
           </a:p>
@@ -15718,7 +15718,7 @@
           <a:p>
             <a:r>
               <a:rPr lang="en-US"/>
-              <a:t>© 2023, FLLTutorials.com. Last edit 5/29/2023</a:t>
+              <a:t>© 2023, FLLTutorials.com. Last edit 8/06/2024</a:t>
             </a:r>
           </a:p>
         </p:txBody>
@@ -15882,9 +15882,9 @@
           <a:bodyPr/>
           <a:lstStyle/>
           <a:p>
-            <a:fld id="{8C9ACAB7-768E-4E48-9864-FC0C655C6C88}" type="datetime1">
+            <a:fld id="{07291ED0-0FBF-514B-BFE3-607CFC9AF1AF}" type="datetime1">
               <a:rPr lang="en-US" smtClean="0"/>
-              <a:t>8/4/23</a:t>
+              <a:t>8/5/24</a:t>
             </a:fld>
             <a:endParaRPr lang="en-US"/>
           </a:p>
@@ -15907,7 +15907,7 @@
           <a:p>
             <a:r>
               <a:rPr lang="en-US"/>
-              <a:t>© 2023, FLLTutorials.com. Last edit 5/29/2023</a:t>
+              <a:t>© 2023, FLLTutorials.com. Last edit 8/06/2024</a:t>
             </a:r>
           </a:p>
         </p:txBody>
@@ -16083,9 +16083,9 @@
           <a:bodyPr/>
           <a:lstStyle/>
           <a:p>
-            <a:fld id="{0E1DEFFA-C664-7347-9780-50DD28933850}" type="datetime1">
+            <a:fld id="{FB79D395-D5B5-884C-A6B1-93B8DF552E13}" type="datetime1">
               <a:rPr lang="en-US" smtClean="0"/>
-              <a:t>8/4/23</a:t>
+              <a:t>8/5/24</a:t>
             </a:fld>
             <a:endParaRPr lang="en-US"/>
           </a:p>
@@ -16108,7 +16108,7 @@
           <a:p>
             <a:r>
               <a:rPr lang="en-US"/>
-              <a:t>© 2023, FLLTutorials.com. Last edit 5/29/2023</a:t>
+              <a:t>© 2023, FLLTutorials.com. Last edit 8/06/2024</a:t>
             </a:r>
           </a:p>
         </p:txBody>
@@ -16254,9 +16254,9 @@
           <a:bodyPr/>
           <a:lstStyle/>
           <a:p>
-            <a:fld id="{A023A9D8-A46D-1D46-8D26-004FF28F8F27}" type="datetime1">
+            <a:fld id="{7678F5D8-CF53-A243-8D2F-F0621414D533}" type="datetime1">
               <a:rPr lang="en-US" smtClean="0"/>
-              <a:t>8/4/23</a:t>
+              <a:t>8/5/24</a:t>
             </a:fld>
             <a:endParaRPr lang="en-US"/>
           </a:p>
@@ -16279,7 +16279,7 @@
           <a:p>
             <a:r>
               <a:rPr lang="en-US"/>
-              <a:t>© 2023, FLLTutorials.com. Last edit 5/29/2023</a:t>
+              <a:t>© 2023, FLLTutorials.com. Last edit 8/06/2024</a:t>
             </a:r>
           </a:p>
         </p:txBody>
@@ -16502,9 +16502,9 @@
           <a:bodyPr/>
           <a:lstStyle/>
           <a:p>
-            <a:fld id="{333B66C6-21B4-2949-A47D-9B72A0836489}" type="datetime1">
+            <a:fld id="{B984A79D-5068-784D-962E-74BFAB952645}" type="datetime1">
               <a:rPr lang="en-US" smtClean="0"/>
-              <a:t>8/4/23</a:t>
+              <a:t>8/5/24</a:t>
             </a:fld>
             <a:endParaRPr lang="en-US"/>
           </a:p>
@@ -16527,7 +16527,7 @@
           <a:p>
             <a:r>
               <a:rPr lang="en-US"/>
-              <a:t>© 2023, FLLTutorials.com. Last edit 5/29/2023</a:t>
+              <a:t>© 2023, FLLTutorials.com. Last edit 8/06/2024</a:t>
             </a:r>
           </a:p>
         </p:txBody>
@@ -16734,9 +16734,9 @@
           <a:bodyPr/>
           <a:lstStyle/>
           <a:p>
-            <a:fld id="{73993733-CD67-5247-9AC9-AB0AA23997B8}" type="datetime1">
+            <a:fld id="{BD7441FB-4B51-CD4C-BCA1-1922C2067BB8}" type="datetime1">
               <a:rPr lang="en-US" smtClean="0"/>
-              <a:t>8/4/23</a:t>
+              <a:t>8/5/24</a:t>
             </a:fld>
             <a:endParaRPr lang="en-US"/>
           </a:p>
@@ -16759,7 +16759,7 @@
           <a:p>
             <a:r>
               <a:rPr lang="en-US"/>
-              <a:t>© 2023, FLLTutorials.com. Last edit 5/29/2023</a:t>
+              <a:t>© 2023, FLLTutorials.com. Last edit 8/06/2024</a:t>
             </a:r>
           </a:p>
         </p:txBody>
@@ -16854,9 +16854,9 @@
           <a:bodyPr/>
           <a:lstStyle/>
           <a:p>
-            <a:fld id="{50065ED8-E132-5E43-AFE5-4D996BF2EB20}" type="datetime1">
+            <a:fld id="{B8BC56B0-66DE-0E42-8C6C-DD486BFF4B5C}" type="datetime1">
               <a:rPr lang="en-US" smtClean="0"/>
-              <a:t>8/4/23</a:t>
+              <a:t>8/5/24</a:t>
             </a:fld>
             <a:endParaRPr lang="en-US"/>
           </a:p>
@@ -16879,7 +16879,7 @@
           <a:p>
             <a:r>
               <a:rPr lang="en-US"/>
-              <a:t>© 2023, FLLTutorials.com. Last edit 5/29/2023</a:t>
+              <a:t>© 2023, FLLTutorials.com. Last edit 8/06/2024</a:t>
             </a:r>
           </a:p>
         </p:txBody>
@@ -17221,9 +17221,9 @@
           <a:bodyPr/>
           <a:lstStyle/>
           <a:p>
-            <a:fld id="{BDA41643-5DEE-524B-B627-8603FDBC692B}" type="datetime1">
+            <a:fld id="{9F571C87-E74A-EB4A-9F78-9764A4AB4C42}" type="datetime1">
               <a:rPr lang="en-US" smtClean="0"/>
-              <a:t>8/4/23</a:t>
+              <a:t>8/5/24</a:t>
             </a:fld>
             <a:endParaRPr lang="en-US"/>
           </a:p>
@@ -17246,7 +17246,7 @@
           <a:p>
             <a:r>
               <a:rPr lang="en-US"/>
-              <a:t>© 2023, FLLTutorials.com. Last edit 5/29/2023</a:t>
+              <a:t>© 2023, FLLTutorials.com. Last edit 8/06/2024</a:t>
             </a:r>
           </a:p>
         </p:txBody>
@@ -17341,9 +17341,9 @@
           <a:bodyPr/>
           <a:lstStyle/>
           <a:p>
-            <a:fld id="{085B3822-4A34-0846-96B3-71EF56549451}" type="datetime1">
+            <a:fld id="{23717298-5E80-F549-BF94-E9BBF27067CA}" type="datetime1">
               <a:rPr lang="en-US" smtClean="0"/>
-              <a:t>8/4/23</a:t>
+              <a:t>8/5/24</a:t>
             </a:fld>
             <a:endParaRPr lang="en-US"/>
           </a:p>
@@ -17366,7 +17366,7 @@
           <a:p>
             <a:r>
               <a:rPr lang="en-US"/>
-              <a:t>© 2023, FLLTutorials.com. Last edit 5/29/2023</a:t>
+              <a:t>© 2023, FLLTutorials.com. Last edit 8/06/2024</a:t>
             </a:r>
           </a:p>
         </p:txBody>
@@ -17439,9 +17439,9 @@
           <a:bodyPr/>
           <a:lstStyle/>
           <a:p>
-            <a:fld id="{FF14AF88-CCA3-0241-A75D-503296BF0812}" type="datetime1">
+            <a:fld id="{10B0BFB1-D535-F443-AE43-056EE0E90A37}" type="datetime1">
               <a:rPr lang="en-US" smtClean="0"/>
-              <a:t>8/4/23</a:t>
+              <a:t>8/5/24</a:t>
             </a:fld>
             <a:endParaRPr lang="en-US"/>
           </a:p>
@@ -17464,7 +17464,7 @@
           <a:p>
             <a:r>
               <a:rPr lang="en-US"/>
-              <a:t>© 2023, FLLTutorials.com. Last edit 5/29/2023</a:t>
+              <a:t>© 2023, FLLTutorials.com. Last edit 8/06/2024</a:t>
             </a:r>
           </a:p>
         </p:txBody>
@@ -17717,9 +17717,9 @@
           <a:bodyPr/>
           <a:lstStyle/>
           <a:p>
-            <a:fld id="{D3121F93-0F0C-4C48-B435-B39030CAABDB}" type="datetime1">
+            <a:fld id="{F2875FE6-3F4E-7C49-A121-9753553C3897}" type="datetime1">
               <a:rPr lang="en-US" smtClean="0"/>
-              <a:t>8/4/23</a:t>
+              <a:t>8/5/24</a:t>
             </a:fld>
             <a:endParaRPr lang="en-US"/>
           </a:p>
@@ -17742,7 +17742,7 @@
           <a:p>
             <a:r>
               <a:rPr lang="en-US"/>
-              <a:t>© 2023, FLLTutorials.com. Last edit 5/29/2023</a:t>
+              <a:t>© 2023, FLLTutorials.com. Last edit 8/06/2024</a:t>
             </a:r>
           </a:p>
         </p:txBody>
@@ -17975,9 +17975,9 @@
           <a:bodyPr/>
           <a:lstStyle/>
           <a:p>
-            <a:fld id="{45BF9357-1192-9140-B1AB-5C86178261B6}" type="datetime1">
+            <a:fld id="{2FE9E857-BF67-DA47-874B-50C3F8424C64}" type="datetime1">
               <a:rPr lang="en-US" smtClean="0"/>
-              <a:t>8/4/23</a:t>
+              <a:t>8/5/24</a:t>
             </a:fld>
             <a:endParaRPr lang="en-US"/>
           </a:p>
@@ -18000,7 +18000,7 @@
           <a:p>
             <a:r>
               <a:rPr lang="en-US"/>
-              <a:t>© 2023, FLLTutorials.com. Last edit 5/29/2023</a:t>
+              <a:t>© 2023, FLLTutorials.com. Last edit 8/06/2024</a:t>
             </a:r>
           </a:p>
         </p:txBody>
@@ -18146,9 +18146,9 @@
           <a:bodyPr/>
           <a:lstStyle/>
           <a:p>
-            <a:fld id="{9BE4F8DF-753D-6B4D-8C09-433141EEE626}" type="datetime1">
+            <a:fld id="{5E52B5E9-F5F4-8845-943A-5EED2DE83928}" type="datetime1">
               <a:rPr lang="en-US" smtClean="0"/>
-              <a:t>8/4/23</a:t>
+              <a:t>8/5/24</a:t>
             </a:fld>
             <a:endParaRPr lang="en-US"/>
           </a:p>
@@ -18171,7 +18171,7 @@
           <a:p>
             <a:r>
               <a:rPr lang="en-US"/>
-              <a:t>© 2023, FLLTutorials.com. Last edit 5/29/2023</a:t>
+              <a:t>© 2023, FLLTutorials.com. Last edit 8/06/2024</a:t>
             </a:r>
           </a:p>
         </p:txBody>
@@ -18327,9 +18327,9 @@
           <a:bodyPr/>
           <a:lstStyle/>
           <a:p>
-            <a:fld id="{62A29C7B-35B7-C641-8E59-D96FEF548905}" type="datetime1">
+            <a:fld id="{5A827C34-7080-C044-9E9D-7000B79C3FF0}" type="datetime1">
               <a:rPr lang="en-US" smtClean="0"/>
-              <a:t>8/4/23</a:t>
+              <a:t>8/5/24</a:t>
             </a:fld>
             <a:endParaRPr lang="en-US"/>
           </a:p>
@@ -18352,7 +18352,7 @@
           <a:p>
             <a:r>
               <a:rPr lang="en-US"/>
-              <a:t>© 2023, FLLTutorials.com. Last edit 5/29/2023</a:t>
+              <a:t>© 2023, FLLTutorials.com. Last edit 8/06/2024</a:t>
             </a:r>
           </a:p>
         </p:txBody>
@@ -18644,9 +18644,9 @@
             </a:lvl1pPr>
           </a:lstStyle>
           <a:p>
-            <a:fld id="{8BC8CEDC-531D-B54D-BFAC-1264FA31058C}" type="datetime1">
+            <a:fld id="{5A5F5898-56D1-7C4C-BD00-3230F4E2A9E8}" type="datetime1">
               <a:rPr lang="en-US" smtClean="0"/>
-              <a:t>8/4/23</a:t>
+              <a:t>8/5/24</a:t>
             </a:fld>
             <a:endParaRPr lang="en-US"/>
           </a:p>
@@ -18688,7 +18688,7 @@
           <a:p>
             <a:r>
               <a:rPr lang="en-US"/>
-              <a:t>© 2023, FLLTutorials.com. Last edit 5/29/2023</a:t>
+              <a:t>© 2023, FLLTutorials.com. Last edit 8/06/2024</a:t>
             </a:r>
           </a:p>
         </p:txBody>
@@ -18977,9 +18977,9 @@
             </a:lvl1pPr>
           </a:lstStyle>
           <a:p>
-            <a:fld id="{DAA9D902-1885-8442-B5E0-3CF4B9E39A90}" type="datetime1">
+            <a:fld id="{510EF5B1-BB6A-1749-B940-643C7D57E545}" type="datetime1">
               <a:rPr lang="en-US" smtClean="0"/>
-              <a:t>8/4/23</a:t>
+              <a:t>8/5/24</a:t>
             </a:fld>
             <a:endParaRPr lang="en-US"/>
           </a:p>
@@ -19024,7 +19024,7 @@
           <a:p>
             <a:r>
               <a:rPr lang="en-US"/>
-              <a:t>© 2023, FLLTutorials.com. Last edit 5/29/2023</a:t>
+              <a:t>© 2023, FLLTutorials.com. Last edit 8/06/2024</a:t>
             </a:r>
           </a:p>
         </p:txBody>
@@ -19431,7 +19431,7 @@
             <a:fld id="{B61BEF0D-F0BB-DE4B-95CE-6DB70DBA9567}" type="datetimeFigureOut">
               <a:rPr lang="en-US" smtClean="0"/>
               <a:pPr/>
-              <a:t>8/4/23</a:t>
+              <a:t>8/5/24</a:t>
             </a:fld>
             <a:endParaRPr lang="en-US" dirty="0"/>
           </a:p>
@@ -19747,9 +19747,9 @@
           <a:bodyPr/>
           <a:lstStyle/>
           <a:p>
-            <a:fld id="{022E074F-3DB1-AB42-87C2-27DE1C2A3079}" type="datetime1">
+            <a:fld id="{044E170A-90D4-5B4C-B0B5-5848844B5B29}" type="datetime1">
               <a:rPr lang="en-US" smtClean="0"/>
-              <a:t>8/4/23</a:t>
+              <a:t>8/5/24</a:t>
             </a:fld>
             <a:endParaRPr lang="en-US"/>
           </a:p>
@@ -19772,7 +19772,7 @@
           <a:p>
             <a:r>
               <a:rPr lang="en-US"/>
-              <a:t>© 2023, FLLTutorials.com. Last edit 5/29/2023</a:t>
+              <a:t>© 2023, FLLTutorials.com. Last edit 8/06/2024</a:t>
             </a:r>
           </a:p>
         </p:txBody>
@@ -20033,9 +20033,9 @@
           <a:bodyPr/>
           <a:lstStyle/>
           <a:p>
-            <a:fld id="{9C7F2D6C-935F-414C-8695-4A2347762F1C}" type="datetime1">
+            <a:fld id="{6A5E998C-CCD8-D241-831C-F8780B7A1030}" type="datetime1">
               <a:rPr lang="en-US" smtClean="0"/>
-              <a:t>8/4/23</a:t>
+              <a:t>8/5/24</a:t>
             </a:fld>
             <a:endParaRPr lang="en-US"/>
           </a:p>
@@ -20066,7 +20066,7 @@
           <a:p>
             <a:r>
               <a:rPr lang="en-US"/>
-              <a:t>© 2023, FLLTutorials.com. Last edit 5/29/2023</a:t>
+              <a:t>© 2023, FLLTutorials.com. Last edit 8/06/2024</a:t>
             </a:r>
           </a:p>
         </p:txBody>
@@ -20481,9 +20481,9 @@
           <a:bodyPr/>
           <a:lstStyle/>
           <a:p>
-            <a:fld id="{11FF363F-E439-E84C-8253-A2235E0D1366}" type="datetime1">
+            <a:fld id="{888D695D-C2E7-BE48-AB2F-0F5F7754F165}" type="datetime1">
               <a:rPr lang="en-US" smtClean="0"/>
-              <a:t>8/4/23</a:t>
+              <a:t>8/5/24</a:t>
             </a:fld>
             <a:endParaRPr lang="en-US"/>
           </a:p>
@@ -20514,7 +20514,7 @@
           <a:p>
             <a:r>
               <a:rPr lang="en-US"/>
-              <a:t>© 2023, FLLTutorials.com. Last edit 5/29/2023</a:t>
+              <a:t>© 2023, FLLTutorials.com. Last edit 8/06/2024</a:t>
             </a:r>
           </a:p>
         </p:txBody>
@@ -20665,9 +20665,9 @@
           <a:bodyPr/>
           <a:lstStyle/>
           <a:p>
-            <a:fld id="{74C486C1-F8EE-A744-9ACE-59C6FDB8CAB2}" type="datetime1">
+            <a:fld id="{471AF115-E400-BF4D-9FFD-41181F6AC5F2}" type="datetime1">
               <a:rPr lang="en-US" smtClean="0"/>
-              <a:t>8/4/23</a:t>
+              <a:t>8/5/24</a:t>
             </a:fld>
             <a:endParaRPr lang="en-US"/>
           </a:p>
@@ -20698,7 +20698,7 @@
           <a:p>
             <a:r>
               <a:rPr lang="en-US"/>
-              <a:t>© 2023, FLLTutorials.com. Last edit 5/29/2023</a:t>
+              <a:t>© 2023, FLLTutorials.com. Last edit 8/06/2024</a:t>
             </a:r>
           </a:p>
         </p:txBody>
@@ -20787,9 +20787,9 @@
           <a:bodyPr/>
           <a:lstStyle/>
           <a:p>
-            <a:fld id="{C1925913-DDF3-EB4C-B864-40548AF9041A}" type="datetime1">
+            <a:fld id="{7245C4FB-098D-C643-BC10-6144756C5B53}" type="datetime1">
               <a:rPr lang="en-US" smtClean="0"/>
-              <a:t>8/4/23</a:t>
+              <a:t>8/5/24</a:t>
             </a:fld>
             <a:endParaRPr lang="en-US"/>
           </a:p>
@@ -20820,7 +20820,7 @@
           <a:p>
             <a:r>
               <a:rPr lang="en-US"/>
-              <a:t>© 2023, FLLTutorials.com. Last edit 5/29/2023</a:t>
+              <a:t>© 2023, FLLTutorials.com. Last edit 8/06/2024</a:t>
             </a:r>
           </a:p>
         </p:txBody>
@@ -21192,9 +21192,9 @@
             </a:lvl1pPr>
           </a:lstStyle>
           <a:p>
-            <a:fld id="{6B0335E7-D28C-5948-88A8-EB957709F670}" type="datetime1">
+            <a:fld id="{9BE93E7A-06E9-3840-AE7E-C8463164984C}" type="datetime1">
               <a:rPr lang="en-US" smtClean="0"/>
-              <a:t>8/4/23</a:t>
+              <a:t>8/5/24</a:t>
             </a:fld>
             <a:endParaRPr lang="en-US"/>
           </a:p>
@@ -21236,7 +21236,7 @@
           <a:p>
             <a:r>
               <a:rPr lang="en-US"/>
-              <a:t>© 2023, FLLTutorials.com. Last edit 5/29/2023</a:t>
+              <a:t>© 2023, FLLTutorials.com. Last edit 8/06/2024</a:t>
             </a:r>
           </a:p>
         </p:txBody>
@@ -21508,9 +21508,9 @@
           <a:bodyPr/>
           <a:lstStyle/>
           <a:p>
-            <a:fld id="{9407FAE7-8621-D84D-BEBD-6B34E3C004CB}" type="datetime1">
+            <a:fld id="{9592D90A-02D3-274A-B4D1-8D8F96500885}" type="datetime1">
               <a:rPr lang="en-US" smtClean="0"/>
-              <a:t>8/4/23</a:t>
+              <a:t>8/5/24</a:t>
             </a:fld>
             <a:endParaRPr lang="en-US"/>
           </a:p>
@@ -21541,7 +21541,7 @@
           <a:p>
             <a:r>
               <a:rPr lang="en-US"/>
-              <a:t>© 2023, FLLTutorials.com. Last edit 5/29/2023</a:t>
+              <a:t>© 2023, FLLTutorials.com. Last edit 8/06/2024</a:t>
             </a:r>
           </a:p>
         </p:txBody>
@@ -21760,9 +21760,9 @@
           <a:bodyPr/>
           <a:lstStyle/>
           <a:p>
-            <a:fld id="{890B10B0-FB6F-9447-9B4A-180B36EF0EAB}" type="datetime1">
+            <a:fld id="{2F41CA38-3131-C444-BEFD-31D0A775E8EB}" type="datetime1">
               <a:rPr lang="en-US" smtClean="0"/>
-              <a:t>8/4/23</a:t>
+              <a:t>8/5/24</a:t>
             </a:fld>
             <a:endParaRPr lang="en-US"/>
           </a:p>
@@ -21793,7 +21793,7 @@
           <a:p>
             <a:r>
               <a:rPr lang="en-US"/>
-              <a:t>© 2023, FLLTutorials.com. Last edit 5/29/2023</a:t>
+              <a:t>© 2023, FLLTutorials.com. Last edit 8/06/2024</a:t>
             </a:r>
           </a:p>
         </p:txBody>
@@ -22017,9 +22017,9 @@
             </a:lvl1pPr>
           </a:lstStyle>
           <a:p>
-            <a:fld id="{8E7009A3-1C52-634B-93D0-183D43D1AB03}" type="datetime1">
+            <a:fld id="{87526CC6-480D-5D42-A4DF-47554FACAFEF}" type="datetime1">
               <a:rPr lang="en-US" smtClean="0"/>
-              <a:t>8/4/23</a:t>
+              <a:t>8/5/24</a:t>
             </a:fld>
             <a:endParaRPr lang="en-US"/>
           </a:p>
@@ -22050,7 +22050,7 @@
           <a:p>
             <a:r>
               <a:rPr lang="en-US"/>
-              <a:t>© 2023, FLLTutorials.com. Last edit 5/29/2023</a:t>
+              <a:t>© 2023, FLLTutorials.com. Last edit 8/06/2024</a:t>
             </a:r>
           </a:p>
         </p:txBody>
@@ -22294,9 +22294,9 @@
           <a:bodyPr/>
           <a:lstStyle/>
           <a:p>
-            <a:fld id="{DA11C0BE-28CB-D949-A880-B5689942F69A}" type="datetime1">
+            <a:fld id="{6E396537-99A4-2D45-88E8-CD141CABE049}" type="datetime1">
               <a:rPr lang="en-US" smtClean="0"/>
-              <a:t>8/4/23</a:t>
+              <a:t>8/5/24</a:t>
             </a:fld>
             <a:endParaRPr lang="en-US"/>
           </a:p>
@@ -22319,7 +22319,7 @@
           <a:p>
             <a:r>
               <a:rPr lang="en-US"/>
-              <a:t>© 2023, FLLTutorials.com. Last edit 5/29/2023</a:t>
+              <a:t>© 2023, FLLTutorials.com. Last edit 8/06/2024</a:t>
             </a:r>
           </a:p>
         </p:txBody>
@@ -22594,9 +22594,9 @@
           <a:bodyPr/>
           <a:lstStyle/>
           <a:p>
-            <a:fld id="{31D11EC9-8072-2C41-A6DA-57FC27E5117F}" type="datetime1">
+            <a:fld id="{811049C4-FA31-844B-883F-2B840BB53849}" type="datetime1">
               <a:rPr lang="en-US" smtClean="0"/>
-              <a:t>8/4/23</a:t>
+              <a:t>8/5/24</a:t>
             </a:fld>
             <a:endParaRPr lang="en-US"/>
           </a:p>
@@ -22619,7 +22619,7 @@
           <a:p>
             <a:r>
               <a:rPr lang="en-US"/>
-              <a:t>© 2023, FLLTutorials.com. Last edit 5/29/2023</a:t>
+              <a:t>© 2023, FLLTutorials.com. Last edit 8/06/2024</a:t>
             </a:r>
           </a:p>
         </p:txBody>
@@ -22895,9 +22895,9 @@
             </a:lvl1pPr>
           </a:lstStyle>
           <a:p>
-            <a:fld id="{462CADC2-3254-6146-9613-0402D9799241}" type="datetime1">
+            <a:fld id="{030EED50-6F13-2647-B2FD-4675A5CFEEBC}" type="datetime1">
               <a:rPr lang="en-US" smtClean="0"/>
-              <a:t>8/4/23</a:t>
+              <a:t>8/5/24</a:t>
             </a:fld>
             <a:endParaRPr lang="en-US"/>
           </a:p>
@@ -22936,7 +22936,7 @@
           <a:p>
             <a:r>
               <a:rPr lang="en-US"/>
-              <a:t>© 2023, FLLTutorials.com. Last edit 5/29/2023</a:t>
+              <a:t>© 2023, FLLTutorials.com. Last edit 8/06/2024</a:t>
             </a:r>
           </a:p>
         </p:txBody>
@@ -23418,7 +23418,7 @@
     <p:sldLayoutId id="2147483845" r:id="rId10"/>
     <p:sldLayoutId id="2147483846" r:id="rId11"/>
   </p:sldLayoutIdLst>
-  <p:hf hdr="0" dt="0"/>
+  <p:hf sldNum="0" hdr="0" dt="0"/>
   <p:txStyles>
     <p:titleStyle>
       <a:lvl1pPr algn="l" defTabSz="914400" rtl="0" eaLnBrk="1" latinLnBrk="0" hangingPunct="1">
@@ -23847,9 +23847,9 @@
             </a:lvl1pPr>
           </a:lstStyle>
           <a:p>
-            <a:fld id="{AC2A2535-6B74-2949-BB4D-C8CCC2E7BA50}" type="datetime1">
+            <a:fld id="{71ED64FA-3264-E547-A80E-432A960DBCC7}" type="datetime1">
               <a:rPr lang="en-US" smtClean="0"/>
-              <a:t>8/4/23</a:t>
+              <a:t>8/5/24</a:t>
             </a:fld>
             <a:endParaRPr lang="en-US"/>
           </a:p>
@@ -23888,7 +23888,7 @@
           <a:p>
             <a:r>
               <a:rPr lang="en-US"/>
-              <a:t>© 2023, FLLTutorials.com. Last edit 5/29/2023</a:t>
+              <a:t>© 2023, FLLTutorials.com. Last edit 8/06/2024</a:t>
             </a:r>
           </a:p>
         </p:txBody>
@@ -24476,7 +24476,7 @@
     <p:sldLayoutId id="2147483857" r:id="rId10"/>
     <p:sldLayoutId id="2147483858" r:id="rId11"/>
   </p:sldLayoutIdLst>
-  <p:hf hdr="0" dt="0"/>
+  <p:hf sldNum="0" hdr="0" dt="0"/>
   <p:txStyles>
     <p:titleStyle>
       <a:lvl1pPr algn="l" defTabSz="914400" rtl="0" eaLnBrk="1" latinLnBrk="0" hangingPunct="1">
@@ -24905,9 +24905,9 @@
             </a:lvl1pPr>
           </a:lstStyle>
           <a:p>
-            <a:fld id="{5E41E998-9442-A34C-91A9-DBA05648CD92}" type="datetime1">
+            <a:fld id="{75704BF2-5BBD-834F-B7A7-97E08E653AD8}" type="datetime1">
               <a:rPr lang="en-US" smtClean="0"/>
-              <a:t>8/4/23</a:t>
+              <a:t>8/5/24</a:t>
             </a:fld>
             <a:endParaRPr lang="en-US"/>
           </a:p>
@@ -24948,7 +24948,7 @@
           <a:p>
             <a:r>
               <a:rPr lang="en-US"/>
-              <a:t>© 2023, FLLTutorials.com. Last edit 5/29/2023</a:t>
+              <a:t>© 2023, FLLTutorials.com. Last edit 8/06/2024</a:t>
             </a:r>
           </a:p>
         </p:txBody>
@@ -25015,7 +25015,7 @@
     <p:sldLayoutId id="2147483869" r:id="rId10"/>
     <p:sldLayoutId id="2147483870" r:id="rId11"/>
   </p:sldLayoutIdLst>
-  <p:hf hdr="0" dt="0"/>
+  <p:hf sldNum="0" hdr="0" dt="0"/>
   <p:txStyles>
     <p:titleStyle>
       <a:lvl1pPr algn="l" defTabSz="914400" rtl="0" eaLnBrk="1" latinLnBrk="0" hangingPunct="1">
@@ -25447,9 +25447,9 @@
             </a:lvl1pPr>
           </a:lstStyle>
           <a:p>
-            <a:fld id="{30B4CC43-88A6-4F49-9573-ED49E165B1B9}" type="datetime1">
+            <a:fld id="{E07938FD-0D26-B747-B03E-B823FE5778D1}" type="datetime1">
               <a:rPr lang="en-US" smtClean="0"/>
-              <a:t>8/4/23</a:t>
+              <a:t>8/5/24</a:t>
             </a:fld>
             <a:endParaRPr lang="en-US"/>
           </a:p>
@@ -25488,7 +25488,7 @@
           <a:p>
             <a:r>
               <a:rPr lang="en-US"/>
-              <a:t>© 2023, FLLTutorials.com. Last edit 5/29/2023</a:t>
+              <a:t>© 2023, FLLTutorials.com. Last edit 8/06/2024</a:t>
             </a:r>
           </a:p>
         </p:txBody>
@@ -26387,7 +26387,7 @@
     <p:sldLayoutId id="2147483881" r:id="rId10"/>
     <p:sldLayoutId id="2147483882" r:id="rId11"/>
   </p:sldLayoutIdLst>
-  <p:hf hdr="0" dt="0"/>
+  <p:hf sldNum="0" hdr="0" dt="0"/>
   <p:txStyles>
     <p:titleStyle>
       <a:lvl1pPr algn="l" defTabSz="914400" rtl="0" eaLnBrk="1" latinLnBrk="0" hangingPunct="1">
@@ -26816,9 +26816,9 @@
             </a:lvl1pPr>
           </a:lstStyle>
           <a:p>
-            <a:fld id="{9CC6AF4D-0A6F-0943-8224-CB6EF68885CA}" type="datetime1">
+            <a:fld id="{9E746A46-6F16-E44D-8EEB-48C58030E3A7}" type="datetime1">
               <a:rPr lang="en-US" smtClean="0"/>
-              <a:t>8/4/23</a:t>
+              <a:t>8/5/24</a:t>
             </a:fld>
             <a:endParaRPr lang="en-US"/>
           </a:p>
@@ -26857,7 +26857,7 @@
           <a:p>
             <a:r>
               <a:rPr lang="en-US"/>
-              <a:t>© 2023, FLLTutorials.com. Last edit 5/29/2023</a:t>
+              <a:t>© 2023, FLLTutorials.com. Last edit 8/06/2024</a:t>
             </a:r>
           </a:p>
         </p:txBody>
@@ -27465,7 +27465,7 @@
     <p:sldLayoutId id="2147483893" r:id="rId10"/>
     <p:sldLayoutId id="2147483894" r:id="rId11"/>
   </p:sldLayoutIdLst>
-  <p:hf hdr="0" dt="0"/>
+  <p:hf sldNum="0" hdr="0" dt="0"/>
   <p:txStyles>
     <p:titleStyle>
       <a:lvl1pPr algn="l" defTabSz="914400" rtl="0" eaLnBrk="1" latinLnBrk="0" hangingPunct="1">
@@ -27894,9 +27894,9 @@
             </a:lvl1pPr>
           </a:lstStyle>
           <a:p>
-            <a:fld id="{D3F965D1-E182-3145-A4F1-39D5CC2E5182}" type="datetime1">
+            <a:fld id="{8259AECD-68A4-3B40-B54E-6065CCC619E2}" type="datetime1">
               <a:rPr lang="en-US" smtClean="0"/>
-              <a:t>8/4/23</a:t>
+              <a:t>8/5/24</a:t>
             </a:fld>
             <a:endParaRPr lang="en-US"/>
           </a:p>
@@ -27937,7 +27937,7 @@
           <a:p>
             <a:r>
               <a:rPr lang="en-US"/>
-              <a:t>© 2023, FLLTutorials.com. Last edit 5/29/2023</a:t>
+              <a:t>© 2023, FLLTutorials.com. Last edit 8/06/2024</a:t>
             </a:r>
           </a:p>
         </p:txBody>
@@ -28004,7 +28004,7 @@
     <p:sldLayoutId id="2147483905" r:id="rId10"/>
     <p:sldLayoutId id="2147483906" r:id="rId11"/>
   </p:sldLayoutIdLst>
-  <p:hf hdr="0" dt="0"/>
+  <p:hf sldNum="0" hdr="0" dt="0"/>
   <p:txStyles>
     <p:titleStyle>
       <a:lvl1pPr algn="l" defTabSz="914400" rtl="0" eaLnBrk="1" latinLnBrk="0" hangingPunct="1">
@@ -28556,9 +28556,9 @@
             </a:lvl1pPr>
           </a:lstStyle>
           <a:p>
-            <a:fld id="{939D3FB8-1CBC-A244-8FFF-66C8BE8CCE20}" type="datetime1">
+            <a:fld id="{E1EEF7A4-F08D-A949-80DE-EAF042DEC702}" type="datetime1">
               <a:rPr lang="en-US" smtClean="0"/>
-              <a:t>8/4/23</a:t>
+              <a:t>8/5/24</a:t>
             </a:fld>
             <a:endParaRPr lang="en-US"/>
           </a:p>
@@ -28606,7 +28606,7 @@
           <a:p>
             <a:r>
               <a:rPr lang="en-US"/>
-              <a:t>© 2023, FLLTutorials.com. Last edit 5/29/2023</a:t>
+              <a:t>© 2023, FLLTutorials.com. Last edit 8/06/2024</a:t>
             </a:r>
           </a:p>
         </p:txBody>
@@ -28680,7 +28680,7 @@
     <p:sldLayoutId id="2147483917" r:id="rId10"/>
     <p:sldLayoutId id="2147483918" r:id="rId11"/>
   </p:sldLayoutIdLst>
-  <p:hf hdr="0" dt="0"/>
+  <p:hf sldNum="0" hdr="0" dt="0"/>
   <p:txStyles>
     <p:titleStyle>
       <a:lvl1pPr algn="l" defTabSz="457200" rtl="0" eaLnBrk="1" latinLnBrk="0" hangingPunct="1">
@@ -29246,37 +29246,8 @@
           <a:p>
             <a:r>
               <a:rPr lang="en-US"/>
-              <a:t>© 2023, FLLTutorials.com. Last edit 5/29/2023</a:t>
-            </a:r>
-          </a:p>
-        </p:txBody>
-      </p:sp>
-      <p:sp>
-        <p:nvSpPr>
-          <p:cNvPr id="5" name="Slide Number Placeholder 4">
-            <a:extLst>
-              <a:ext uri="{FF2B5EF4-FFF2-40B4-BE49-F238E27FC236}">
-                <a16:creationId xmlns:a16="http://schemas.microsoft.com/office/drawing/2014/main" id="{389DBF8F-052D-AB40-A3DE-34D7AF5A14E4}"/>
-              </a:ext>
-            </a:extLst>
-          </p:cNvPr>
-          <p:cNvSpPr>
-            <a:spLocks noGrp="1"/>
-          </p:cNvSpPr>
-          <p:nvPr>
-            <p:ph type="sldNum" sz="quarter" idx="12"/>
-          </p:nvPr>
-        </p:nvSpPr>
-        <p:spPr/>
-        <p:txBody>
-          <a:bodyPr/>
-          <a:lstStyle/>
-          <a:p>
-            <a:fld id="{4DBC7FC8-25FB-FC45-8177-2B991DA6778C}" type="slidenum">
-              <a:rPr lang="en-US" smtClean="0"/>
-              <a:t>2</a:t>
-            </a:fld>
-            <a:endParaRPr lang="en-US" dirty="0"/>
+              <a:t>© 2023, FLLTutorials.com. Last edit 8/06/2024</a:t>
+            </a:r>
           </a:p>
         </p:txBody>
       </p:sp>
@@ -29397,37 +29368,8 @@
           <a:p>
             <a:r>
               <a:rPr lang="en-US"/>
-              <a:t>© 2023, FLLTutorials.com. Last edit 5/29/2023</a:t>
-            </a:r>
-            <a:endParaRPr lang="en-US" dirty="0"/>
-          </a:p>
-        </p:txBody>
-      </p:sp>
-      <p:sp>
-        <p:nvSpPr>
-          <p:cNvPr id="5" name="Slide Number Placeholder 4">
-            <a:extLst>
-              <a:ext uri="{FF2B5EF4-FFF2-40B4-BE49-F238E27FC236}">
-                <a16:creationId xmlns:a16="http://schemas.microsoft.com/office/drawing/2014/main" id="{2F64C665-3721-3E44-BED2-329C2CAA5FD7}"/>
-              </a:ext>
-            </a:extLst>
-          </p:cNvPr>
-          <p:cNvSpPr>
-            <a:spLocks noGrp="1"/>
-          </p:cNvSpPr>
-          <p:nvPr>
-            <p:ph type="sldNum" sz="quarter" idx="12"/>
-          </p:nvPr>
-        </p:nvSpPr>
-        <p:spPr/>
-        <p:txBody>
-          <a:bodyPr/>
-          <a:lstStyle/>
-          <a:p>
-            <a:fld id="{4DBC7FC8-25FB-FC45-8177-2B991DA6778C}" type="slidenum">
-              <a:rPr lang="en-US" smtClean="0"/>
-              <a:t>3</a:t>
-            </a:fld>
+              <a:t>© 2023, FLLTutorials.com. Last edit 8/06/2024</a:t>
+            </a:r>
             <a:endParaRPr lang="en-US" dirty="0"/>
           </a:p>
         </p:txBody>
@@ -29447,7 +29389,7 @@
         <p:spPr>
           <a:xfrm>
             <a:off x="4063006" y="1761893"/>
-            <a:ext cx="4507938" cy="4524315"/>
+            <a:ext cx="4507938" cy="3693319"/>
           </a:xfrm>
           <a:prstGeom prst="rect">
             <a:avLst/>
@@ -29506,17 +29448,17 @@
             </a:pPr>
             <a:r>
               <a:rPr lang="en-US" dirty="0"/>
-              <a:t>Core Values is a time for judges to ask questions (no presentation). Core Values judges will be judging during the Team Welcome, Innovation Project and Robot Design as well</a:t>
+              <a:t>Core Values is judged during the other presentations (see rubrics)</a:t>
             </a:r>
           </a:p>
         </p:txBody>
       </p:sp>
       <p:pic>
         <p:nvPicPr>
-          <p:cNvPr id="8" name="Content Placeholder 7" descr="A diagram of a team&#10;&#10;Description automatically generated">
+          <p:cNvPr id="9" name="Content Placeholder 8" descr="A diagram of a team&#10;&#10;Description automatically generated">
             <a:extLst>
               <a:ext uri="{FF2B5EF4-FFF2-40B4-BE49-F238E27FC236}">
-                <a16:creationId xmlns:a16="http://schemas.microsoft.com/office/drawing/2014/main" id="{1CE79044-1DF6-C3F0-4DAD-F15EC36B0A04}"/>
+                <a16:creationId xmlns:a16="http://schemas.microsoft.com/office/drawing/2014/main" id="{D5DC1BEF-88FF-E210-80E1-021B5B5241DB}"/>
               </a:ext>
             </a:extLst>
           </p:cNvPr>
@@ -29541,8 +29483,8 @@
         </p:blipFill>
         <p:spPr>
           <a:xfrm>
-            <a:off x="573056" y="1658837"/>
-            <a:ext cx="3323537" cy="4354513"/>
+            <a:off x="545455" y="1658837"/>
+            <a:ext cx="3504851" cy="4354513"/>
           </a:xfrm>
         </p:spPr>
       </p:pic>
@@ -29599,7 +29541,7 @@
           <a:p>
             <a:r>
               <a:rPr lang="en-US" dirty="0"/>
-              <a:t>JUDGES will fill in all three rubrics</a:t>
+              <a:t>JUDGES will fill in 2 rubrics + FEEDBACK</a:t>
             </a:r>
           </a:p>
         </p:txBody>
@@ -29627,55 +29569,24 @@
           <a:p>
             <a:r>
               <a:rPr lang="en-US"/>
-              <a:t>© 2023, FLLTutorials.com. Last edit 5/29/2023</a:t>
-            </a:r>
-          </a:p>
-        </p:txBody>
-      </p:sp>
-      <p:sp>
-        <p:nvSpPr>
-          <p:cNvPr id="5" name="Slide Number Placeholder 4">
+              <a:t>© 2023, FLLTutorials.com. Last edit 8/06/2024</a:t>
+            </a:r>
+          </a:p>
+        </p:txBody>
+      </p:sp>
+      <p:pic>
+        <p:nvPicPr>
+          <p:cNvPr id="11" name="Picture 10" descr="A close-up of a form&#10;&#10;Description automatically generated">
             <a:extLst>
               <a:ext uri="{FF2B5EF4-FFF2-40B4-BE49-F238E27FC236}">
-                <a16:creationId xmlns:a16="http://schemas.microsoft.com/office/drawing/2014/main" id="{298FAB25-41FF-AC4F-9082-63D8D16F7B35}"/>
-              </a:ext>
-            </a:extLst>
-          </p:cNvPr>
-          <p:cNvSpPr>
-            <a:spLocks noGrp="1"/>
-          </p:cNvSpPr>
-          <p:nvPr>
-            <p:ph type="sldNum" sz="quarter" idx="12"/>
-          </p:nvPr>
-        </p:nvSpPr>
-        <p:spPr/>
-        <p:txBody>
-          <a:bodyPr/>
-          <a:lstStyle/>
-          <a:p>
-            <a:fld id="{4DBC7FC8-25FB-FC45-8177-2B991DA6778C}" type="slidenum">
-              <a:rPr lang="en-US" smtClean="0"/>
-              <a:t>4</a:t>
-            </a:fld>
-            <a:endParaRPr lang="en-US" dirty="0"/>
-          </a:p>
-        </p:txBody>
-      </p:sp>
-      <p:pic>
-        <p:nvPicPr>
-          <p:cNvPr id="12" name="Content Placeholder 11" descr="Table&#10;&#10;Description automatically generated">
-            <a:extLst>
-              <a:ext uri="{FF2B5EF4-FFF2-40B4-BE49-F238E27FC236}">
-                <a16:creationId xmlns:a16="http://schemas.microsoft.com/office/drawing/2014/main" id="{C2F13462-131A-A920-E7CE-3CAFD004CC62}"/>
+                <a16:creationId xmlns:a16="http://schemas.microsoft.com/office/drawing/2014/main" id="{A101EDA7-F22B-EA3B-AD13-7D45F921C5E3}"/>
               </a:ext>
             </a:extLst>
           </p:cNvPr>
           <p:cNvPicPr>
-            <a:picLocks noGrp="1" noChangeAspect="1"/>
+            <a:picLocks noChangeAspect="1"/>
           </p:cNvPicPr>
-          <p:nvPr>
-            <p:ph idx="1"/>
-          </p:nvPr>
+          <p:nvPr/>
         </p:nvPicPr>
         <p:blipFill>
           <a:blip r:embed="rId2">
@@ -29691,17 +29602,20 @@
         </p:blipFill>
         <p:spPr>
           <a:xfrm>
-            <a:off x="355601" y="1564731"/>
-            <a:ext cx="3606214" cy="2940361"/>
+            <a:off x="1143802" y="1498548"/>
+            <a:ext cx="3005661" cy="4052000"/>
           </a:xfrm>
+          <a:prstGeom prst="rect">
+            <a:avLst/>
+          </a:prstGeom>
         </p:spPr>
       </p:pic>
       <p:pic>
         <p:nvPicPr>
-          <p:cNvPr id="14" name="Picture 13" descr="Table&#10;&#10;Description automatically generated">
+          <p:cNvPr id="15" name="Picture 14" descr="A close-up of a form&#10;&#10;Description automatically generated">
             <a:extLst>
               <a:ext uri="{FF2B5EF4-FFF2-40B4-BE49-F238E27FC236}">
-                <a16:creationId xmlns:a16="http://schemas.microsoft.com/office/drawing/2014/main" id="{874DA325-FB95-AB38-3FBD-D9DD35469E0B}"/>
+                <a16:creationId xmlns:a16="http://schemas.microsoft.com/office/drawing/2014/main" id="{E4675A27-D626-0F6C-69B9-E130AD60C703}"/>
               </a:ext>
             </a:extLst>
           </p:cNvPr>
@@ -29724,8 +29638,8 @@
         </p:blipFill>
         <p:spPr>
           <a:xfrm>
-            <a:off x="2679237" y="2506143"/>
-            <a:ext cx="3695870" cy="2940361"/>
+            <a:off x="3069169" y="1932619"/>
+            <a:ext cx="3005661" cy="4021226"/>
           </a:xfrm>
           <a:prstGeom prst="rect">
             <a:avLst/>
@@ -29734,10 +29648,10 @@
       </p:pic>
       <p:pic>
         <p:nvPicPr>
-          <p:cNvPr id="6" name="Picture 5" descr="A pink and black survey&#10;&#10;Description automatically generated">
+          <p:cNvPr id="16" name="Picture 15" descr="A white paper with text and a diagram&#10;&#10;Description automatically generated with medium confidence">
             <a:extLst>
               <a:ext uri="{FF2B5EF4-FFF2-40B4-BE49-F238E27FC236}">
-                <a16:creationId xmlns:a16="http://schemas.microsoft.com/office/drawing/2014/main" id="{E9941891-65FD-4969-BDFF-7CDC552E4709}"/>
+                <a16:creationId xmlns:a16="http://schemas.microsoft.com/office/drawing/2014/main" id="{B278D02B-A557-AC54-6EC6-7EE55FFADBCF}"/>
               </a:ext>
             </a:extLst>
           </p:cNvPr>
@@ -29760,8 +29674,8 @@
         </p:blipFill>
         <p:spPr>
           <a:xfrm>
-            <a:off x="4704802" y="3271267"/>
-            <a:ext cx="4083597" cy="2803093"/>
+            <a:off x="5137266" y="2483769"/>
+            <a:ext cx="2982264" cy="3904147"/>
           </a:xfrm>
           <a:prstGeom prst="rect">
             <a:avLst/>
@@ -29850,7 +29764,7 @@
         </p:spPr>
         <p:txBody>
           <a:bodyPr>
-            <a:normAutofit lnSpcReduction="10000"/>
+            <a:normAutofit/>
           </a:bodyPr>
           <a:lstStyle/>
           <a:p>
@@ -29878,7 +29792,7 @@
             </a:r>
             <a:r>
               <a:rPr lang="en-US" sz="1800" dirty="0"/>
-              <a:t>Have everything ready for Robot and Core Values Presentations so that it is quick and easy to switch to the next presentation. Consider having everything on one cart.</a:t>
+              <a:t>Have everything ready for Robot Evaluation so that it is quick and easy to switch to the next presentation. Consider having everything on one cart.</a:t>
             </a:r>
           </a:p>
           <a:p>
@@ -29926,11 +29840,15 @@
                   <a:srgbClr val="FF0000"/>
                 </a:solidFill>
               </a:rPr>
-              <a:t>Leave a summary sheet if allowed. </a:t>
-            </a:r>
-            <a:r>
-              <a:rPr lang="en-US" sz="1800" dirty="0"/>
-              <a:t>If you are allowed to leave documentation, include some highlights about your robot, project and core values.</a:t>
+              <a:t>You are not allowed to leave anything with judges.</a:t>
+            </a:r>
+            <a:r>
+              <a:rPr lang="en-US" sz="1800" dirty="0">
+                <a:solidFill>
+                  <a:schemeClr val="tx1"/>
+                </a:solidFill>
+              </a:rPr>
+              <a:t> So communicate and show everything you need to during judging.</a:t>
             </a:r>
           </a:p>
         </p:txBody>
@@ -29958,37 +29876,8 @@
           <a:p>
             <a:r>
               <a:rPr lang="en-US"/>
-              <a:t>© 2023, FLLTutorials.com. Last edit 5/29/2023</a:t>
-            </a:r>
-          </a:p>
-        </p:txBody>
-      </p:sp>
-      <p:sp>
-        <p:nvSpPr>
-          <p:cNvPr id="5" name="Slide Number Placeholder 4">
-            <a:extLst>
-              <a:ext uri="{FF2B5EF4-FFF2-40B4-BE49-F238E27FC236}">
-                <a16:creationId xmlns:a16="http://schemas.microsoft.com/office/drawing/2014/main" id="{2EA952D1-FC51-C248-91FB-9D0803759DB1}"/>
-              </a:ext>
-            </a:extLst>
-          </p:cNvPr>
-          <p:cNvSpPr>
-            <a:spLocks noGrp="1"/>
-          </p:cNvSpPr>
-          <p:nvPr>
-            <p:ph type="sldNum" sz="quarter" idx="12"/>
-          </p:nvPr>
-        </p:nvSpPr>
-        <p:spPr/>
-        <p:txBody>
-          <a:bodyPr/>
-          <a:lstStyle/>
-          <a:p>
-            <a:fld id="{4DBC7FC8-25FB-FC45-8177-2B991DA6778C}" type="slidenum">
-              <a:rPr lang="en-US" smtClean="0"/>
-              <a:t>5</a:t>
-            </a:fld>
-            <a:endParaRPr lang="en-US" dirty="0"/>
+              <a:t>© 2023, FLLTutorials.com. Last edit 8/06/2024</a:t>
+            </a:r>
           </a:p>
         </p:txBody>
       </p:sp>
@@ -30220,37 +30109,8 @@
           <a:p>
             <a:r>
               <a:rPr lang="en-US"/>
-              <a:t>© 2023, FLLTutorials.com. Last edit 5/29/2023</a:t>
-            </a:r>
-          </a:p>
-        </p:txBody>
-      </p:sp>
-      <p:sp>
-        <p:nvSpPr>
-          <p:cNvPr id="5" name="Slide Number Placeholder 4">
-            <a:extLst>
-              <a:ext uri="{FF2B5EF4-FFF2-40B4-BE49-F238E27FC236}">
-                <a16:creationId xmlns:a16="http://schemas.microsoft.com/office/drawing/2014/main" id="{2EA952D1-FC51-C248-91FB-9D0803759DB1}"/>
-              </a:ext>
-            </a:extLst>
-          </p:cNvPr>
-          <p:cNvSpPr>
-            <a:spLocks noGrp="1"/>
-          </p:cNvSpPr>
-          <p:nvPr>
-            <p:ph type="sldNum" sz="quarter" idx="12"/>
-          </p:nvPr>
-        </p:nvSpPr>
-        <p:spPr/>
-        <p:txBody>
-          <a:bodyPr/>
-          <a:lstStyle/>
-          <a:p>
-            <a:fld id="{4DBC7FC8-25FB-FC45-8177-2B991DA6778C}" type="slidenum">
-              <a:rPr lang="en-US" smtClean="0"/>
-              <a:t>6</a:t>
-            </a:fld>
-            <a:endParaRPr lang="en-US" dirty="0"/>
+              <a:t>© 2023, FLLTutorials.com. Last edit 8/06/2024</a:t>
+            </a:r>
           </a:p>
         </p:txBody>
       </p:sp>
@@ -30406,7 +30266,7 @@
           <a:effectLst/>
           <a:extLst>
             <a:ext uri="{91240B29-F687-4f45-9708-019B960494DF}">
-              <a14:hiddenLine xmlns="" xmlns:a14="http://schemas.microsoft.com/office/drawing/2010/main" w="9525">
+              <a14:hiddenLine xmlns:a14="http://schemas.microsoft.com/office/drawing/2010/main" xmlns="" w="9525">
                 <a:solidFill>
                   <a:schemeClr val="tx1"/>
                 </a:solidFill>
@@ -30416,7 +30276,7 @@
               </a14:hiddenLine>
             </a:ext>
             <a:ext uri="{AF507438-7753-43e0-B8FC-AC1667EBCBE1}">
-              <a14:hiddenEffects xmlns="" xmlns:a14="http://schemas.microsoft.com/office/drawing/2010/main">
+              <a14:hiddenEffects xmlns:a14="http://schemas.microsoft.com/office/drawing/2010/main" xmlns="">
                 <a:effectLst>
                   <a:outerShdw dist="35921" dir="2700000" algn="ctr" rotWithShape="0">
                     <a:schemeClr val="bg2"/>
@@ -30757,7 +30617,7 @@
           <a:noFill/>
           <a:extLst>
             <a:ext uri="{909E8E84-426E-40dd-AFC4-6F175D3DCCD1}">
-              <a14:hiddenFill xmlns="" xmlns:a14="http://schemas.microsoft.com/office/drawing/2010/main">
+              <a14:hiddenFill xmlns:a14="http://schemas.microsoft.com/office/drawing/2010/main" xmlns="">
                 <a:solidFill>
                   <a:srgbClr val="FFFFFF"/>
                 </a:solidFill>
@@ -30766,35 +30626,6 @@
           </a:extLst>
         </p:spPr>
       </p:pic>
-      <p:sp>
-        <p:nvSpPr>
-          <p:cNvPr id="7" name="Slide Number Placeholder 6">
-            <a:extLst>
-              <a:ext uri="{FF2B5EF4-FFF2-40B4-BE49-F238E27FC236}">
-                <a16:creationId xmlns:a16="http://schemas.microsoft.com/office/drawing/2014/main" id="{6CC9A036-66A8-F24D-BB87-252EAA10F256}"/>
-              </a:ext>
-            </a:extLst>
-          </p:cNvPr>
-          <p:cNvSpPr>
-            <a:spLocks noGrp="1"/>
-          </p:cNvSpPr>
-          <p:nvPr>
-            <p:ph type="sldNum" sz="quarter" idx="12"/>
-          </p:nvPr>
-        </p:nvSpPr>
-        <p:spPr/>
-        <p:txBody>
-          <a:bodyPr/>
-          <a:lstStyle/>
-          <a:p>
-            <a:fld id="{4DBC7FC8-25FB-FC45-8177-2B991DA6778C}" type="slidenum">
-              <a:rPr lang="en-US" smtClean="0"/>
-              <a:t>7</a:t>
-            </a:fld>
-            <a:endParaRPr lang="en-US" dirty="0"/>
-          </a:p>
-        </p:txBody>
-      </p:sp>
       <p:sp>
         <p:nvSpPr>
           <p:cNvPr id="4" name="Footer Placeholder 3">
@@ -30818,7 +30649,7 @@
           <a:p>
             <a:r>
               <a:rPr lang="en-US"/>
-              <a:t>© 2023, FLLTutorials.com. Last edit 5/29/2023</a:t>
+              <a:t>© 2023, FLLTutorials.com. Last edit 8/06/2024</a:t>
             </a:r>
           </a:p>
         </p:txBody>
